--- a/Graphs.pptx
+++ b/Graphs.pptx
@@ -261,7 +261,7 @@
           <a:p>
             <a:fld id="{F1060869-B550-1243-84A8-BC75E6A20A47}" type="datetimeFigureOut">
               <a:rPr lang="en-TW" smtClean="0"/>
-              <a:t>2024/5/12</a:t>
+              <a:t>2024/5/16</a:t>
             </a:fld>
             <a:endParaRPr lang="en-TW"/>
           </a:p>
@@ -461,7 +461,7 @@
           <a:p>
             <a:fld id="{F1060869-B550-1243-84A8-BC75E6A20A47}" type="datetimeFigureOut">
               <a:rPr lang="en-TW" smtClean="0"/>
-              <a:t>2024/5/12</a:t>
+              <a:t>2024/5/16</a:t>
             </a:fld>
             <a:endParaRPr lang="en-TW"/>
           </a:p>
@@ -671,7 +671,7 @@
           <a:p>
             <a:fld id="{F1060869-B550-1243-84A8-BC75E6A20A47}" type="datetimeFigureOut">
               <a:rPr lang="en-TW" smtClean="0"/>
-              <a:t>2024/5/12</a:t>
+              <a:t>2024/5/16</a:t>
             </a:fld>
             <a:endParaRPr lang="en-TW"/>
           </a:p>
@@ -871,7 +871,7 @@
           <a:p>
             <a:fld id="{F1060869-B550-1243-84A8-BC75E6A20A47}" type="datetimeFigureOut">
               <a:rPr lang="en-TW" smtClean="0"/>
-              <a:t>2024/5/12</a:t>
+              <a:t>2024/5/16</a:t>
             </a:fld>
             <a:endParaRPr lang="en-TW"/>
           </a:p>
@@ -1147,7 +1147,7 @@
           <a:p>
             <a:fld id="{F1060869-B550-1243-84A8-BC75E6A20A47}" type="datetimeFigureOut">
               <a:rPr lang="en-TW" smtClean="0"/>
-              <a:t>2024/5/12</a:t>
+              <a:t>2024/5/16</a:t>
             </a:fld>
             <a:endParaRPr lang="en-TW"/>
           </a:p>
@@ -1415,7 +1415,7 @@
           <a:p>
             <a:fld id="{F1060869-B550-1243-84A8-BC75E6A20A47}" type="datetimeFigureOut">
               <a:rPr lang="en-TW" smtClean="0"/>
-              <a:t>2024/5/12</a:t>
+              <a:t>2024/5/16</a:t>
             </a:fld>
             <a:endParaRPr lang="en-TW"/>
           </a:p>
@@ -1830,7 +1830,7 @@
           <a:p>
             <a:fld id="{F1060869-B550-1243-84A8-BC75E6A20A47}" type="datetimeFigureOut">
               <a:rPr lang="en-TW" smtClean="0"/>
-              <a:t>2024/5/12</a:t>
+              <a:t>2024/5/16</a:t>
             </a:fld>
             <a:endParaRPr lang="en-TW"/>
           </a:p>
@@ -1972,7 +1972,7 @@
           <a:p>
             <a:fld id="{F1060869-B550-1243-84A8-BC75E6A20A47}" type="datetimeFigureOut">
               <a:rPr lang="en-TW" smtClean="0"/>
-              <a:t>2024/5/12</a:t>
+              <a:t>2024/5/16</a:t>
             </a:fld>
             <a:endParaRPr lang="en-TW"/>
           </a:p>
@@ -2085,7 +2085,7 @@
           <a:p>
             <a:fld id="{F1060869-B550-1243-84A8-BC75E6A20A47}" type="datetimeFigureOut">
               <a:rPr lang="en-TW" smtClean="0"/>
-              <a:t>2024/5/12</a:t>
+              <a:t>2024/5/16</a:t>
             </a:fld>
             <a:endParaRPr lang="en-TW"/>
           </a:p>
@@ -2398,7 +2398,7 @@
           <a:p>
             <a:fld id="{F1060869-B550-1243-84A8-BC75E6A20A47}" type="datetimeFigureOut">
               <a:rPr lang="en-TW" smtClean="0"/>
-              <a:t>2024/5/12</a:t>
+              <a:t>2024/5/16</a:t>
             </a:fld>
             <a:endParaRPr lang="en-TW"/>
           </a:p>
@@ -2687,7 +2687,7 @@
           <a:p>
             <a:fld id="{F1060869-B550-1243-84A8-BC75E6A20A47}" type="datetimeFigureOut">
               <a:rPr lang="en-TW" smtClean="0"/>
-              <a:t>2024/5/12</a:t>
+              <a:t>2024/5/16</a:t>
             </a:fld>
             <a:endParaRPr lang="en-TW"/>
           </a:p>
@@ -2930,7 +2930,7 @@
           <a:p>
             <a:fld id="{F1060869-B550-1243-84A8-BC75E6A20A47}" type="datetimeFigureOut">
               <a:rPr lang="en-TW" smtClean="0"/>
-              <a:t>2024/5/12</a:t>
+              <a:t>2024/5/16</a:t>
             </a:fld>
             <a:endParaRPr lang="en-TW"/>
           </a:p>
@@ -3701,7 +3701,7 @@
         </p:nvSpPr>
         <p:spPr>
           <a:xfrm>
-            <a:off x="6987398" y="2134495"/>
+            <a:off x="7005417" y="2134495"/>
             <a:ext cx="2063578" cy="307777"/>
           </a:xfrm>
           <a:prstGeom prst="rect">
@@ -4321,7 +4321,7 @@
         <p:spPr>
           <a:xfrm flipV="1">
             <a:off x="6722075" y="2288384"/>
-            <a:ext cx="265323" cy="4011"/>
+            <a:ext cx="283342" cy="4011"/>
           </a:xfrm>
           <a:prstGeom prst="straightConnector1">
             <a:avLst/>
@@ -4363,8 +4363,8 @@
         </p:nvCxnSpPr>
         <p:spPr>
           <a:xfrm>
-            <a:off x="9050976" y="2288384"/>
-            <a:ext cx="1029465" cy="6431"/>
+            <a:off x="9068995" y="2288384"/>
+            <a:ext cx="894135" cy="6430"/>
           </a:xfrm>
           <a:prstGeom prst="straightConnector1">
             <a:avLst/>
@@ -4452,8 +4452,8 @@
         </p:nvCxnSpPr>
         <p:spPr>
           <a:xfrm rot="5400000">
-            <a:off x="8285551" y="1294977"/>
-            <a:ext cx="1530850" cy="3838302"/>
+            <a:off x="8226896" y="1353632"/>
+            <a:ext cx="1530851" cy="3720991"/>
           </a:xfrm>
           <a:prstGeom prst="bentConnector3">
             <a:avLst>
@@ -4672,7 +4672,7 @@
         </p:nvSpPr>
         <p:spPr>
           <a:xfrm>
-            <a:off x="10080441" y="2140926"/>
+            <a:off x="9963130" y="2140925"/>
             <a:ext cx="1779372" cy="307777"/>
           </a:xfrm>
           <a:prstGeom prst="rect">

--- a/Graphs.pptx
+++ b/Graphs.pptx
@@ -4,8 +4,13 @@
   <p:sldMasterIdLst>
     <p:sldMasterId id="2147483648" r:id="rId1"/>
   </p:sldMasterIdLst>
+  <p:notesMasterIdLst>
+    <p:notesMasterId r:id="rId5"/>
+  </p:notesMasterIdLst>
   <p:sldIdLst>
     <p:sldId id="257" r:id="rId2"/>
+    <p:sldId id="259" r:id="rId3"/>
+    <p:sldId id="258" r:id="rId4"/>
   </p:sldIdLst>
   <p:sldSz cx="12192000" cy="6858000"/>
   <p:notesSz cx="6858000" cy="9144000"/>
@@ -110,6 +115,608 @@
     </p:ext>
   </p:extLst>
 </p:presentation>
+</file>
+
+<file path=ppt/notesMasters/notesMaster1.xml><?xml version="1.0" encoding="utf-8"?>
+<p:notesMaster xmlns:a="http://schemas.openxmlformats.org/drawingml/2006/main" xmlns:r="http://schemas.openxmlformats.org/officeDocument/2006/relationships" xmlns:p="http://schemas.openxmlformats.org/presentationml/2006/main">
+  <p:cSld>
+    <p:bg>
+      <p:bgRef idx="1001">
+        <a:schemeClr val="bg1"/>
+      </p:bgRef>
+    </p:bg>
+    <p:spTree>
+      <p:nvGrpSpPr>
+        <p:cNvPr id="1" name=""/>
+        <p:cNvGrpSpPr/>
+        <p:nvPr/>
+      </p:nvGrpSpPr>
+      <p:grpSpPr>
+        <a:xfrm>
+          <a:off x="0" y="0"/>
+          <a:ext cx="0" cy="0"/>
+          <a:chOff x="0" y="0"/>
+          <a:chExt cx="0" cy="0"/>
+        </a:xfrm>
+      </p:grpSpPr>
+      <p:sp>
+        <p:nvSpPr>
+          <p:cNvPr id="2" name="Header Placeholder 1"/>
+          <p:cNvSpPr>
+            <a:spLocks noGrp="1"/>
+          </p:cNvSpPr>
+          <p:nvPr>
+            <p:ph type="hdr" sz="quarter"/>
+          </p:nvPr>
+        </p:nvSpPr>
+        <p:spPr>
+          <a:xfrm>
+            <a:off x="0" y="0"/>
+            <a:ext cx="2971800" cy="458788"/>
+          </a:xfrm>
+          <a:prstGeom prst="rect">
+            <a:avLst/>
+          </a:prstGeom>
+        </p:spPr>
+        <p:txBody>
+          <a:bodyPr vert="horz" lIns="91440" tIns="45720" rIns="91440" bIns="45720" rtlCol="0"/>
+          <a:lstStyle>
+            <a:lvl1pPr algn="l">
+              <a:defRPr sz="1200"/>
+            </a:lvl1pPr>
+          </a:lstStyle>
+          <a:p>
+            <a:endParaRPr lang="en-TW"/>
+          </a:p>
+        </p:txBody>
+      </p:sp>
+      <p:sp>
+        <p:nvSpPr>
+          <p:cNvPr id="3" name="Date Placeholder 2"/>
+          <p:cNvSpPr>
+            <a:spLocks noGrp="1"/>
+          </p:cNvSpPr>
+          <p:nvPr>
+            <p:ph type="dt" idx="1"/>
+          </p:nvPr>
+        </p:nvSpPr>
+        <p:spPr>
+          <a:xfrm>
+            <a:off x="3884613" y="0"/>
+            <a:ext cx="2971800" cy="458788"/>
+          </a:xfrm>
+          <a:prstGeom prst="rect">
+            <a:avLst/>
+          </a:prstGeom>
+        </p:spPr>
+        <p:txBody>
+          <a:bodyPr vert="horz" lIns="91440" tIns="45720" rIns="91440" bIns="45720" rtlCol="0"/>
+          <a:lstStyle>
+            <a:lvl1pPr algn="r">
+              <a:defRPr sz="1200"/>
+            </a:lvl1pPr>
+          </a:lstStyle>
+          <a:p>
+            <a:fld id="{CDC20CE0-D7AB-4E41-9A62-FA916E968D6E}" type="datetimeFigureOut">
+              <a:rPr lang="en-TW" smtClean="0"/>
+              <a:t>2024/5/22</a:t>
+            </a:fld>
+            <a:endParaRPr lang="en-TW"/>
+          </a:p>
+        </p:txBody>
+      </p:sp>
+      <p:sp>
+        <p:nvSpPr>
+          <p:cNvPr id="4" name="Slide Image Placeholder 3"/>
+          <p:cNvSpPr>
+            <a:spLocks noGrp="1" noRot="1" noChangeAspect="1"/>
+          </p:cNvSpPr>
+          <p:nvPr>
+            <p:ph type="sldImg" idx="2"/>
+          </p:nvPr>
+        </p:nvSpPr>
+        <p:spPr>
+          <a:xfrm>
+            <a:off x="685800" y="1143000"/>
+            <a:ext cx="5486400" cy="3086100"/>
+          </a:xfrm>
+          <a:prstGeom prst="rect">
+            <a:avLst/>
+          </a:prstGeom>
+          <a:noFill/>
+          <a:ln w="12700">
+            <a:solidFill>
+              <a:prstClr val="black"/>
+            </a:solidFill>
+          </a:ln>
+        </p:spPr>
+        <p:txBody>
+          <a:bodyPr vert="horz" lIns="91440" tIns="45720" rIns="91440" bIns="45720" rtlCol="0" anchor="ctr"/>
+          <a:lstStyle/>
+          <a:p>
+            <a:endParaRPr lang="en-TW"/>
+          </a:p>
+        </p:txBody>
+      </p:sp>
+      <p:sp>
+        <p:nvSpPr>
+          <p:cNvPr id="5" name="Notes Placeholder 4"/>
+          <p:cNvSpPr>
+            <a:spLocks noGrp="1"/>
+          </p:cNvSpPr>
+          <p:nvPr>
+            <p:ph type="body" sz="quarter" idx="3"/>
+          </p:nvPr>
+        </p:nvSpPr>
+        <p:spPr>
+          <a:xfrm>
+            <a:off x="685800" y="4400550"/>
+            <a:ext cx="5486400" cy="3600450"/>
+          </a:xfrm>
+          <a:prstGeom prst="rect">
+            <a:avLst/>
+          </a:prstGeom>
+        </p:spPr>
+        <p:txBody>
+          <a:bodyPr vert="horz" lIns="91440" tIns="45720" rIns="91440" bIns="45720" rtlCol="0"/>
+          <a:lstStyle/>
+          <a:p>
+            <a:pPr lvl="0"/>
+            <a:r>
+              <a:rPr lang="en-US"/>
+              <a:t>Click to edit Master text styles</a:t>
+            </a:r>
+          </a:p>
+          <a:p>
+            <a:pPr lvl="1"/>
+            <a:r>
+              <a:rPr lang="en-US"/>
+              <a:t>Second level</a:t>
+            </a:r>
+          </a:p>
+          <a:p>
+            <a:pPr lvl="2"/>
+            <a:r>
+              <a:rPr lang="en-US"/>
+              <a:t>Third level</a:t>
+            </a:r>
+          </a:p>
+          <a:p>
+            <a:pPr lvl="3"/>
+            <a:r>
+              <a:rPr lang="en-US"/>
+              <a:t>Fourth level</a:t>
+            </a:r>
+          </a:p>
+          <a:p>
+            <a:pPr lvl="4"/>
+            <a:r>
+              <a:rPr lang="en-US"/>
+              <a:t>Fifth level</a:t>
+            </a:r>
+            <a:endParaRPr lang="en-TW"/>
+          </a:p>
+        </p:txBody>
+      </p:sp>
+      <p:sp>
+        <p:nvSpPr>
+          <p:cNvPr id="6" name="Footer Placeholder 5"/>
+          <p:cNvSpPr>
+            <a:spLocks noGrp="1"/>
+          </p:cNvSpPr>
+          <p:nvPr>
+            <p:ph type="ftr" sz="quarter" idx="4"/>
+          </p:nvPr>
+        </p:nvSpPr>
+        <p:spPr>
+          <a:xfrm>
+            <a:off x="0" y="8685213"/>
+            <a:ext cx="2971800" cy="458787"/>
+          </a:xfrm>
+          <a:prstGeom prst="rect">
+            <a:avLst/>
+          </a:prstGeom>
+        </p:spPr>
+        <p:txBody>
+          <a:bodyPr vert="horz" lIns="91440" tIns="45720" rIns="91440" bIns="45720" rtlCol="0" anchor="b"/>
+          <a:lstStyle>
+            <a:lvl1pPr algn="l">
+              <a:defRPr sz="1200"/>
+            </a:lvl1pPr>
+          </a:lstStyle>
+          <a:p>
+            <a:endParaRPr lang="en-TW"/>
+          </a:p>
+        </p:txBody>
+      </p:sp>
+      <p:sp>
+        <p:nvSpPr>
+          <p:cNvPr id="7" name="Slide Number Placeholder 6"/>
+          <p:cNvSpPr>
+            <a:spLocks noGrp="1"/>
+          </p:cNvSpPr>
+          <p:nvPr>
+            <p:ph type="sldNum" sz="quarter" idx="5"/>
+          </p:nvPr>
+        </p:nvSpPr>
+        <p:spPr>
+          <a:xfrm>
+            <a:off x="3884613" y="8685213"/>
+            <a:ext cx="2971800" cy="458787"/>
+          </a:xfrm>
+          <a:prstGeom prst="rect">
+            <a:avLst/>
+          </a:prstGeom>
+        </p:spPr>
+        <p:txBody>
+          <a:bodyPr vert="horz" lIns="91440" tIns="45720" rIns="91440" bIns="45720" rtlCol="0" anchor="b"/>
+          <a:lstStyle>
+            <a:lvl1pPr algn="r">
+              <a:defRPr sz="1200"/>
+            </a:lvl1pPr>
+          </a:lstStyle>
+          <a:p>
+            <a:fld id="{EF560F6B-E0EB-6048-B6E7-41953CB8D809}" type="slidenum">
+              <a:rPr lang="en-TW" smtClean="0"/>
+              <a:t>‹#›</a:t>
+            </a:fld>
+            <a:endParaRPr lang="en-TW"/>
+          </a:p>
+        </p:txBody>
+      </p:sp>
+    </p:spTree>
+    <p:extLst>
+      <p:ext uri="{BB962C8B-B14F-4D97-AF65-F5344CB8AC3E}">
+        <p14:creationId xmlns:p14="http://schemas.microsoft.com/office/powerpoint/2010/main" val="3692228964"/>
+      </p:ext>
+    </p:extLst>
+  </p:cSld>
+  <p:clrMap bg1="lt1" tx1="dk1" bg2="lt2" tx2="dk2" accent1="accent1" accent2="accent2" accent3="accent3" accent4="accent4" accent5="accent5" accent6="accent6" hlink="hlink" folHlink="folHlink"/>
+  <p:notesStyle>
+    <a:lvl1pPr marL="0" algn="l" defTabSz="914400" rtl="0" eaLnBrk="1" latinLnBrk="0" hangingPunct="1">
+      <a:defRPr sz="1200" kern="1200">
+        <a:solidFill>
+          <a:schemeClr val="tx1"/>
+        </a:solidFill>
+        <a:latin typeface="+mn-lt"/>
+        <a:ea typeface="+mn-ea"/>
+        <a:cs typeface="+mn-cs"/>
+      </a:defRPr>
+    </a:lvl1pPr>
+    <a:lvl2pPr marL="457200" algn="l" defTabSz="914400" rtl="0" eaLnBrk="1" latinLnBrk="0" hangingPunct="1">
+      <a:defRPr sz="1200" kern="1200">
+        <a:solidFill>
+          <a:schemeClr val="tx1"/>
+        </a:solidFill>
+        <a:latin typeface="+mn-lt"/>
+        <a:ea typeface="+mn-ea"/>
+        <a:cs typeface="+mn-cs"/>
+      </a:defRPr>
+    </a:lvl2pPr>
+    <a:lvl3pPr marL="914400" algn="l" defTabSz="914400" rtl="0" eaLnBrk="1" latinLnBrk="0" hangingPunct="1">
+      <a:defRPr sz="1200" kern="1200">
+        <a:solidFill>
+          <a:schemeClr val="tx1"/>
+        </a:solidFill>
+        <a:latin typeface="+mn-lt"/>
+        <a:ea typeface="+mn-ea"/>
+        <a:cs typeface="+mn-cs"/>
+      </a:defRPr>
+    </a:lvl3pPr>
+    <a:lvl4pPr marL="1371600" algn="l" defTabSz="914400" rtl="0" eaLnBrk="1" latinLnBrk="0" hangingPunct="1">
+      <a:defRPr sz="1200" kern="1200">
+        <a:solidFill>
+          <a:schemeClr val="tx1"/>
+        </a:solidFill>
+        <a:latin typeface="+mn-lt"/>
+        <a:ea typeface="+mn-ea"/>
+        <a:cs typeface="+mn-cs"/>
+      </a:defRPr>
+    </a:lvl4pPr>
+    <a:lvl5pPr marL="1828800" algn="l" defTabSz="914400" rtl="0" eaLnBrk="1" latinLnBrk="0" hangingPunct="1">
+      <a:defRPr sz="1200" kern="1200">
+        <a:solidFill>
+          <a:schemeClr val="tx1"/>
+        </a:solidFill>
+        <a:latin typeface="+mn-lt"/>
+        <a:ea typeface="+mn-ea"/>
+        <a:cs typeface="+mn-cs"/>
+      </a:defRPr>
+    </a:lvl5pPr>
+    <a:lvl6pPr marL="2286000" algn="l" defTabSz="914400" rtl="0" eaLnBrk="1" latinLnBrk="0" hangingPunct="1">
+      <a:defRPr sz="1200" kern="1200">
+        <a:solidFill>
+          <a:schemeClr val="tx1"/>
+        </a:solidFill>
+        <a:latin typeface="+mn-lt"/>
+        <a:ea typeface="+mn-ea"/>
+        <a:cs typeface="+mn-cs"/>
+      </a:defRPr>
+    </a:lvl6pPr>
+    <a:lvl7pPr marL="2743200" algn="l" defTabSz="914400" rtl="0" eaLnBrk="1" latinLnBrk="0" hangingPunct="1">
+      <a:defRPr sz="1200" kern="1200">
+        <a:solidFill>
+          <a:schemeClr val="tx1"/>
+        </a:solidFill>
+        <a:latin typeface="+mn-lt"/>
+        <a:ea typeface="+mn-ea"/>
+        <a:cs typeface="+mn-cs"/>
+      </a:defRPr>
+    </a:lvl7pPr>
+    <a:lvl8pPr marL="3200400" algn="l" defTabSz="914400" rtl="0" eaLnBrk="1" latinLnBrk="0" hangingPunct="1">
+      <a:defRPr sz="1200" kern="1200">
+        <a:solidFill>
+          <a:schemeClr val="tx1"/>
+        </a:solidFill>
+        <a:latin typeface="+mn-lt"/>
+        <a:ea typeface="+mn-ea"/>
+        <a:cs typeface="+mn-cs"/>
+      </a:defRPr>
+    </a:lvl8pPr>
+    <a:lvl9pPr marL="3657600" algn="l" defTabSz="914400" rtl="0" eaLnBrk="1" latinLnBrk="0" hangingPunct="1">
+      <a:defRPr sz="1200" kern="1200">
+        <a:solidFill>
+          <a:schemeClr val="tx1"/>
+        </a:solidFill>
+        <a:latin typeface="+mn-lt"/>
+        <a:ea typeface="+mn-ea"/>
+        <a:cs typeface="+mn-cs"/>
+      </a:defRPr>
+    </a:lvl9pPr>
+  </p:notesStyle>
+</p:notesMaster>
+</file>
+
+<file path=ppt/notesSlides/notesSlide1.xml><?xml version="1.0" encoding="utf-8"?>
+<p:notes xmlns:a="http://schemas.openxmlformats.org/drawingml/2006/main" xmlns:r="http://schemas.openxmlformats.org/officeDocument/2006/relationships" xmlns:p="http://schemas.openxmlformats.org/presentationml/2006/main">
+  <p:cSld>
+    <p:spTree>
+      <p:nvGrpSpPr>
+        <p:cNvPr id="1" name=""/>
+        <p:cNvGrpSpPr/>
+        <p:nvPr/>
+      </p:nvGrpSpPr>
+      <p:grpSpPr>
+        <a:xfrm>
+          <a:off x="0" y="0"/>
+          <a:ext cx="0" cy="0"/>
+          <a:chOff x="0" y="0"/>
+          <a:chExt cx="0" cy="0"/>
+        </a:xfrm>
+      </p:grpSpPr>
+      <p:sp>
+        <p:nvSpPr>
+          <p:cNvPr id="2" name="Slide Image Placeholder 1"/>
+          <p:cNvSpPr>
+            <a:spLocks noGrp="1" noRot="1" noChangeAspect="1"/>
+          </p:cNvSpPr>
+          <p:nvPr>
+            <p:ph type="sldImg"/>
+          </p:nvPr>
+        </p:nvSpPr>
+        <p:spPr/>
+      </p:sp>
+      <p:sp>
+        <p:nvSpPr>
+          <p:cNvPr id="3" name="Notes Placeholder 2"/>
+          <p:cNvSpPr>
+            <a:spLocks noGrp="1"/>
+          </p:cNvSpPr>
+          <p:nvPr>
+            <p:ph type="body" idx="1"/>
+          </p:nvPr>
+        </p:nvSpPr>
+        <p:spPr/>
+        <p:txBody>
+          <a:bodyPr/>
+          <a:lstStyle/>
+          <a:p>
+            <a:endParaRPr lang="en-TW" dirty="0"/>
+          </a:p>
+        </p:txBody>
+      </p:sp>
+      <p:sp>
+        <p:nvSpPr>
+          <p:cNvPr id="4" name="Slide Number Placeholder 3"/>
+          <p:cNvSpPr>
+            <a:spLocks noGrp="1"/>
+          </p:cNvSpPr>
+          <p:nvPr>
+            <p:ph type="sldNum" sz="quarter" idx="5"/>
+          </p:nvPr>
+        </p:nvSpPr>
+        <p:spPr/>
+        <p:txBody>
+          <a:bodyPr/>
+          <a:lstStyle/>
+          <a:p>
+            <a:fld id="{EF560F6B-E0EB-6048-B6E7-41953CB8D809}" type="slidenum">
+              <a:rPr lang="en-TW" smtClean="0"/>
+              <a:t>1</a:t>
+            </a:fld>
+            <a:endParaRPr lang="en-TW"/>
+          </a:p>
+        </p:txBody>
+      </p:sp>
+    </p:spTree>
+    <p:extLst>
+      <p:ext uri="{BB962C8B-B14F-4D97-AF65-F5344CB8AC3E}">
+        <p14:creationId xmlns:p14="http://schemas.microsoft.com/office/powerpoint/2010/main" val="2282732767"/>
+      </p:ext>
+    </p:extLst>
+  </p:cSld>
+  <p:clrMapOvr>
+    <a:masterClrMapping/>
+  </p:clrMapOvr>
+</p:notes>
+</file>
+
+<file path=ppt/notesSlides/notesSlide2.xml><?xml version="1.0" encoding="utf-8"?>
+<p:notes xmlns:a="http://schemas.openxmlformats.org/drawingml/2006/main" xmlns:r="http://schemas.openxmlformats.org/officeDocument/2006/relationships" xmlns:p="http://schemas.openxmlformats.org/presentationml/2006/main">
+  <p:cSld>
+    <p:spTree>
+      <p:nvGrpSpPr>
+        <p:cNvPr id="1" name=""/>
+        <p:cNvGrpSpPr/>
+        <p:nvPr/>
+      </p:nvGrpSpPr>
+      <p:grpSpPr>
+        <a:xfrm>
+          <a:off x="0" y="0"/>
+          <a:ext cx="0" cy="0"/>
+          <a:chOff x="0" y="0"/>
+          <a:chExt cx="0" cy="0"/>
+        </a:xfrm>
+      </p:grpSpPr>
+      <p:sp>
+        <p:nvSpPr>
+          <p:cNvPr id="2" name="Slide Image Placeholder 1"/>
+          <p:cNvSpPr>
+            <a:spLocks noGrp="1" noRot="1" noChangeAspect="1"/>
+          </p:cNvSpPr>
+          <p:nvPr>
+            <p:ph type="sldImg"/>
+          </p:nvPr>
+        </p:nvSpPr>
+        <p:spPr/>
+      </p:sp>
+      <p:sp>
+        <p:nvSpPr>
+          <p:cNvPr id="3" name="Notes Placeholder 2"/>
+          <p:cNvSpPr>
+            <a:spLocks noGrp="1"/>
+          </p:cNvSpPr>
+          <p:nvPr>
+            <p:ph type="body" idx="1"/>
+          </p:nvPr>
+        </p:nvSpPr>
+        <p:spPr/>
+        <p:txBody>
+          <a:bodyPr/>
+          <a:lstStyle/>
+          <a:p>
+            <a:endParaRPr lang="en-TW" dirty="0"/>
+          </a:p>
+        </p:txBody>
+      </p:sp>
+      <p:sp>
+        <p:nvSpPr>
+          <p:cNvPr id="4" name="Slide Number Placeholder 3"/>
+          <p:cNvSpPr>
+            <a:spLocks noGrp="1"/>
+          </p:cNvSpPr>
+          <p:nvPr>
+            <p:ph type="sldNum" sz="quarter" idx="5"/>
+          </p:nvPr>
+        </p:nvSpPr>
+        <p:spPr/>
+        <p:txBody>
+          <a:bodyPr/>
+          <a:lstStyle/>
+          <a:p>
+            <a:fld id="{EF560F6B-E0EB-6048-B6E7-41953CB8D809}" type="slidenum">
+              <a:rPr lang="en-TW" smtClean="0"/>
+              <a:t>2</a:t>
+            </a:fld>
+            <a:endParaRPr lang="en-TW"/>
+          </a:p>
+        </p:txBody>
+      </p:sp>
+    </p:spTree>
+    <p:extLst>
+      <p:ext uri="{BB962C8B-B14F-4D97-AF65-F5344CB8AC3E}">
+        <p14:creationId xmlns:p14="http://schemas.microsoft.com/office/powerpoint/2010/main" val="528402368"/>
+      </p:ext>
+    </p:extLst>
+  </p:cSld>
+  <p:clrMapOvr>
+    <a:masterClrMapping/>
+  </p:clrMapOvr>
+</p:notes>
+</file>
+
+<file path=ppt/notesSlides/notesSlide3.xml><?xml version="1.0" encoding="utf-8"?>
+<p:notes xmlns:a="http://schemas.openxmlformats.org/drawingml/2006/main" xmlns:r="http://schemas.openxmlformats.org/officeDocument/2006/relationships" xmlns:p="http://schemas.openxmlformats.org/presentationml/2006/main">
+  <p:cSld>
+    <p:spTree>
+      <p:nvGrpSpPr>
+        <p:cNvPr id="1" name=""/>
+        <p:cNvGrpSpPr/>
+        <p:nvPr/>
+      </p:nvGrpSpPr>
+      <p:grpSpPr>
+        <a:xfrm>
+          <a:off x="0" y="0"/>
+          <a:ext cx="0" cy="0"/>
+          <a:chOff x="0" y="0"/>
+          <a:chExt cx="0" cy="0"/>
+        </a:xfrm>
+      </p:grpSpPr>
+      <p:sp>
+        <p:nvSpPr>
+          <p:cNvPr id="2" name="Slide Image Placeholder 1"/>
+          <p:cNvSpPr>
+            <a:spLocks noGrp="1" noRot="1" noChangeAspect="1"/>
+          </p:cNvSpPr>
+          <p:nvPr>
+            <p:ph type="sldImg"/>
+          </p:nvPr>
+        </p:nvSpPr>
+        <p:spPr/>
+      </p:sp>
+      <p:sp>
+        <p:nvSpPr>
+          <p:cNvPr id="3" name="Notes Placeholder 2"/>
+          <p:cNvSpPr>
+            <a:spLocks noGrp="1"/>
+          </p:cNvSpPr>
+          <p:nvPr>
+            <p:ph type="body" idx="1"/>
+          </p:nvPr>
+        </p:nvSpPr>
+        <p:spPr/>
+        <p:txBody>
+          <a:bodyPr/>
+          <a:lstStyle/>
+          <a:p>
+            <a:endParaRPr lang="en-TW" dirty="0"/>
+          </a:p>
+        </p:txBody>
+      </p:sp>
+      <p:sp>
+        <p:nvSpPr>
+          <p:cNvPr id="4" name="Slide Number Placeholder 3"/>
+          <p:cNvSpPr>
+            <a:spLocks noGrp="1"/>
+          </p:cNvSpPr>
+          <p:nvPr>
+            <p:ph type="sldNum" sz="quarter" idx="5"/>
+          </p:nvPr>
+        </p:nvSpPr>
+        <p:spPr/>
+        <p:txBody>
+          <a:bodyPr/>
+          <a:lstStyle/>
+          <a:p>
+            <a:fld id="{EF560F6B-E0EB-6048-B6E7-41953CB8D809}" type="slidenum">
+              <a:rPr lang="en-TW" smtClean="0"/>
+              <a:t>3</a:t>
+            </a:fld>
+            <a:endParaRPr lang="en-TW"/>
+          </a:p>
+        </p:txBody>
+      </p:sp>
+    </p:spTree>
+    <p:extLst>
+      <p:ext uri="{BB962C8B-B14F-4D97-AF65-F5344CB8AC3E}">
+        <p14:creationId xmlns:p14="http://schemas.microsoft.com/office/powerpoint/2010/main" val="3783015190"/>
+      </p:ext>
+    </p:extLst>
+  </p:cSld>
+  <p:clrMapOvr>
+    <a:masterClrMapping/>
+  </p:clrMapOvr>
+</p:notes>
 </file>
 
 <file path=ppt/slideLayouts/slideLayout1.xml><?xml version="1.0" encoding="utf-8"?>
@@ -3349,154 +3956,30 @@
       </p:grpSpPr>
       <p:sp>
         <p:nvSpPr>
-          <p:cNvPr id="4" name="TextBox 3">
-            <a:extLst>
-              <a:ext uri="{FF2B5EF4-FFF2-40B4-BE49-F238E27FC236}">
-                <a16:creationId xmlns:a16="http://schemas.microsoft.com/office/drawing/2014/main" id="{CDBECCC6-C965-7B76-6D19-C4505511E74B}"/>
-              </a:ext>
-            </a:extLst>
-          </p:cNvPr>
-          <p:cNvSpPr txBox="1"/>
-          <p:nvPr/>
-        </p:nvSpPr>
-        <p:spPr>
-          <a:xfrm>
-            <a:off x="93560" y="2142086"/>
-            <a:ext cx="1779372" cy="307777"/>
+          <p:cNvPr id="77" name="Rectangle 76">
+            <a:extLst>
+              <a:ext uri="{FF2B5EF4-FFF2-40B4-BE49-F238E27FC236}">
+                <a16:creationId xmlns:a16="http://schemas.microsoft.com/office/drawing/2014/main" id="{DEF710DC-859B-E52F-881A-C7B1C35E1E6D}"/>
+              </a:ext>
+            </a:extLst>
+          </p:cNvPr>
+          <p:cNvSpPr/>
+          <p:nvPr/>
+        </p:nvSpPr>
+        <p:spPr>
+          <a:xfrm>
+            <a:off x="2346008" y="2400286"/>
+            <a:ext cx="1964648" cy="1282446"/>
           </a:xfrm>
           <a:prstGeom prst="rect">
             <a:avLst/>
           </a:prstGeom>
-          <a:noFill/>
-          <a:ln w="12700">
-            <a:solidFill>
-              <a:schemeClr val="tx1"/>
-            </a:solidFill>
-          </a:ln>
-        </p:spPr>
-        <p:txBody>
-          <a:bodyPr wrap="square" rtlCol="0">
-            <a:spAutoFit/>
-          </a:bodyPr>
-          <a:lstStyle/>
-          <a:p>
-            <a:pPr algn="ctr"/>
-            <a:r>
-              <a:rPr lang="en-TW" sz="1400" dirty="0">
-                <a:latin typeface=""/>
-              </a:rPr>
-              <a:t>CT/MRI scanner</a:t>
-            </a:r>
-          </a:p>
-        </p:txBody>
-      </p:sp>
-      <p:sp>
-        <p:nvSpPr>
-          <p:cNvPr id="5" name="TextBox 4">
-            <a:extLst>
-              <a:ext uri="{FF2B5EF4-FFF2-40B4-BE49-F238E27FC236}">
-                <a16:creationId xmlns:a16="http://schemas.microsoft.com/office/drawing/2014/main" id="{22B0C54B-E963-26F5-7191-5D64120B587D}"/>
-              </a:ext>
-            </a:extLst>
-          </p:cNvPr>
-          <p:cNvSpPr txBox="1"/>
-          <p:nvPr/>
-        </p:nvSpPr>
-        <p:spPr>
-          <a:xfrm>
-            <a:off x="2442394" y="2138506"/>
-            <a:ext cx="1779372" cy="307777"/>
-          </a:xfrm>
-          <a:prstGeom prst="rect">
-            <a:avLst/>
-          </a:prstGeom>
-          <a:noFill/>
-          <a:ln w="12700">
-            <a:solidFill>
-              <a:schemeClr val="tx1"/>
-            </a:solidFill>
-          </a:ln>
-        </p:spPr>
-        <p:txBody>
-          <a:bodyPr wrap="square" rtlCol="0">
-            <a:spAutoFit/>
-          </a:bodyPr>
-          <a:lstStyle/>
-          <a:p>
-            <a:pPr algn="ctr"/>
-            <a:r>
-              <a:rPr lang="en-TW" sz="1400" dirty="0">
-                <a:latin typeface=""/>
-              </a:rPr>
-              <a:t>Raw Image Data</a:t>
-            </a:r>
-          </a:p>
-        </p:txBody>
-      </p:sp>
-      <p:sp>
-        <p:nvSpPr>
-          <p:cNvPr id="6" name="TextBox 5">
-            <a:extLst>
-              <a:ext uri="{FF2B5EF4-FFF2-40B4-BE49-F238E27FC236}">
-                <a16:creationId xmlns:a16="http://schemas.microsoft.com/office/drawing/2014/main" id="{3F2B59EE-406D-589E-47CB-119EDD8631E3}"/>
-              </a:ext>
-            </a:extLst>
-          </p:cNvPr>
-          <p:cNvSpPr txBox="1"/>
-          <p:nvPr/>
-        </p:nvSpPr>
-        <p:spPr>
-          <a:xfrm>
-            <a:off x="2442394" y="2579473"/>
-            <a:ext cx="1779372" cy="307777"/>
-          </a:xfrm>
-          <a:prstGeom prst="rect">
-            <a:avLst/>
-          </a:prstGeom>
-          <a:noFill/>
-          <a:ln w="12700">
-            <a:solidFill>
-              <a:schemeClr val="tx1"/>
-            </a:solidFill>
-          </a:ln>
-        </p:spPr>
-        <p:txBody>
-          <a:bodyPr wrap="square" rtlCol="0">
-            <a:spAutoFit/>
-          </a:bodyPr>
-          <a:lstStyle/>
-          <a:p>
-            <a:pPr algn="ctr"/>
-            <a:r>
-              <a:rPr lang="en-TW" sz="1400" dirty="0">
-                <a:latin typeface=""/>
-              </a:rPr>
-              <a:t>Metadata </a:t>
-            </a:r>
-          </a:p>
-        </p:txBody>
-      </p:sp>
-      <p:sp>
-        <p:nvSpPr>
-          <p:cNvPr id="8" name="Rectangle 7">
-            <a:extLst>
-              <a:ext uri="{FF2B5EF4-FFF2-40B4-BE49-F238E27FC236}">
-                <a16:creationId xmlns:a16="http://schemas.microsoft.com/office/drawing/2014/main" id="{F8C8D784-6170-41FB-8819-8C174615184C}"/>
-              </a:ext>
-            </a:extLst>
-          </p:cNvPr>
-          <p:cNvSpPr/>
-          <p:nvPr/>
-        </p:nvSpPr>
-        <p:spPr>
-          <a:xfrm>
-            <a:off x="2349756" y="1545281"/>
-            <a:ext cx="1964648" cy="1501389"/>
-          </a:xfrm>
-          <a:prstGeom prst="rect">
-            <a:avLst/>
-          </a:prstGeom>
-          <a:noFill/>
+          <a:solidFill>
+            <a:schemeClr val="accent3">
+              <a:lumMod val="20000"/>
+              <a:lumOff val="80000"/>
+            </a:schemeClr>
+          </a:solidFill>
           <a:ln>
             <a:solidFill>
               <a:schemeClr val="tx1"/>
@@ -3531,17 +4014,17 @@
                 </a:solidFill>
                 <a:latin typeface=""/>
               </a:rPr>
-              <a:t>DICOM</a:t>
-            </a:r>
-          </a:p>
-        </p:txBody>
-      </p:sp>
-      <p:sp>
-        <p:nvSpPr>
-          <p:cNvPr id="9" name="TextBox 8">
-            <a:extLst>
-              <a:ext uri="{FF2B5EF4-FFF2-40B4-BE49-F238E27FC236}">
-                <a16:creationId xmlns:a16="http://schemas.microsoft.com/office/drawing/2014/main" id="{8F33E749-F029-5063-322D-BF277E876CF6}"/>
+              <a:t>Main User</a:t>
+            </a:r>
+          </a:p>
+        </p:txBody>
+      </p:sp>
+      <p:sp>
+        <p:nvSpPr>
+          <p:cNvPr id="4" name="TextBox 3">
+            <a:extLst>
+              <a:ext uri="{FF2B5EF4-FFF2-40B4-BE49-F238E27FC236}">
+                <a16:creationId xmlns:a16="http://schemas.microsoft.com/office/drawing/2014/main" id="{CDBECCC6-C965-7B76-6D19-C4505511E74B}"/>
               </a:ext>
             </a:extLst>
           </p:cNvPr>
@@ -3550,7 +4033,7 @@
         </p:nvSpPr>
         <p:spPr>
           <a:xfrm>
-            <a:off x="4942703" y="3058851"/>
+            <a:off x="93560" y="1013930"/>
             <a:ext cx="1779372" cy="307777"/>
           </a:xfrm>
           <a:prstGeom prst="rect">
@@ -3574,37 +4057,118 @@
               <a:rPr lang="en-TW" sz="1400" dirty="0">
                 <a:latin typeface=""/>
               </a:rPr>
-              <a:t>Anonymization </a:t>
-            </a:r>
-          </a:p>
-        </p:txBody>
-      </p:sp>
-      <p:sp>
-        <p:nvSpPr>
-          <p:cNvPr id="10" name="Rectangle 9">
-            <a:extLst>
-              <a:ext uri="{FF2B5EF4-FFF2-40B4-BE49-F238E27FC236}">
-                <a16:creationId xmlns:a16="http://schemas.microsoft.com/office/drawing/2014/main" id="{1E70EC7E-FFC5-E0D0-E4C3-6454200F0287}"/>
-              </a:ext>
-            </a:extLst>
-          </p:cNvPr>
-          <p:cNvSpPr/>
-          <p:nvPr/>
-        </p:nvSpPr>
-        <p:spPr>
-          <a:xfrm>
-            <a:off x="4807974" y="1545282"/>
-            <a:ext cx="4378244" cy="1228122"/>
+              <a:t>CT/MRI scanner</a:t>
+            </a:r>
+          </a:p>
+        </p:txBody>
+      </p:sp>
+      <p:sp>
+        <p:nvSpPr>
+          <p:cNvPr id="5" name="TextBox 4">
+            <a:extLst>
+              <a:ext uri="{FF2B5EF4-FFF2-40B4-BE49-F238E27FC236}">
+                <a16:creationId xmlns:a16="http://schemas.microsoft.com/office/drawing/2014/main" id="{22B0C54B-E963-26F5-7191-5D64120B587D}"/>
+              </a:ext>
+            </a:extLst>
+          </p:cNvPr>
+          <p:cNvSpPr txBox="1"/>
+          <p:nvPr/>
+        </p:nvSpPr>
+        <p:spPr>
+          <a:xfrm>
+            <a:off x="2442394" y="1010350"/>
+            <a:ext cx="1779372" cy="307777"/>
           </a:xfrm>
           <a:prstGeom prst="rect">
             <a:avLst/>
           </a:prstGeom>
-          <a:solidFill>
-            <a:schemeClr val="accent2">
-              <a:lumMod val="20000"/>
-              <a:lumOff val="80000"/>
-            </a:schemeClr>
-          </a:solidFill>
+          <a:noFill/>
+          <a:ln w="12700">
+            <a:solidFill>
+              <a:schemeClr val="tx1"/>
+            </a:solidFill>
+          </a:ln>
+        </p:spPr>
+        <p:txBody>
+          <a:bodyPr wrap="square" rtlCol="0">
+            <a:spAutoFit/>
+          </a:bodyPr>
+          <a:lstStyle/>
+          <a:p>
+            <a:pPr algn="ctr"/>
+            <a:r>
+              <a:rPr lang="en-TW" sz="1400" dirty="0">
+                <a:latin typeface=""/>
+              </a:rPr>
+              <a:t>Raw Image Data</a:t>
+            </a:r>
+          </a:p>
+        </p:txBody>
+      </p:sp>
+      <p:sp>
+        <p:nvSpPr>
+          <p:cNvPr id="6" name="TextBox 5">
+            <a:extLst>
+              <a:ext uri="{FF2B5EF4-FFF2-40B4-BE49-F238E27FC236}">
+                <a16:creationId xmlns:a16="http://schemas.microsoft.com/office/drawing/2014/main" id="{3F2B59EE-406D-589E-47CB-119EDD8631E3}"/>
+              </a:ext>
+            </a:extLst>
+          </p:cNvPr>
+          <p:cNvSpPr txBox="1"/>
+          <p:nvPr/>
+        </p:nvSpPr>
+        <p:spPr>
+          <a:xfrm>
+            <a:off x="2442394" y="1451317"/>
+            <a:ext cx="1779372" cy="307777"/>
+          </a:xfrm>
+          <a:prstGeom prst="rect">
+            <a:avLst/>
+          </a:prstGeom>
+          <a:noFill/>
+          <a:ln w="12700">
+            <a:solidFill>
+              <a:schemeClr val="tx1"/>
+            </a:solidFill>
+          </a:ln>
+        </p:spPr>
+        <p:txBody>
+          <a:bodyPr wrap="square" rtlCol="0">
+            <a:spAutoFit/>
+          </a:bodyPr>
+          <a:lstStyle/>
+          <a:p>
+            <a:pPr algn="ctr"/>
+            <a:r>
+              <a:rPr lang="en-TW" sz="1400" dirty="0">
+                <a:latin typeface=""/>
+              </a:rPr>
+              <a:t>Metadata </a:t>
+            </a:r>
+          </a:p>
+        </p:txBody>
+      </p:sp>
+      <p:sp>
+        <p:nvSpPr>
+          <p:cNvPr id="8" name="Rectangle 7">
+            <a:extLst>
+              <a:ext uri="{FF2B5EF4-FFF2-40B4-BE49-F238E27FC236}">
+                <a16:creationId xmlns:a16="http://schemas.microsoft.com/office/drawing/2014/main" id="{F8C8D784-6170-41FB-8819-8C174615184C}"/>
+              </a:ext>
+            </a:extLst>
+          </p:cNvPr>
+          <p:cNvSpPr/>
+          <p:nvPr/>
+        </p:nvSpPr>
+        <p:spPr>
+          <a:xfrm>
+            <a:off x="2349756" y="417125"/>
+            <a:ext cx="1964648" cy="1501389"/>
+          </a:xfrm>
+          <a:prstGeom prst="rect">
+            <a:avLst/>
+          </a:prstGeom>
+          <a:noFill/>
           <a:ln>
             <a:solidFill>
               <a:schemeClr val="tx1"/>
@@ -3633,23 +4197,23 @@
           <a:p>
             <a:pPr algn="ctr"/>
             <a:r>
-              <a:rPr lang="en-TW" sz="1400" i="1" dirty="0">
+              <a:rPr lang="en-TW" sz="1400" dirty="0">
                 <a:solidFill>
                   <a:schemeClr val="tx1"/>
                 </a:solidFill>
                 <a:latin typeface=""/>
               </a:rPr>
-              <a:t>Synapse</a:t>
-            </a:r>
-          </a:p>
-        </p:txBody>
-      </p:sp>
-      <p:sp>
-        <p:nvSpPr>
-          <p:cNvPr id="11" name="TextBox 10">
-            <a:extLst>
-              <a:ext uri="{FF2B5EF4-FFF2-40B4-BE49-F238E27FC236}">
-                <a16:creationId xmlns:a16="http://schemas.microsoft.com/office/drawing/2014/main" id="{4F5F162F-6A6F-9394-5F2A-F2ADC65DECD4}"/>
+              <a:t>DICOM</a:t>
+            </a:r>
+          </a:p>
+        </p:txBody>
+      </p:sp>
+      <p:sp>
+        <p:nvSpPr>
+          <p:cNvPr id="9" name="TextBox 8">
+            <a:extLst>
+              <a:ext uri="{FF2B5EF4-FFF2-40B4-BE49-F238E27FC236}">
+                <a16:creationId xmlns:a16="http://schemas.microsoft.com/office/drawing/2014/main" id="{8F33E749-F029-5063-322D-BF277E876CF6}"/>
               </a:ext>
             </a:extLst>
           </p:cNvPr>
@@ -3658,7 +4222,7 @@
         </p:nvSpPr>
         <p:spPr>
           <a:xfrm>
-            <a:off x="4942703" y="2138506"/>
+            <a:off x="4942703" y="1930695"/>
             <a:ext cx="1779372" cy="307777"/>
           </a:xfrm>
           <a:prstGeom prst="rect">
@@ -3682,103 +4246,17 @@
               <a:rPr lang="en-TW" sz="1400" dirty="0">
                 <a:latin typeface=""/>
               </a:rPr>
-              <a:t>Segmentation</a:t>
-            </a:r>
-          </a:p>
-        </p:txBody>
-      </p:sp>
-      <p:sp>
-        <p:nvSpPr>
-          <p:cNvPr id="12" name="TextBox 11">
-            <a:extLst>
-              <a:ext uri="{FF2B5EF4-FFF2-40B4-BE49-F238E27FC236}">
-                <a16:creationId xmlns:a16="http://schemas.microsoft.com/office/drawing/2014/main" id="{0C7BEC52-B843-1E97-4E82-0F1B309AE8B7}"/>
-              </a:ext>
-            </a:extLst>
-          </p:cNvPr>
-          <p:cNvSpPr txBox="1"/>
-          <p:nvPr/>
-        </p:nvSpPr>
-        <p:spPr>
-          <a:xfrm>
-            <a:off x="7005417" y="2134495"/>
-            <a:ext cx="2063578" cy="307777"/>
-          </a:xfrm>
-          <a:prstGeom prst="rect">
-            <a:avLst/>
-          </a:prstGeom>
-          <a:noFill/>
-          <a:ln w="12700">
-            <a:solidFill>
-              <a:schemeClr val="tx1"/>
-            </a:solidFill>
-          </a:ln>
-        </p:spPr>
-        <p:txBody>
-          <a:bodyPr wrap="square" rtlCol="0">
-            <a:spAutoFit/>
-          </a:bodyPr>
-          <a:lstStyle/>
-          <a:p>
-            <a:pPr algn="ctr"/>
-            <a:r>
-              <a:rPr lang="en-TW" sz="1400" dirty="0">
-                <a:latin typeface=""/>
-              </a:rPr>
-              <a:t>3D Model Conversion</a:t>
-            </a:r>
-          </a:p>
-        </p:txBody>
-      </p:sp>
-      <p:sp>
-        <p:nvSpPr>
-          <p:cNvPr id="13" name="TextBox 12">
-            <a:extLst>
-              <a:ext uri="{FF2B5EF4-FFF2-40B4-BE49-F238E27FC236}">
-                <a16:creationId xmlns:a16="http://schemas.microsoft.com/office/drawing/2014/main" id="{C479F18D-3467-78EA-6C8E-3A37A8FD7015}"/>
-              </a:ext>
-            </a:extLst>
-          </p:cNvPr>
-          <p:cNvSpPr txBox="1"/>
-          <p:nvPr/>
-        </p:nvSpPr>
-        <p:spPr>
-          <a:xfrm>
-            <a:off x="9821027" y="2140926"/>
-            <a:ext cx="2063578" cy="307777"/>
-          </a:xfrm>
-          <a:prstGeom prst="rect">
-            <a:avLst/>
-          </a:prstGeom>
-          <a:noFill/>
-          <a:ln w="12700">
-            <a:solidFill>
-              <a:schemeClr val="tx1"/>
-            </a:solidFill>
-          </a:ln>
-        </p:spPr>
-        <p:txBody>
-          <a:bodyPr wrap="square" rtlCol="0">
-            <a:spAutoFit/>
-          </a:bodyPr>
-          <a:lstStyle/>
-          <a:p>
-            <a:pPr algn="ctr"/>
-            <a:r>
-              <a:rPr lang="en-TW" sz="1400" dirty="0">
-                <a:latin typeface=""/>
-              </a:rPr>
-              <a:t>Mesh optimization</a:t>
-            </a:r>
-          </a:p>
-        </p:txBody>
-      </p:sp>
-      <p:sp>
-        <p:nvSpPr>
-          <p:cNvPr id="14" name="Rectangle 13">
-            <a:extLst>
-              <a:ext uri="{FF2B5EF4-FFF2-40B4-BE49-F238E27FC236}">
-                <a16:creationId xmlns:a16="http://schemas.microsoft.com/office/drawing/2014/main" id="{B3AF0AC9-25E9-9C40-610A-9B75B72E2F4C}"/>
+              <a:t>Anonymization </a:t>
+            </a:r>
+          </a:p>
+        </p:txBody>
+      </p:sp>
+      <p:sp>
+        <p:nvSpPr>
+          <p:cNvPr id="10" name="Rectangle 9">
+            <a:extLst>
+              <a:ext uri="{FF2B5EF4-FFF2-40B4-BE49-F238E27FC236}">
+                <a16:creationId xmlns:a16="http://schemas.microsoft.com/office/drawing/2014/main" id="{1E70EC7E-FFC5-E0D0-E4C3-6454200F0287}"/>
               </a:ext>
             </a:extLst>
           </p:cNvPr>
@@ -3787,8 +4265,8 @@
         </p:nvSpPr>
         <p:spPr>
           <a:xfrm>
-            <a:off x="9679788" y="1545282"/>
-            <a:ext cx="2353962" cy="1228122"/>
+            <a:off x="4807974" y="417126"/>
+            <a:ext cx="4378244" cy="1228122"/>
           </a:xfrm>
           <a:prstGeom prst="rect">
             <a:avLst/>
@@ -3833,33 +4311,162 @@
                 </a:solidFill>
                 <a:latin typeface=""/>
               </a:rPr>
-              <a:t>Meshlab</a:t>
-            </a:r>
-          </a:p>
-        </p:txBody>
-      </p:sp>
-      <p:sp>
-        <p:nvSpPr>
-          <p:cNvPr id="15" name="Rectangle 14">
-            <a:extLst>
-              <a:ext uri="{FF2B5EF4-FFF2-40B4-BE49-F238E27FC236}">
-                <a16:creationId xmlns:a16="http://schemas.microsoft.com/office/drawing/2014/main" id="{D981240A-52C6-84CA-DCE1-B94D8362BE81}"/>
-              </a:ext>
-            </a:extLst>
-          </p:cNvPr>
-          <p:cNvSpPr/>
-          <p:nvPr/>
-        </p:nvSpPr>
-        <p:spPr>
-          <a:xfrm>
-            <a:off x="4942703" y="3979553"/>
-            <a:ext cx="4378244" cy="2023534"/>
+              <a:t>Synapse</a:t>
+            </a:r>
+          </a:p>
+        </p:txBody>
+      </p:sp>
+      <p:sp>
+        <p:nvSpPr>
+          <p:cNvPr id="11" name="TextBox 10">
+            <a:extLst>
+              <a:ext uri="{FF2B5EF4-FFF2-40B4-BE49-F238E27FC236}">
+                <a16:creationId xmlns:a16="http://schemas.microsoft.com/office/drawing/2014/main" id="{4F5F162F-6A6F-9394-5F2A-F2ADC65DECD4}"/>
+              </a:ext>
+            </a:extLst>
+          </p:cNvPr>
+          <p:cNvSpPr txBox="1"/>
+          <p:nvPr/>
+        </p:nvSpPr>
+        <p:spPr>
+          <a:xfrm>
+            <a:off x="4942703" y="1010350"/>
+            <a:ext cx="1779372" cy="307777"/>
           </a:xfrm>
           <a:prstGeom prst="rect">
             <a:avLst/>
           </a:prstGeom>
+          <a:noFill/>
+          <a:ln w="12700">
+            <a:solidFill>
+              <a:schemeClr val="tx1"/>
+            </a:solidFill>
+          </a:ln>
+        </p:spPr>
+        <p:txBody>
+          <a:bodyPr wrap="square" rtlCol="0">
+            <a:spAutoFit/>
+          </a:bodyPr>
+          <a:lstStyle/>
+          <a:p>
+            <a:pPr algn="ctr"/>
+            <a:r>
+              <a:rPr lang="en-TW" sz="1400" dirty="0">
+                <a:latin typeface=""/>
+              </a:rPr>
+              <a:t>Segmentation</a:t>
+            </a:r>
+          </a:p>
+        </p:txBody>
+      </p:sp>
+      <p:sp>
+        <p:nvSpPr>
+          <p:cNvPr id="12" name="TextBox 11">
+            <a:extLst>
+              <a:ext uri="{FF2B5EF4-FFF2-40B4-BE49-F238E27FC236}">
+                <a16:creationId xmlns:a16="http://schemas.microsoft.com/office/drawing/2014/main" id="{0C7BEC52-B843-1E97-4E82-0F1B309AE8B7}"/>
+              </a:ext>
+            </a:extLst>
+          </p:cNvPr>
+          <p:cNvSpPr txBox="1"/>
+          <p:nvPr/>
+        </p:nvSpPr>
+        <p:spPr>
+          <a:xfrm>
+            <a:off x="7005417" y="1006339"/>
+            <a:ext cx="2063578" cy="307777"/>
+          </a:xfrm>
+          <a:prstGeom prst="rect">
+            <a:avLst/>
+          </a:prstGeom>
+          <a:noFill/>
+          <a:ln w="12700">
+            <a:solidFill>
+              <a:schemeClr val="tx1"/>
+            </a:solidFill>
+          </a:ln>
+        </p:spPr>
+        <p:txBody>
+          <a:bodyPr wrap="square" rtlCol="0">
+            <a:spAutoFit/>
+          </a:bodyPr>
+          <a:lstStyle/>
+          <a:p>
+            <a:pPr algn="ctr"/>
+            <a:r>
+              <a:rPr lang="en-TW" sz="1400" dirty="0">
+                <a:latin typeface=""/>
+              </a:rPr>
+              <a:t>3D Model Conversion</a:t>
+            </a:r>
+          </a:p>
+        </p:txBody>
+      </p:sp>
+      <p:sp>
+        <p:nvSpPr>
+          <p:cNvPr id="13" name="TextBox 12">
+            <a:extLst>
+              <a:ext uri="{FF2B5EF4-FFF2-40B4-BE49-F238E27FC236}">
+                <a16:creationId xmlns:a16="http://schemas.microsoft.com/office/drawing/2014/main" id="{C479F18D-3467-78EA-6C8E-3A37A8FD7015}"/>
+              </a:ext>
+            </a:extLst>
+          </p:cNvPr>
+          <p:cNvSpPr txBox="1"/>
+          <p:nvPr/>
+        </p:nvSpPr>
+        <p:spPr>
+          <a:xfrm>
+            <a:off x="9821027" y="1012770"/>
+            <a:ext cx="2063578" cy="307777"/>
+          </a:xfrm>
+          <a:prstGeom prst="rect">
+            <a:avLst/>
+          </a:prstGeom>
+          <a:noFill/>
+          <a:ln w="12700">
+            <a:solidFill>
+              <a:schemeClr val="tx1"/>
+            </a:solidFill>
+          </a:ln>
+        </p:spPr>
+        <p:txBody>
+          <a:bodyPr wrap="square" rtlCol="0">
+            <a:spAutoFit/>
+          </a:bodyPr>
+          <a:lstStyle/>
+          <a:p>
+            <a:pPr algn="ctr"/>
+            <a:r>
+              <a:rPr lang="en-TW" sz="1400" dirty="0">
+                <a:latin typeface=""/>
+              </a:rPr>
+              <a:t>Mesh optimization</a:t>
+            </a:r>
+          </a:p>
+        </p:txBody>
+      </p:sp>
+      <p:sp>
+        <p:nvSpPr>
+          <p:cNvPr id="14" name="Rectangle 13">
+            <a:extLst>
+              <a:ext uri="{FF2B5EF4-FFF2-40B4-BE49-F238E27FC236}">
+                <a16:creationId xmlns:a16="http://schemas.microsoft.com/office/drawing/2014/main" id="{B3AF0AC9-25E9-9C40-610A-9B75B72E2F4C}"/>
+              </a:ext>
+            </a:extLst>
+          </p:cNvPr>
+          <p:cNvSpPr/>
+          <p:nvPr/>
+        </p:nvSpPr>
+        <p:spPr>
+          <a:xfrm>
+            <a:off x="9679788" y="417126"/>
+            <a:ext cx="2353962" cy="1228122"/>
+          </a:xfrm>
+          <a:prstGeom prst="rect">
+            <a:avLst/>
+          </a:prstGeom>
           <a:solidFill>
-            <a:schemeClr val="accent5">
+            <a:schemeClr val="accent2">
               <a:lumMod val="20000"/>
               <a:lumOff val="80000"/>
             </a:schemeClr>
@@ -3892,7 +4499,72 @@
           <a:p>
             <a:pPr algn="ctr"/>
             <a:r>
-              <a:rPr lang="en-TW" sz="1400" dirty="0">
+              <a:rPr lang="en-TW" sz="1400" i="1" dirty="0">
+                <a:solidFill>
+                  <a:schemeClr val="tx1"/>
+                </a:solidFill>
+                <a:latin typeface=""/>
+              </a:rPr>
+              <a:t>Meshlab</a:t>
+            </a:r>
+          </a:p>
+        </p:txBody>
+      </p:sp>
+      <p:sp>
+        <p:nvSpPr>
+          <p:cNvPr id="15" name="Rectangle 14">
+            <a:extLst>
+              <a:ext uri="{FF2B5EF4-FFF2-40B4-BE49-F238E27FC236}">
+                <a16:creationId xmlns:a16="http://schemas.microsoft.com/office/drawing/2014/main" id="{D981240A-52C6-84CA-DCE1-B94D8362BE81}"/>
+              </a:ext>
+            </a:extLst>
+          </p:cNvPr>
+          <p:cNvSpPr/>
+          <p:nvPr/>
+        </p:nvSpPr>
+        <p:spPr>
+          <a:xfrm>
+            <a:off x="7656870" y="2851397"/>
+            <a:ext cx="4378244" cy="2023534"/>
+          </a:xfrm>
+          <a:prstGeom prst="rect">
+            <a:avLst/>
+          </a:prstGeom>
+          <a:solidFill>
+            <a:schemeClr val="accent5">
+              <a:lumMod val="20000"/>
+              <a:lumOff val="80000"/>
+            </a:schemeClr>
+          </a:solidFill>
+          <a:ln>
+            <a:solidFill>
+              <a:schemeClr val="tx1"/>
+            </a:solidFill>
+          </a:ln>
+        </p:spPr>
+        <p:style>
+          <a:lnRef idx="2">
+            <a:schemeClr val="accent1">
+              <a:shade val="15000"/>
+            </a:schemeClr>
+          </a:lnRef>
+          <a:fillRef idx="1">
+            <a:schemeClr val="accent1"/>
+          </a:fillRef>
+          <a:effectRef idx="0">
+            <a:schemeClr val="accent1"/>
+          </a:effectRef>
+          <a:fontRef idx="minor">
+            <a:schemeClr val="lt1"/>
+          </a:fontRef>
+        </p:style>
+        <p:txBody>
+          <a:bodyPr rtlCol="0" anchor="t"/>
+          <a:lstStyle/>
+          <a:p>
+            <a:pPr algn="ctr"/>
+            <a:r>
+              <a:rPr lang="en-TW" sz="1400" b="1" dirty="0">
                 <a:solidFill>
                   <a:schemeClr val="tx1"/>
                 </a:solidFill>
@@ -3917,8 +4589,8 @@
         </p:nvSpPr>
         <p:spPr>
           <a:xfrm>
-            <a:off x="6096000" y="4575697"/>
-            <a:ext cx="2063578" cy="307777"/>
+            <a:off x="8482308" y="3374955"/>
+            <a:ext cx="2727366" cy="307777"/>
           </a:xfrm>
           <a:prstGeom prst="rect">
             <a:avLst/>
@@ -3941,7 +4613,7 @@
               <a:rPr lang="en-TW" sz="1400" dirty="0">
                 <a:latin typeface=""/>
               </a:rPr>
-              <a:t>3D Rendering</a:t>
+              <a:t>3D Rendering and Annotation </a:t>
             </a:r>
           </a:p>
         </p:txBody>
@@ -3960,8 +4632,8 @@
         </p:nvSpPr>
         <p:spPr>
           <a:xfrm>
-            <a:off x="6096000" y="5497613"/>
-            <a:ext cx="2063578" cy="307777"/>
+            <a:off x="8482308" y="4296871"/>
+            <a:ext cx="2727364" cy="307777"/>
           </a:xfrm>
           <a:prstGeom prst="rect">
             <a:avLst/>
@@ -3989,233 +4661,6 @@
           </a:p>
         </p:txBody>
       </p:sp>
-      <p:sp>
-        <p:nvSpPr>
-          <p:cNvPr id="19" name="TextBox 18">
-            <a:extLst>
-              <a:ext uri="{FF2B5EF4-FFF2-40B4-BE49-F238E27FC236}">
-                <a16:creationId xmlns:a16="http://schemas.microsoft.com/office/drawing/2014/main" id="{74289A2B-E9E0-2526-5D2E-856947AFE085}"/>
-              </a:ext>
-            </a:extLst>
-          </p:cNvPr>
-          <p:cNvSpPr txBox="1"/>
-          <p:nvPr/>
-        </p:nvSpPr>
-        <p:spPr>
-          <a:xfrm>
-            <a:off x="705572" y="4242106"/>
-            <a:ext cx="3417339" cy="523220"/>
-          </a:xfrm>
-          <a:prstGeom prst="rect">
-            <a:avLst/>
-          </a:prstGeom>
-          <a:solidFill>
-            <a:schemeClr val="accent3">
-              <a:lumMod val="20000"/>
-              <a:lumOff val="80000"/>
-            </a:schemeClr>
-          </a:solidFill>
-          <a:ln w="12700">
-            <a:solidFill>
-              <a:schemeClr val="tx1"/>
-            </a:solidFill>
-          </a:ln>
-        </p:spPr>
-        <p:txBody>
-          <a:bodyPr wrap="square" rtlCol="0">
-            <a:spAutoFit/>
-          </a:bodyPr>
-          <a:lstStyle/>
-          <a:p>
-            <a:pPr algn="ctr"/>
-            <a:r>
-              <a:rPr lang="en-TW" sz="1400" dirty="0">
-                <a:latin typeface=""/>
-              </a:rPr>
-              <a:t>XR device</a:t>
-            </a:r>
-          </a:p>
-          <a:p>
-            <a:pPr marL="285750" indent="-285750" algn="ctr">
-              <a:buFont typeface="Arial" panose="020B0604020202020204" pitchFamily="34" charset="0"/>
-              <a:buChar char="•"/>
-            </a:pPr>
-            <a:r>
-              <a:rPr lang="en-TW" sz="1400" dirty="0">
-                <a:latin typeface=""/>
-              </a:rPr>
-              <a:t>XR HMD, controller, gesture</a:t>
-            </a:r>
-          </a:p>
-        </p:txBody>
-      </p:sp>
-      <p:sp>
-        <p:nvSpPr>
-          <p:cNvPr id="20" name="TextBox 19">
-            <a:extLst>
-              <a:ext uri="{FF2B5EF4-FFF2-40B4-BE49-F238E27FC236}">
-                <a16:creationId xmlns:a16="http://schemas.microsoft.com/office/drawing/2014/main" id="{3A5E165E-9B90-2218-5DDE-3ED79DD36385}"/>
-              </a:ext>
-            </a:extLst>
-          </p:cNvPr>
-          <p:cNvSpPr txBox="1"/>
-          <p:nvPr/>
-        </p:nvSpPr>
-        <p:spPr>
-          <a:xfrm>
-            <a:off x="9730696" y="3974305"/>
-            <a:ext cx="2353961" cy="954107"/>
-          </a:xfrm>
-          <a:prstGeom prst="rect">
-            <a:avLst/>
-          </a:prstGeom>
-          <a:solidFill>
-            <a:schemeClr val="accent6">
-              <a:lumMod val="20000"/>
-              <a:lumOff val="80000"/>
-            </a:schemeClr>
-          </a:solidFill>
-          <a:ln w="12700">
-            <a:solidFill>
-              <a:schemeClr val="tx1"/>
-            </a:solidFill>
-          </a:ln>
-        </p:spPr>
-        <p:txBody>
-          <a:bodyPr wrap="square" rtlCol="0">
-            <a:spAutoFit/>
-          </a:bodyPr>
-          <a:lstStyle/>
-          <a:p>
-            <a:pPr algn="ctr"/>
-            <a:r>
-              <a:rPr lang="en-US" sz="1400" dirty="0">
-                <a:latin typeface=""/>
-              </a:rPr>
-              <a:t>Synchronous</a:t>
-            </a:r>
-            <a:r>
-              <a:rPr lang="zh-TW" altLang="en-US" sz="1400" dirty="0">
-                <a:latin typeface=""/>
-              </a:rPr>
-              <a:t> </a:t>
-            </a:r>
-            <a:r>
-              <a:rPr lang="en-US" sz="1400" dirty="0">
-                <a:latin typeface=""/>
-              </a:rPr>
-              <a:t>output</a:t>
-            </a:r>
-          </a:p>
-          <a:p>
-            <a:pPr marL="285750" indent="-285750" algn="ctr">
-              <a:buFont typeface="Arial" panose="020B0604020202020204" pitchFamily="34" charset="0"/>
-              <a:buChar char="•"/>
-            </a:pPr>
-            <a:r>
-              <a:rPr lang="en-US" sz="1400" dirty="0">
-                <a:latin typeface=""/>
-              </a:rPr>
-              <a:t>Single user</a:t>
-            </a:r>
-          </a:p>
-          <a:p>
-            <a:pPr marL="285750" indent="-285750" algn="ctr">
-              <a:buFont typeface="Arial" panose="020B0604020202020204" pitchFamily="34" charset="0"/>
-              <a:buChar char="•"/>
-            </a:pPr>
-            <a:r>
-              <a:rPr lang="en-US" sz="1400" dirty="0">
-                <a:latin typeface=""/>
-              </a:rPr>
-              <a:t>Streaming/</a:t>
-            </a:r>
-            <a:br>
-              <a:rPr lang="en-US" sz="1400" dirty="0">
-                <a:latin typeface=""/>
-              </a:rPr>
-            </a:br>
-            <a:r>
-              <a:rPr lang="en-US" sz="1400" dirty="0">
-                <a:latin typeface=""/>
-              </a:rPr>
-              <a:t>collaboration</a:t>
-            </a:r>
-          </a:p>
-        </p:txBody>
-      </p:sp>
-      <p:sp>
-        <p:nvSpPr>
-          <p:cNvPr id="22" name="TextBox 21">
-            <a:extLst>
-              <a:ext uri="{FF2B5EF4-FFF2-40B4-BE49-F238E27FC236}">
-                <a16:creationId xmlns:a16="http://schemas.microsoft.com/office/drawing/2014/main" id="{2E011EE9-07EE-C06D-4A5F-7959180495E2}"/>
-              </a:ext>
-            </a:extLst>
-          </p:cNvPr>
-          <p:cNvSpPr txBox="1"/>
-          <p:nvPr/>
-        </p:nvSpPr>
-        <p:spPr>
-          <a:xfrm>
-            <a:off x="9730696" y="5264423"/>
-            <a:ext cx="2353960" cy="738664"/>
-          </a:xfrm>
-          <a:prstGeom prst="rect">
-            <a:avLst/>
-          </a:prstGeom>
-          <a:solidFill>
-            <a:schemeClr val="accent6">
-              <a:lumMod val="20000"/>
-              <a:lumOff val="80000"/>
-            </a:schemeClr>
-          </a:solidFill>
-          <a:ln w="12700">
-            <a:solidFill>
-              <a:schemeClr val="tx1"/>
-            </a:solidFill>
-          </a:ln>
-        </p:spPr>
-        <p:txBody>
-          <a:bodyPr wrap="square" rtlCol="0">
-            <a:spAutoFit/>
-          </a:bodyPr>
-          <a:lstStyle/>
-          <a:p>
-            <a:pPr algn="ctr"/>
-            <a:r>
-              <a:rPr lang="en-TW" sz="1400" dirty="0">
-                <a:latin typeface=""/>
-              </a:rPr>
-              <a:t>Asynchornous output</a:t>
-            </a:r>
-          </a:p>
-          <a:p>
-            <a:pPr marL="285750" indent="-285750" algn="ctr">
-              <a:buFont typeface="Arial" panose="020B0604020202020204" pitchFamily="34" charset="0"/>
-              <a:buChar char="•"/>
-            </a:pPr>
-            <a:r>
-              <a:rPr lang="en-TW" sz="1400" dirty="0">
-                <a:latin typeface=""/>
-              </a:rPr>
-              <a:t>Video</a:t>
-            </a:r>
-          </a:p>
-          <a:p>
-            <a:pPr marL="285750" indent="-285750" algn="ctr">
-              <a:buFont typeface="Arial" panose="020B0604020202020204" pitchFamily="34" charset="0"/>
-              <a:buChar char="•"/>
-            </a:pPr>
-            <a:r>
-              <a:rPr lang="en-TW" sz="1400" dirty="0">
-                <a:latin typeface=""/>
-              </a:rPr>
-              <a:t>Documentation</a:t>
-            </a:r>
-          </a:p>
-        </p:txBody>
-      </p:sp>
       <p:cxnSp>
         <p:nvCxnSpPr>
           <p:cNvPr id="24" name="Straight Arrow Connector 23">
@@ -4234,7 +4679,7 @@
         </p:nvCxnSpPr>
         <p:spPr>
           <a:xfrm>
-            <a:off x="1872932" y="2295975"/>
+            <a:off x="1872932" y="1167819"/>
             <a:ext cx="476824" cy="1"/>
           </a:xfrm>
           <a:prstGeom prst="straightConnector1">
@@ -4277,7 +4722,7 @@
         </p:nvCxnSpPr>
         <p:spPr>
           <a:xfrm>
-            <a:off x="4221766" y="2292395"/>
+            <a:off x="4221766" y="1164239"/>
             <a:ext cx="720937" cy="0"/>
           </a:xfrm>
           <a:prstGeom prst="straightConnector1">
@@ -4320,7 +4765,7 @@
         </p:nvCxnSpPr>
         <p:spPr>
           <a:xfrm flipV="1">
-            <a:off x="6722075" y="2288384"/>
+            <a:off x="6722075" y="1160228"/>
             <a:ext cx="283342" cy="4011"/>
           </a:xfrm>
           <a:prstGeom prst="straightConnector1">
@@ -4363,7 +4808,7 @@
         </p:nvCxnSpPr>
         <p:spPr>
           <a:xfrm>
-            <a:off x="9068995" y="2288384"/>
+            <a:off x="9068995" y="1160228"/>
             <a:ext cx="894135" cy="6430"/>
           </a:xfrm>
           <a:prstGeom prst="straightConnector1">
@@ -4406,8 +4851,8 @@
         </p:nvCxnSpPr>
         <p:spPr>
           <a:xfrm>
-            <a:off x="6722075" y="3212740"/>
-            <a:ext cx="409750" cy="766813"/>
+            <a:off x="6722075" y="2084584"/>
+            <a:ext cx="3123917" cy="766813"/>
           </a:xfrm>
           <a:prstGeom prst="bentConnector2">
             <a:avLst/>
@@ -4452,8 +4897,8 @@
         </p:nvCxnSpPr>
         <p:spPr>
           <a:xfrm rot="5400000">
-            <a:off x="8226896" y="1353632"/>
-            <a:ext cx="1530851" cy="3720991"/>
+            <a:off x="9583979" y="1582559"/>
+            <a:ext cx="1530851" cy="1006824"/>
           </a:xfrm>
           <a:prstGeom prst="bentConnector3">
             <a:avLst>
@@ -4484,10 +4929,10 @@
       </p:cxnSp>
       <p:sp>
         <p:nvSpPr>
-          <p:cNvPr id="65" name="TextBox 64">
-            <a:extLst>
-              <a:ext uri="{FF2B5EF4-FFF2-40B4-BE49-F238E27FC236}">
-                <a16:creationId xmlns:a16="http://schemas.microsoft.com/office/drawing/2014/main" id="{6066BAE4-8A2E-4DB5-1B1A-F5465287512C}"/>
+          <p:cNvPr id="72" name="TextBox 71">
+            <a:extLst>
+              <a:ext uri="{FF2B5EF4-FFF2-40B4-BE49-F238E27FC236}">
+                <a16:creationId xmlns:a16="http://schemas.microsoft.com/office/drawing/2014/main" id="{35B11CB8-B2A0-CF5D-9D71-ED9B86156B95}"/>
               </a:ext>
             </a:extLst>
           </p:cNvPr>
@@ -4496,69 +4941,8 @@
         </p:nvSpPr>
         <p:spPr>
           <a:xfrm>
-            <a:off x="9320947" y="106691"/>
-            <a:ext cx="2710678" cy="954107"/>
-          </a:xfrm>
-          <a:prstGeom prst="rect">
-            <a:avLst/>
-          </a:prstGeom>
-          <a:noFill/>
-        </p:spPr>
-        <p:txBody>
-          <a:bodyPr wrap="none" rtlCol="0">
-            <a:spAutoFit/>
-          </a:bodyPr>
-          <a:lstStyle/>
-          <a:p>
-            <a:r>
-              <a:rPr lang="en-TW" sz="1400" dirty="0">
-                <a:latin typeface=""/>
-              </a:rPr>
-              <a:t>Algorithm</a:t>
-            </a:r>
-          </a:p>
-          <a:p>
-            <a:r>
-              <a:rPr lang="en-TW" sz="1400" dirty="0">
-                <a:latin typeface=""/>
-              </a:rPr>
-              <a:t>- Triangle topology optimization </a:t>
-            </a:r>
-          </a:p>
-          <a:p>
-            <a:r>
-              <a:rPr lang="en-TW" sz="1400" dirty="0">
-                <a:latin typeface=""/>
-              </a:rPr>
-              <a:t>- Polygonal reduction</a:t>
-            </a:r>
-          </a:p>
-          <a:p>
-            <a:r>
-              <a:rPr lang="en-TW" sz="1400" dirty="0">
-                <a:latin typeface=""/>
-              </a:rPr>
-              <a:t>- Auto UV mapping</a:t>
-            </a:r>
-          </a:p>
-        </p:txBody>
-      </p:sp>
-      <p:sp>
-        <p:nvSpPr>
-          <p:cNvPr id="72" name="TextBox 71">
-            <a:extLst>
-              <a:ext uri="{FF2B5EF4-FFF2-40B4-BE49-F238E27FC236}">
-                <a16:creationId xmlns:a16="http://schemas.microsoft.com/office/drawing/2014/main" id="{35B11CB8-B2A0-CF5D-9D71-ED9B86156B95}"/>
-              </a:ext>
-            </a:extLst>
-          </p:cNvPr>
-          <p:cNvSpPr txBox="1"/>
-          <p:nvPr/>
-        </p:nvSpPr>
-        <p:spPr>
-          <a:xfrm>
-            <a:off x="6096000" y="5030090"/>
-            <a:ext cx="2063578" cy="307777"/>
+            <a:off x="8482307" y="3829348"/>
+            <a:ext cx="2727365" cy="307777"/>
           </a:xfrm>
           <a:prstGeom prst="rect">
             <a:avLst/>
@@ -4588,10 +4972,10 @@
       </p:sp>
       <p:sp>
         <p:nvSpPr>
-          <p:cNvPr id="81" name="TextBox 80">
-            <a:extLst>
-              <a:ext uri="{FF2B5EF4-FFF2-40B4-BE49-F238E27FC236}">
-                <a16:creationId xmlns:a16="http://schemas.microsoft.com/office/drawing/2014/main" id="{8EA79821-2B1A-2BA8-DDEA-C3936E4EB7B7}"/>
+          <p:cNvPr id="2" name="TextBox 1">
+            <a:extLst>
+              <a:ext uri="{FF2B5EF4-FFF2-40B4-BE49-F238E27FC236}">
+                <a16:creationId xmlns:a16="http://schemas.microsoft.com/office/drawing/2014/main" id="{6CA1308E-6050-4F1C-F60E-69DC459D12E7}"/>
               </a:ext>
             </a:extLst>
           </p:cNvPr>
@@ -4600,79 +4984,7 @@
         </p:nvSpPr>
         <p:spPr>
           <a:xfrm>
-            <a:off x="705572" y="5217315"/>
-            <a:ext cx="3417339" cy="523220"/>
-          </a:xfrm>
-          <a:prstGeom prst="rect">
-            <a:avLst/>
-          </a:prstGeom>
-          <a:solidFill>
-            <a:schemeClr val="accent3">
-              <a:lumMod val="20000"/>
-              <a:lumOff val="80000"/>
-            </a:schemeClr>
-          </a:solidFill>
-          <a:ln w="12700">
-            <a:solidFill>
-              <a:schemeClr val="tx1"/>
-            </a:solidFill>
-          </a:ln>
-        </p:spPr>
-        <p:txBody>
-          <a:bodyPr wrap="square" rtlCol="0">
-            <a:spAutoFit/>
-          </a:bodyPr>
-          <a:lstStyle/>
-          <a:p>
-            <a:pPr algn="ctr"/>
-            <a:r>
-              <a:rPr lang="en-TW" sz="1400" dirty="0">
-                <a:latin typeface=""/>
-              </a:rPr>
-              <a:t>C</a:t>
-            </a:r>
-            <a:r>
-              <a:rPr lang="en-US" sz="1400" dirty="0">
-                <a:latin typeface=""/>
-              </a:rPr>
-              <a:t>o</a:t>
-            </a:r>
-            <a:r>
-              <a:rPr lang="en-TW" sz="1400" dirty="0">
-                <a:latin typeface=""/>
-              </a:rPr>
-              <a:t>nventional (PC) device</a:t>
-            </a:r>
-          </a:p>
-          <a:p>
-            <a:pPr marL="285750" indent="-285750" algn="ctr">
-              <a:buFont typeface="Arial" panose="020B0604020202020204" pitchFamily="34" charset="0"/>
-              <a:buChar char="•"/>
-            </a:pPr>
-            <a:r>
-              <a:rPr lang="en-TW" sz="1400" dirty="0">
-                <a:latin typeface=""/>
-              </a:rPr>
-              <a:t>Mouse, keyboard, touch screen</a:t>
-            </a:r>
-          </a:p>
-        </p:txBody>
-      </p:sp>
-      <p:sp>
-        <p:nvSpPr>
-          <p:cNvPr id="2" name="TextBox 1">
-            <a:extLst>
-              <a:ext uri="{FF2B5EF4-FFF2-40B4-BE49-F238E27FC236}">
-                <a16:creationId xmlns:a16="http://schemas.microsoft.com/office/drawing/2014/main" id="{6CA1308E-6050-4F1C-F60E-69DC459D12E7}"/>
-              </a:ext>
-            </a:extLst>
-          </p:cNvPr>
-          <p:cNvSpPr txBox="1"/>
-          <p:nvPr/>
-        </p:nvSpPr>
-        <p:spPr>
-          <a:xfrm>
-            <a:off x="9963130" y="2140925"/>
+            <a:off x="9963130" y="1012769"/>
             <a:ext cx="1779372" cy="307777"/>
           </a:xfrm>
           <a:prstGeom prst="rect">
@@ -4712,15 +5024,15 @@
           </p:cNvPr>
           <p:cNvCxnSpPr>
             <a:cxnSpLocks/>
-            <a:stCxn id="19" idx="3"/>
+            <a:stCxn id="77" idx="3"/>
             <a:endCxn id="15" idx="1"/>
           </p:cNvCxnSpPr>
           <p:nvPr/>
         </p:nvCxnSpPr>
         <p:spPr>
           <a:xfrm>
-            <a:off x="4122911" y="4503716"/>
-            <a:ext cx="819792" cy="487604"/>
+            <a:off x="4310656" y="3041509"/>
+            <a:ext cx="3346214" cy="821655"/>
           </a:xfrm>
           <a:prstGeom prst="bentConnector3">
             <a:avLst>
@@ -4760,6 +5072,3981 @@
           </p:cNvPr>
           <p:cNvCxnSpPr>
             <a:cxnSpLocks/>
+            <a:stCxn id="91" idx="3"/>
+            <a:endCxn id="15" idx="1"/>
+          </p:cNvCxnSpPr>
+          <p:nvPr/>
+        </p:nvCxnSpPr>
+        <p:spPr>
+          <a:xfrm flipV="1">
+            <a:off x="4310656" y="3863164"/>
+            <a:ext cx="3346214" cy="634278"/>
+          </a:xfrm>
+          <a:prstGeom prst="bentConnector3">
+            <a:avLst>
+              <a:gd name="adj1" fmla="val 50000"/>
+            </a:avLst>
+          </a:prstGeom>
+          <a:ln w="12700">
+            <a:solidFill>
+              <a:schemeClr val="tx1"/>
+            </a:solidFill>
+            <a:tailEnd type="triangle"/>
+          </a:ln>
+        </p:spPr>
+        <p:style>
+          <a:lnRef idx="1">
+            <a:schemeClr val="accent1"/>
+          </a:lnRef>
+          <a:fillRef idx="0">
+            <a:schemeClr val="accent1"/>
+          </a:fillRef>
+          <a:effectRef idx="0">
+            <a:schemeClr val="accent1"/>
+          </a:effectRef>
+          <a:fontRef idx="minor">
+            <a:schemeClr val="tx1"/>
+          </a:fontRef>
+        </p:style>
+      </p:cxnSp>
+      <p:cxnSp>
+        <p:nvCxnSpPr>
+          <p:cNvPr id="85" name="Elbow Connector 84">
+            <a:extLst>
+              <a:ext uri="{FF2B5EF4-FFF2-40B4-BE49-F238E27FC236}">
+                <a16:creationId xmlns:a16="http://schemas.microsoft.com/office/drawing/2014/main" id="{F7467BED-040F-E21D-E745-751F10D4A88E}"/>
+              </a:ext>
+            </a:extLst>
+          </p:cNvPr>
+          <p:cNvCxnSpPr>
+            <a:cxnSpLocks/>
+            <a:stCxn id="6" idx="3"/>
+            <a:endCxn id="9" idx="1"/>
+          </p:cNvCxnSpPr>
+          <p:nvPr/>
+        </p:nvCxnSpPr>
+        <p:spPr>
+          <a:xfrm>
+            <a:off x="4221766" y="1605206"/>
+            <a:ext cx="720937" cy="479378"/>
+          </a:xfrm>
+          <a:prstGeom prst="bentConnector3">
+            <a:avLst>
+              <a:gd name="adj1" fmla="val 50000"/>
+            </a:avLst>
+          </a:prstGeom>
+          <a:ln w="12700">
+            <a:solidFill>
+              <a:schemeClr val="tx1"/>
+            </a:solidFill>
+            <a:tailEnd type="triangle"/>
+          </a:ln>
+        </p:spPr>
+        <p:style>
+          <a:lnRef idx="1">
+            <a:schemeClr val="accent1"/>
+          </a:lnRef>
+          <a:fillRef idx="0">
+            <a:schemeClr val="accent1"/>
+          </a:fillRef>
+          <a:effectRef idx="0">
+            <a:schemeClr val="accent1"/>
+          </a:effectRef>
+          <a:fontRef idx="minor">
+            <a:schemeClr val="tx1"/>
+          </a:fontRef>
+        </p:style>
+      </p:cxnSp>
+      <p:sp>
+        <p:nvSpPr>
+          <p:cNvPr id="51" name="TextBox 50">
+            <a:extLst>
+              <a:ext uri="{FF2B5EF4-FFF2-40B4-BE49-F238E27FC236}">
+                <a16:creationId xmlns:a16="http://schemas.microsoft.com/office/drawing/2014/main" id="{5032CD62-35A2-522C-A191-AD4B5D805CC8}"/>
+              </a:ext>
+            </a:extLst>
+          </p:cNvPr>
+          <p:cNvSpPr txBox="1"/>
+          <p:nvPr/>
+        </p:nvSpPr>
+        <p:spPr>
+          <a:xfrm>
+            <a:off x="6217223" y="3332999"/>
+            <a:ext cx="1228409" cy="523220"/>
+          </a:xfrm>
+          <a:prstGeom prst="rect">
+            <a:avLst/>
+          </a:prstGeom>
+          <a:noFill/>
+          <a:ln w="12700">
+            <a:noFill/>
+          </a:ln>
+        </p:spPr>
+        <p:txBody>
+          <a:bodyPr wrap="square" rtlCol="0">
+            <a:spAutoFit/>
+          </a:bodyPr>
+          <a:lstStyle/>
+          <a:p>
+            <a:pPr algn="ctr"/>
+            <a:r>
+              <a:rPr lang="en-TW" sz="1400" i="1" dirty="0">
+                <a:latin typeface=""/>
+              </a:rPr>
+              <a:t>User Interface </a:t>
+            </a:r>
+          </a:p>
+        </p:txBody>
+      </p:sp>
+      <p:sp>
+        <p:nvSpPr>
+          <p:cNvPr id="69" name="Rectangle 68">
+            <a:extLst>
+              <a:ext uri="{FF2B5EF4-FFF2-40B4-BE49-F238E27FC236}">
+                <a16:creationId xmlns:a16="http://schemas.microsoft.com/office/drawing/2014/main" id="{D91BBDDA-B009-D32E-7933-67A04622ACDD}"/>
+              </a:ext>
+            </a:extLst>
+          </p:cNvPr>
+          <p:cNvSpPr/>
+          <p:nvPr/>
+        </p:nvSpPr>
+        <p:spPr>
+          <a:xfrm>
+            <a:off x="7656867" y="5138666"/>
+            <a:ext cx="4378244" cy="1406774"/>
+          </a:xfrm>
+          <a:prstGeom prst="rect">
+            <a:avLst/>
+          </a:prstGeom>
+          <a:solidFill>
+            <a:schemeClr val="accent6">
+              <a:lumMod val="20000"/>
+              <a:lumOff val="80000"/>
+            </a:schemeClr>
+          </a:solidFill>
+          <a:ln>
+            <a:solidFill>
+              <a:schemeClr val="tx1"/>
+            </a:solidFill>
+          </a:ln>
+        </p:spPr>
+        <p:style>
+          <a:lnRef idx="2">
+            <a:schemeClr val="accent1">
+              <a:shade val="15000"/>
+            </a:schemeClr>
+          </a:lnRef>
+          <a:fillRef idx="1">
+            <a:schemeClr val="accent1"/>
+          </a:fillRef>
+          <a:effectRef idx="0">
+            <a:schemeClr val="accent1"/>
+          </a:effectRef>
+          <a:fontRef idx="minor">
+            <a:schemeClr val="lt1"/>
+          </a:fontRef>
+        </p:style>
+        <p:txBody>
+          <a:bodyPr rtlCol="0" anchor="t"/>
+          <a:lstStyle/>
+          <a:p>
+            <a:pPr algn="ctr"/>
+            <a:r>
+              <a:rPr lang="en-TW" sz="1400" dirty="0">
+                <a:solidFill>
+                  <a:schemeClr val="tx1"/>
+                </a:solidFill>
+                <a:latin typeface=""/>
+              </a:rPr>
+              <a:t>Server</a:t>
+            </a:r>
+          </a:p>
+        </p:txBody>
+      </p:sp>
+      <p:sp>
+        <p:nvSpPr>
+          <p:cNvPr id="75" name="TextBox 74">
+            <a:extLst>
+              <a:ext uri="{FF2B5EF4-FFF2-40B4-BE49-F238E27FC236}">
+                <a16:creationId xmlns:a16="http://schemas.microsoft.com/office/drawing/2014/main" id="{4F9C6558-84A7-3929-E7CA-76202909E106}"/>
+              </a:ext>
+            </a:extLst>
+          </p:cNvPr>
+          <p:cNvSpPr txBox="1"/>
+          <p:nvPr/>
+        </p:nvSpPr>
+        <p:spPr>
+          <a:xfrm>
+            <a:off x="2440708" y="2770556"/>
+            <a:ext cx="1779372" cy="307777"/>
+          </a:xfrm>
+          <a:prstGeom prst="rect">
+            <a:avLst/>
+          </a:prstGeom>
+          <a:solidFill>
+            <a:schemeClr val="accent3">
+              <a:lumMod val="20000"/>
+              <a:lumOff val="80000"/>
+            </a:schemeClr>
+          </a:solidFill>
+          <a:ln w="12700">
+            <a:solidFill>
+              <a:schemeClr val="tx1"/>
+            </a:solidFill>
+          </a:ln>
+        </p:spPr>
+        <p:txBody>
+          <a:bodyPr wrap="square" rtlCol="0">
+            <a:spAutoFit/>
+          </a:bodyPr>
+          <a:lstStyle/>
+          <a:p>
+            <a:pPr algn="ctr"/>
+            <a:r>
+              <a:rPr lang="en-TW" sz="1400" dirty="0">
+                <a:latin typeface=""/>
+              </a:rPr>
+              <a:t>VR Controllers  </a:t>
+            </a:r>
+          </a:p>
+        </p:txBody>
+      </p:sp>
+      <p:sp>
+        <p:nvSpPr>
+          <p:cNvPr id="78" name="TextBox 77">
+            <a:extLst>
+              <a:ext uri="{FF2B5EF4-FFF2-40B4-BE49-F238E27FC236}">
+                <a16:creationId xmlns:a16="http://schemas.microsoft.com/office/drawing/2014/main" id="{8A28F200-20B9-5749-B6FE-621F70F54E3F}"/>
+              </a:ext>
+            </a:extLst>
+          </p:cNvPr>
+          <p:cNvSpPr txBox="1"/>
+          <p:nvPr/>
+        </p:nvSpPr>
+        <p:spPr>
+          <a:xfrm>
+            <a:off x="2440708" y="3230440"/>
+            <a:ext cx="1779372" cy="307777"/>
+          </a:xfrm>
+          <a:prstGeom prst="rect">
+            <a:avLst/>
+          </a:prstGeom>
+          <a:solidFill>
+            <a:schemeClr val="accent3">
+              <a:lumMod val="20000"/>
+              <a:lumOff val="80000"/>
+            </a:schemeClr>
+          </a:solidFill>
+          <a:ln w="12700">
+            <a:solidFill>
+              <a:schemeClr val="tx1"/>
+            </a:solidFill>
+          </a:ln>
+        </p:spPr>
+        <p:txBody>
+          <a:bodyPr wrap="square" rtlCol="0">
+            <a:spAutoFit/>
+          </a:bodyPr>
+          <a:lstStyle/>
+          <a:p>
+            <a:pPr algn="ctr"/>
+            <a:r>
+              <a:rPr lang="en-TW" sz="1400" dirty="0">
+                <a:latin typeface=""/>
+              </a:rPr>
+              <a:t>HMD</a:t>
+            </a:r>
+          </a:p>
+        </p:txBody>
+      </p:sp>
+      <p:grpSp>
+        <p:nvGrpSpPr>
+          <p:cNvPr id="95" name="Group 94">
+            <a:extLst>
+              <a:ext uri="{FF2B5EF4-FFF2-40B4-BE49-F238E27FC236}">
+                <a16:creationId xmlns:a16="http://schemas.microsoft.com/office/drawing/2014/main" id="{EA53EF82-4340-ECE6-F9FB-AA92D05F09EA}"/>
+              </a:ext>
+            </a:extLst>
+          </p:cNvPr>
+          <p:cNvGrpSpPr/>
+          <p:nvPr/>
+        </p:nvGrpSpPr>
+        <p:grpSpPr>
+          <a:xfrm>
+            <a:off x="2346008" y="5318200"/>
+            <a:ext cx="1964648" cy="1282446"/>
+            <a:chOff x="3255459" y="4874931"/>
+            <a:chExt cx="1964648" cy="1282446"/>
+          </a:xfrm>
+          <a:solidFill>
+            <a:schemeClr val="accent3">
+              <a:lumMod val="20000"/>
+              <a:lumOff val="80000"/>
+            </a:schemeClr>
+          </a:solidFill>
+        </p:grpSpPr>
+        <p:sp>
+          <p:nvSpPr>
+            <p:cNvPr id="88" name="Rectangle 87">
+              <a:extLst>
+                <a:ext uri="{FF2B5EF4-FFF2-40B4-BE49-F238E27FC236}">
+                  <a16:creationId xmlns:a16="http://schemas.microsoft.com/office/drawing/2014/main" id="{2297352B-AA03-0090-93B5-18B5019C5C5E}"/>
+                </a:ext>
+              </a:extLst>
+            </p:cNvPr>
+            <p:cNvSpPr/>
+            <p:nvPr/>
+          </p:nvSpPr>
+          <p:spPr>
+            <a:xfrm>
+              <a:off x="3255459" y="4874931"/>
+              <a:ext cx="1964648" cy="1282446"/>
+            </a:xfrm>
+            <a:prstGeom prst="rect">
+              <a:avLst/>
+            </a:prstGeom>
+            <a:grpFill/>
+            <a:ln>
+              <a:solidFill>
+                <a:schemeClr val="tx1"/>
+              </a:solidFill>
+            </a:ln>
+          </p:spPr>
+          <p:style>
+            <a:lnRef idx="2">
+              <a:schemeClr val="accent1">
+                <a:shade val="15000"/>
+              </a:schemeClr>
+            </a:lnRef>
+            <a:fillRef idx="1">
+              <a:schemeClr val="accent1"/>
+            </a:fillRef>
+            <a:effectRef idx="0">
+              <a:schemeClr val="accent1"/>
+            </a:effectRef>
+            <a:fontRef idx="minor">
+              <a:schemeClr val="lt1"/>
+            </a:fontRef>
+          </p:style>
+          <p:txBody>
+            <a:bodyPr rtlCol="0" anchor="t"/>
+            <a:lstStyle/>
+            <a:p>
+              <a:pPr algn="ctr"/>
+              <a:r>
+                <a:rPr lang="en-TW" sz="1400" dirty="0">
+                  <a:solidFill>
+                    <a:schemeClr val="tx1"/>
+                  </a:solidFill>
+                  <a:latin typeface=""/>
+                </a:rPr>
+                <a:t>Collaborative User 2</a:t>
+              </a:r>
+            </a:p>
+          </p:txBody>
+        </p:sp>
+        <p:sp>
+          <p:nvSpPr>
+            <p:cNvPr id="87" name="TextBox 86">
+              <a:extLst>
+                <a:ext uri="{FF2B5EF4-FFF2-40B4-BE49-F238E27FC236}">
+                  <a16:creationId xmlns:a16="http://schemas.microsoft.com/office/drawing/2014/main" id="{98680870-78A3-CC1E-025F-9526EF1F3153}"/>
+                </a:ext>
+              </a:extLst>
+            </p:cNvPr>
+            <p:cNvSpPr txBox="1"/>
+            <p:nvPr/>
+          </p:nvSpPr>
+          <p:spPr>
+            <a:xfrm>
+              <a:off x="3350159" y="5245201"/>
+              <a:ext cx="1779372" cy="307777"/>
+            </a:xfrm>
+            <a:prstGeom prst="rect">
+              <a:avLst/>
+            </a:prstGeom>
+            <a:grpFill/>
+            <a:ln w="12700">
+              <a:solidFill>
+                <a:schemeClr val="tx1"/>
+              </a:solidFill>
+            </a:ln>
+          </p:spPr>
+          <p:txBody>
+            <a:bodyPr wrap="square" rtlCol="0">
+              <a:spAutoFit/>
+            </a:bodyPr>
+            <a:lstStyle/>
+            <a:p>
+              <a:pPr algn="ctr"/>
+              <a:r>
+                <a:rPr lang="en-TW" sz="1400" dirty="0">
+                  <a:latin typeface=""/>
+                </a:rPr>
+                <a:t>Keyboard</a:t>
+              </a:r>
+            </a:p>
+          </p:txBody>
+        </p:sp>
+        <p:sp>
+          <p:nvSpPr>
+            <p:cNvPr id="89" name="TextBox 88">
+              <a:extLst>
+                <a:ext uri="{FF2B5EF4-FFF2-40B4-BE49-F238E27FC236}">
+                  <a16:creationId xmlns:a16="http://schemas.microsoft.com/office/drawing/2014/main" id="{16E4D6F2-58EA-5348-FFBF-902FCE665497}"/>
+                </a:ext>
+              </a:extLst>
+            </p:cNvPr>
+            <p:cNvSpPr txBox="1"/>
+            <p:nvPr/>
+          </p:nvSpPr>
+          <p:spPr>
+            <a:xfrm>
+              <a:off x="3350159" y="5705085"/>
+              <a:ext cx="1779372" cy="307777"/>
+            </a:xfrm>
+            <a:prstGeom prst="rect">
+              <a:avLst/>
+            </a:prstGeom>
+            <a:grpFill/>
+            <a:ln w="12700">
+              <a:solidFill>
+                <a:schemeClr val="tx1"/>
+              </a:solidFill>
+            </a:ln>
+          </p:spPr>
+          <p:txBody>
+            <a:bodyPr wrap="square" rtlCol="0">
+              <a:spAutoFit/>
+            </a:bodyPr>
+            <a:lstStyle/>
+            <a:p>
+              <a:pPr algn="ctr"/>
+              <a:r>
+                <a:rPr lang="en-TW" sz="1400" dirty="0">
+                  <a:latin typeface=""/>
+                </a:rPr>
+                <a:t>PC Displays</a:t>
+              </a:r>
+            </a:p>
+          </p:txBody>
+        </p:sp>
+      </p:grpSp>
+      <p:grpSp>
+        <p:nvGrpSpPr>
+          <p:cNvPr id="96" name="Group 95">
+            <a:extLst>
+              <a:ext uri="{FF2B5EF4-FFF2-40B4-BE49-F238E27FC236}">
+                <a16:creationId xmlns:a16="http://schemas.microsoft.com/office/drawing/2014/main" id="{AA4FE5E5-AF01-78C5-9636-153047E39668}"/>
+              </a:ext>
+            </a:extLst>
+          </p:cNvPr>
+          <p:cNvGrpSpPr/>
+          <p:nvPr/>
+        </p:nvGrpSpPr>
+        <p:grpSpPr>
+          <a:xfrm>
+            <a:off x="2346008" y="3856219"/>
+            <a:ext cx="1964648" cy="1282446"/>
+            <a:chOff x="5444327" y="4874931"/>
+            <a:chExt cx="1964648" cy="1282446"/>
+          </a:xfrm>
+          <a:solidFill>
+            <a:schemeClr val="accent3">
+              <a:lumMod val="20000"/>
+              <a:lumOff val="80000"/>
+            </a:schemeClr>
+          </a:solidFill>
+        </p:grpSpPr>
+        <p:sp>
+          <p:nvSpPr>
+            <p:cNvPr id="91" name="Rectangle 90">
+              <a:extLst>
+                <a:ext uri="{FF2B5EF4-FFF2-40B4-BE49-F238E27FC236}">
+                  <a16:creationId xmlns:a16="http://schemas.microsoft.com/office/drawing/2014/main" id="{10F994B7-A294-1D8C-C35F-3F2D2BB1EC44}"/>
+                </a:ext>
+              </a:extLst>
+            </p:cNvPr>
+            <p:cNvSpPr/>
+            <p:nvPr/>
+          </p:nvSpPr>
+          <p:spPr>
+            <a:xfrm>
+              <a:off x="5444327" y="4874931"/>
+              <a:ext cx="1964648" cy="1282446"/>
+            </a:xfrm>
+            <a:prstGeom prst="rect">
+              <a:avLst/>
+            </a:prstGeom>
+            <a:grpFill/>
+            <a:ln>
+              <a:solidFill>
+                <a:schemeClr val="tx1"/>
+              </a:solidFill>
+            </a:ln>
+          </p:spPr>
+          <p:style>
+            <a:lnRef idx="2">
+              <a:schemeClr val="accent1">
+                <a:shade val="15000"/>
+              </a:schemeClr>
+            </a:lnRef>
+            <a:fillRef idx="1">
+              <a:schemeClr val="accent1"/>
+            </a:fillRef>
+            <a:effectRef idx="0">
+              <a:schemeClr val="accent1"/>
+            </a:effectRef>
+            <a:fontRef idx="minor">
+              <a:schemeClr val="lt1"/>
+            </a:fontRef>
+          </p:style>
+          <p:txBody>
+            <a:bodyPr rtlCol="0" anchor="t"/>
+            <a:lstStyle/>
+            <a:p>
+              <a:pPr algn="ctr"/>
+              <a:r>
+                <a:rPr lang="en-TW" sz="1400" dirty="0">
+                  <a:solidFill>
+                    <a:schemeClr val="tx1"/>
+                  </a:solidFill>
+                  <a:latin typeface=""/>
+                </a:rPr>
+                <a:t>Collaborative User 1</a:t>
+              </a:r>
+            </a:p>
+          </p:txBody>
+        </p:sp>
+        <p:sp>
+          <p:nvSpPr>
+            <p:cNvPr id="90" name="TextBox 89">
+              <a:extLst>
+                <a:ext uri="{FF2B5EF4-FFF2-40B4-BE49-F238E27FC236}">
+                  <a16:creationId xmlns:a16="http://schemas.microsoft.com/office/drawing/2014/main" id="{E954B5F4-633A-1AB1-1DF1-711ACF8F9E4C}"/>
+                </a:ext>
+              </a:extLst>
+            </p:cNvPr>
+            <p:cNvSpPr txBox="1"/>
+            <p:nvPr/>
+          </p:nvSpPr>
+          <p:spPr>
+            <a:xfrm>
+              <a:off x="5539027" y="5245201"/>
+              <a:ext cx="1779372" cy="307777"/>
+            </a:xfrm>
+            <a:prstGeom prst="rect">
+              <a:avLst/>
+            </a:prstGeom>
+            <a:grpFill/>
+            <a:ln w="12700">
+              <a:solidFill>
+                <a:schemeClr val="tx1"/>
+              </a:solidFill>
+            </a:ln>
+          </p:spPr>
+          <p:txBody>
+            <a:bodyPr wrap="square" rtlCol="0">
+              <a:spAutoFit/>
+            </a:bodyPr>
+            <a:lstStyle/>
+            <a:p>
+              <a:pPr algn="ctr"/>
+              <a:r>
+                <a:rPr lang="en-TW" sz="1400" dirty="0">
+                  <a:latin typeface=""/>
+                </a:rPr>
+                <a:t>Touch Screen</a:t>
+              </a:r>
+            </a:p>
+          </p:txBody>
+        </p:sp>
+        <p:sp>
+          <p:nvSpPr>
+            <p:cNvPr id="92" name="TextBox 91">
+              <a:extLst>
+                <a:ext uri="{FF2B5EF4-FFF2-40B4-BE49-F238E27FC236}">
+                  <a16:creationId xmlns:a16="http://schemas.microsoft.com/office/drawing/2014/main" id="{5FB6797E-ED98-187E-79EC-C980BEE48505}"/>
+                </a:ext>
+              </a:extLst>
+            </p:cNvPr>
+            <p:cNvSpPr txBox="1"/>
+            <p:nvPr/>
+          </p:nvSpPr>
+          <p:spPr>
+            <a:xfrm>
+              <a:off x="5539027" y="5705085"/>
+              <a:ext cx="1779372" cy="307777"/>
+            </a:xfrm>
+            <a:prstGeom prst="rect">
+              <a:avLst/>
+            </a:prstGeom>
+            <a:grpFill/>
+            <a:ln w="12700">
+              <a:solidFill>
+                <a:schemeClr val="tx1"/>
+              </a:solidFill>
+            </a:ln>
+          </p:spPr>
+          <p:txBody>
+            <a:bodyPr wrap="square" rtlCol="0">
+              <a:spAutoFit/>
+            </a:bodyPr>
+            <a:lstStyle/>
+            <a:p>
+              <a:pPr algn="ctr"/>
+              <a:r>
+                <a:rPr lang="en-TW" sz="1400" dirty="0">
+                  <a:latin typeface=""/>
+                </a:rPr>
+                <a:t>Mobile Device</a:t>
+              </a:r>
+            </a:p>
+          </p:txBody>
+        </p:sp>
+      </p:grpSp>
+      <p:cxnSp>
+        <p:nvCxnSpPr>
+          <p:cNvPr id="99" name="Elbow Connector 98">
+            <a:extLst>
+              <a:ext uri="{FF2B5EF4-FFF2-40B4-BE49-F238E27FC236}">
+                <a16:creationId xmlns:a16="http://schemas.microsoft.com/office/drawing/2014/main" id="{5009B164-10DB-D63A-3776-4A346C1D0920}"/>
+              </a:ext>
+            </a:extLst>
+          </p:cNvPr>
+          <p:cNvCxnSpPr>
+            <a:cxnSpLocks/>
+            <a:stCxn id="88" idx="3"/>
+            <a:endCxn id="15" idx="1"/>
+          </p:cNvCxnSpPr>
+          <p:nvPr/>
+        </p:nvCxnSpPr>
+        <p:spPr>
+          <a:xfrm flipV="1">
+            <a:off x="4310656" y="3863164"/>
+            <a:ext cx="3346214" cy="2096259"/>
+          </a:xfrm>
+          <a:prstGeom prst="bentConnector3">
+            <a:avLst>
+              <a:gd name="adj1" fmla="val 50000"/>
+            </a:avLst>
+          </a:prstGeom>
+          <a:ln w="12700">
+            <a:solidFill>
+              <a:schemeClr val="tx1"/>
+            </a:solidFill>
+            <a:tailEnd type="triangle"/>
+          </a:ln>
+        </p:spPr>
+        <p:style>
+          <a:lnRef idx="1">
+            <a:schemeClr val="accent1"/>
+          </a:lnRef>
+          <a:fillRef idx="0">
+            <a:schemeClr val="accent1"/>
+          </a:fillRef>
+          <a:effectRef idx="0">
+            <a:schemeClr val="accent1"/>
+          </a:effectRef>
+          <a:fontRef idx="minor">
+            <a:schemeClr val="tx1"/>
+          </a:fontRef>
+        </p:style>
+      </p:cxnSp>
+      <p:cxnSp>
+        <p:nvCxnSpPr>
+          <p:cNvPr id="106" name="Elbow Connector 105">
+            <a:extLst>
+              <a:ext uri="{FF2B5EF4-FFF2-40B4-BE49-F238E27FC236}">
+                <a16:creationId xmlns:a16="http://schemas.microsoft.com/office/drawing/2014/main" id="{36D4187E-452C-D40C-1C65-9EEEA931F755}"/>
+              </a:ext>
+            </a:extLst>
+          </p:cNvPr>
+          <p:cNvCxnSpPr>
+            <a:cxnSpLocks/>
+            <a:stCxn id="77" idx="3"/>
+            <a:endCxn id="69" idx="1"/>
+          </p:cNvCxnSpPr>
+          <p:nvPr/>
+        </p:nvCxnSpPr>
+        <p:spPr>
+          <a:xfrm>
+            <a:off x="4310656" y="3041509"/>
+            <a:ext cx="3346211" cy="2800544"/>
+          </a:xfrm>
+          <a:prstGeom prst="bentConnector3">
+            <a:avLst>
+              <a:gd name="adj1" fmla="val 50000"/>
+            </a:avLst>
+          </a:prstGeom>
+          <a:ln>
+            <a:prstDash val="dash"/>
+            <a:tailEnd type="triangle"/>
+          </a:ln>
+        </p:spPr>
+        <p:style>
+          <a:lnRef idx="1">
+            <a:schemeClr val="dk1"/>
+          </a:lnRef>
+          <a:fillRef idx="0">
+            <a:schemeClr val="dk1"/>
+          </a:fillRef>
+          <a:effectRef idx="0">
+            <a:schemeClr val="dk1"/>
+          </a:effectRef>
+          <a:fontRef idx="minor">
+            <a:schemeClr val="tx1"/>
+          </a:fontRef>
+        </p:style>
+      </p:cxnSp>
+      <p:cxnSp>
+        <p:nvCxnSpPr>
+          <p:cNvPr id="110" name="Elbow Connector 109">
+            <a:extLst>
+              <a:ext uri="{FF2B5EF4-FFF2-40B4-BE49-F238E27FC236}">
+                <a16:creationId xmlns:a16="http://schemas.microsoft.com/office/drawing/2014/main" id="{BDB5DDC3-CC36-1F35-2729-45D664B0795C}"/>
+              </a:ext>
+            </a:extLst>
+          </p:cNvPr>
+          <p:cNvCxnSpPr>
+            <a:cxnSpLocks/>
+            <a:stCxn id="91" idx="3"/>
+            <a:endCxn id="69" idx="1"/>
+          </p:cNvCxnSpPr>
+          <p:nvPr/>
+        </p:nvCxnSpPr>
+        <p:spPr>
+          <a:xfrm>
+            <a:off x="4310656" y="4497442"/>
+            <a:ext cx="3346211" cy="1344611"/>
+          </a:xfrm>
+          <a:prstGeom prst="bentConnector3">
+            <a:avLst>
+              <a:gd name="adj1" fmla="val 50000"/>
+            </a:avLst>
+          </a:prstGeom>
+          <a:ln>
+            <a:prstDash val="dash"/>
+            <a:tailEnd type="triangle"/>
+          </a:ln>
+        </p:spPr>
+        <p:style>
+          <a:lnRef idx="1">
+            <a:schemeClr val="dk1"/>
+          </a:lnRef>
+          <a:fillRef idx="0">
+            <a:schemeClr val="dk1"/>
+          </a:fillRef>
+          <a:effectRef idx="0">
+            <a:schemeClr val="dk1"/>
+          </a:effectRef>
+          <a:fontRef idx="minor">
+            <a:schemeClr val="tx1"/>
+          </a:fontRef>
+        </p:style>
+      </p:cxnSp>
+      <p:cxnSp>
+        <p:nvCxnSpPr>
+          <p:cNvPr id="114" name="Straight Arrow Connector 113">
+            <a:extLst>
+              <a:ext uri="{FF2B5EF4-FFF2-40B4-BE49-F238E27FC236}">
+                <a16:creationId xmlns:a16="http://schemas.microsoft.com/office/drawing/2014/main" id="{9850FC2B-64E1-0917-DECC-C31AE19CDFBF}"/>
+              </a:ext>
+            </a:extLst>
+          </p:cNvPr>
+          <p:cNvCxnSpPr>
+            <a:cxnSpLocks/>
+            <a:stCxn id="17" idx="2"/>
+            <a:endCxn id="69" idx="0"/>
+          </p:cNvCxnSpPr>
+          <p:nvPr/>
+        </p:nvCxnSpPr>
+        <p:spPr>
+          <a:xfrm flipH="1">
+            <a:off x="9845989" y="4604648"/>
+            <a:ext cx="1" cy="534018"/>
+          </a:xfrm>
+          <a:prstGeom prst="straightConnector1">
+            <a:avLst/>
+          </a:prstGeom>
+          <a:ln>
+            <a:solidFill>
+              <a:schemeClr val="tx1"/>
+            </a:solidFill>
+            <a:headEnd type="triangle"/>
+            <a:tailEnd type="triangle"/>
+          </a:ln>
+        </p:spPr>
+        <p:style>
+          <a:lnRef idx="1">
+            <a:schemeClr val="accent1"/>
+          </a:lnRef>
+          <a:fillRef idx="0">
+            <a:schemeClr val="accent1"/>
+          </a:fillRef>
+          <a:effectRef idx="0">
+            <a:schemeClr val="accent1"/>
+          </a:effectRef>
+          <a:fontRef idx="minor">
+            <a:schemeClr val="tx1"/>
+          </a:fontRef>
+        </p:style>
+      </p:cxnSp>
+      <p:sp>
+        <p:nvSpPr>
+          <p:cNvPr id="115" name="TextBox 114">
+            <a:extLst>
+              <a:ext uri="{FF2B5EF4-FFF2-40B4-BE49-F238E27FC236}">
+                <a16:creationId xmlns:a16="http://schemas.microsoft.com/office/drawing/2014/main" id="{D089A429-290B-4BA6-C0DC-B182C777BDF3}"/>
+              </a:ext>
+            </a:extLst>
+          </p:cNvPr>
+          <p:cNvSpPr txBox="1"/>
+          <p:nvPr/>
+        </p:nvSpPr>
+        <p:spPr>
+          <a:xfrm>
+            <a:off x="8482307" y="5586525"/>
+            <a:ext cx="2727364" cy="307777"/>
+          </a:xfrm>
+          <a:prstGeom prst="rect">
+            <a:avLst/>
+          </a:prstGeom>
+          <a:solidFill>
+            <a:schemeClr val="accent6">
+              <a:lumMod val="20000"/>
+              <a:lumOff val="80000"/>
+            </a:schemeClr>
+          </a:solidFill>
+          <a:ln w="12700">
+            <a:solidFill>
+              <a:schemeClr val="tx1"/>
+            </a:solidFill>
+          </a:ln>
+        </p:spPr>
+        <p:txBody>
+          <a:bodyPr wrap="square" rtlCol="0">
+            <a:spAutoFit/>
+          </a:bodyPr>
+          <a:lstStyle/>
+          <a:p>
+            <a:pPr algn="ctr"/>
+            <a:r>
+              <a:rPr lang="en-TW" sz="1400" dirty="0">
+                <a:latin typeface=""/>
+              </a:rPr>
+              <a:t>Data Synchornization</a:t>
+            </a:r>
+          </a:p>
+        </p:txBody>
+      </p:sp>
+      <p:sp>
+        <p:nvSpPr>
+          <p:cNvPr id="116" name="TextBox 115">
+            <a:extLst>
+              <a:ext uri="{FF2B5EF4-FFF2-40B4-BE49-F238E27FC236}">
+                <a16:creationId xmlns:a16="http://schemas.microsoft.com/office/drawing/2014/main" id="{85E07270-1BCE-B5DC-6537-044982F010CD}"/>
+              </a:ext>
+            </a:extLst>
+          </p:cNvPr>
+          <p:cNvSpPr txBox="1"/>
+          <p:nvPr/>
+        </p:nvSpPr>
+        <p:spPr>
+          <a:xfrm>
+            <a:off x="8482307" y="6065982"/>
+            <a:ext cx="2727364" cy="307777"/>
+          </a:xfrm>
+          <a:prstGeom prst="rect">
+            <a:avLst/>
+          </a:prstGeom>
+          <a:solidFill>
+            <a:schemeClr val="accent6">
+              <a:lumMod val="20000"/>
+              <a:lumOff val="80000"/>
+            </a:schemeClr>
+          </a:solidFill>
+          <a:ln w="12700">
+            <a:solidFill>
+              <a:schemeClr val="tx1"/>
+            </a:solidFill>
+          </a:ln>
+        </p:spPr>
+        <p:txBody>
+          <a:bodyPr wrap="square" rtlCol="0">
+            <a:spAutoFit/>
+          </a:bodyPr>
+          <a:lstStyle/>
+          <a:p>
+            <a:pPr algn="ctr"/>
+            <a:r>
+              <a:rPr lang="en-TW" sz="1400" dirty="0">
+                <a:latin typeface=""/>
+              </a:rPr>
+              <a:t>Voice Communication</a:t>
+            </a:r>
+          </a:p>
+        </p:txBody>
+      </p:sp>
+    </p:spTree>
+    <p:extLst>
+      <p:ext uri="{BB962C8B-B14F-4D97-AF65-F5344CB8AC3E}">
+        <p14:creationId xmlns:p14="http://schemas.microsoft.com/office/powerpoint/2010/main" val="4154670708"/>
+      </p:ext>
+    </p:extLst>
+  </p:cSld>
+  <p:clrMapOvr>
+    <a:masterClrMapping/>
+  </p:clrMapOvr>
+</p:sld>
+</file>
+
+<file path=ppt/slides/slide2.xml><?xml version="1.0" encoding="utf-8"?>
+<p:sld xmlns:a="http://schemas.openxmlformats.org/drawingml/2006/main" xmlns:r="http://schemas.openxmlformats.org/officeDocument/2006/relationships" xmlns:p="http://schemas.openxmlformats.org/presentationml/2006/main">
+  <p:cSld>
+    <p:spTree>
+      <p:nvGrpSpPr>
+        <p:cNvPr id="1" name=""/>
+        <p:cNvGrpSpPr/>
+        <p:nvPr/>
+      </p:nvGrpSpPr>
+      <p:grpSpPr>
+        <a:xfrm>
+          <a:off x="0" y="0"/>
+          <a:ext cx="0" cy="0"/>
+          <a:chOff x="0" y="0"/>
+          <a:chExt cx="0" cy="0"/>
+        </a:xfrm>
+      </p:grpSpPr>
+      <p:sp>
+        <p:nvSpPr>
+          <p:cNvPr id="4" name="TextBox 3">
+            <a:extLst>
+              <a:ext uri="{FF2B5EF4-FFF2-40B4-BE49-F238E27FC236}">
+                <a16:creationId xmlns:a16="http://schemas.microsoft.com/office/drawing/2014/main" id="{CDBECCC6-C965-7B76-6D19-C4505511E74B}"/>
+              </a:ext>
+            </a:extLst>
+          </p:cNvPr>
+          <p:cNvSpPr txBox="1"/>
+          <p:nvPr/>
+        </p:nvSpPr>
+        <p:spPr>
+          <a:xfrm>
+            <a:off x="93560" y="1013930"/>
+            <a:ext cx="1779372" cy="307777"/>
+          </a:xfrm>
+          <a:prstGeom prst="rect">
+            <a:avLst/>
+          </a:prstGeom>
+          <a:noFill/>
+          <a:ln w="12700">
+            <a:solidFill>
+              <a:schemeClr val="tx1"/>
+            </a:solidFill>
+          </a:ln>
+        </p:spPr>
+        <p:txBody>
+          <a:bodyPr wrap="square" rtlCol="0">
+            <a:spAutoFit/>
+          </a:bodyPr>
+          <a:lstStyle/>
+          <a:p>
+            <a:pPr algn="ctr"/>
+            <a:r>
+              <a:rPr lang="en-TW" sz="1400" dirty="0">
+                <a:latin typeface=""/>
+              </a:rPr>
+              <a:t>CT/MRI scanner</a:t>
+            </a:r>
+          </a:p>
+        </p:txBody>
+      </p:sp>
+      <p:sp>
+        <p:nvSpPr>
+          <p:cNvPr id="5" name="TextBox 4">
+            <a:extLst>
+              <a:ext uri="{FF2B5EF4-FFF2-40B4-BE49-F238E27FC236}">
+                <a16:creationId xmlns:a16="http://schemas.microsoft.com/office/drawing/2014/main" id="{22B0C54B-E963-26F5-7191-5D64120B587D}"/>
+              </a:ext>
+            </a:extLst>
+          </p:cNvPr>
+          <p:cNvSpPr txBox="1"/>
+          <p:nvPr/>
+        </p:nvSpPr>
+        <p:spPr>
+          <a:xfrm>
+            <a:off x="2442394" y="1010350"/>
+            <a:ext cx="1779372" cy="307777"/>
+          </a:xfrm>
+          <a:prstGeom prst="rect">
+            <a:avLst/>
+          </a:prstGeom>
+          <a:noFill/>
+          <a:ln w="12700">
+            <a:solidFill>
+              <a:schemeClr val="tx1"/>
+            </a:solidFill>
+          </a:ln>
+        </p:spPr>
+        <p:txBody>
+          <a:bodyPr wrap="square" rtlCol="0">
+            <a:spAutoFit/>
+          </a:bodyPr>
+          <a:lstStyle/>
+          <a:p>
+            <a:pPr algn="ctr"/>
+            <a:r>
+              <a:rPr lang="en-TW" sz="1400" dirty="0">
+                <a:latin typeface=""/>
+              </a:rPr>
+              <a:t>Raw Image Data</a:t>
+            </a:r>
+          </a:p>
+        </p:txBody>
+      </p:sp>
+      <p:sp>
+        <p:nvSpPr>
+          <p:cNvPr id="6" name="TextBox 5">
+            <a:extLst>
+              <a:ext uri="{FF2B5EF4-FFF2-40B4-BE49-F238E27FC236}">
+                <a16:creationId xmlns:a16="http://schemas.microsoft.com/office/drawing/2014/main" id="{3F2B59EE-406D-589E-47CB-119EDD8631E3}"/>
+              </a:ext>
+            </a:extLst>
+          </p:cNvPr>
+          <p:cNvSpPr txBox="1"/>
+          <p:nvPr/>
+        </p:nvSpPr>
+        <p:spPr>
+          <a:xfrm>
+            <a:off x="2442394" y="1451317"/>
+            <a:ext cx="1779372" cy="307777"/>
+          </a:xfrm>
+          <a:prstGeom prst="rect">
+            <a:avLst/>
+          </a:prstGeom>
+          <a:noFill/>
+          <a:ln w="12700">
+            <a:solidFill>
+              <a:schemeClr val="tx1"/>
+            </a:solidFill>
+          </a:ln>
+        </p:spPr>
+        <p:txBody>
+          <a:bodyPr wrap="square" rtlCol="0">
+            <a:spAutoFit/>
+          </a:bodyPr>
+          <a:lstStyle/>
+          <a:p>
+            <a:pPr algn="ctr"/>
+            <a:r>
+              <a:rPr lang="en-TW" sz="1400" dirty="0">
+                <a:latin typeface=""/>
+              </a:rPr>
+              <a:t>Metadata </a:t>
+            </a:r>
+          </a:p>
+        </p:txBody>
+      </p:sp>
+      <p:sp>
+        <p:nvSpPr>
+          <p:cNvPr id="8" name="Rectangle 7">
+            <a:extLst>
+              <a:ext uri="{FF2B5EF4-FFF2-40B4-BE49-F238E27FC236}">
+                <a16:creationId xmlns:a16="http://schemas.microsoft.com/office/drawing/2014/main" id="{F8C8D784-6170-41FB-8819-8C174615184C}"/>
+              </a:ext>
+            </a:extLst>
+          </p:cNvPr>
+          <p:cNvSpPr/>
+          <p:nvPr/>
+        </p:nvSpPr>
+        <p:spPr>
+          <a:xfrm>
+            <a:off x="2349756" y="417125"/>
+            <a:ext cx="1964648" cy="1501389"/>
+          </a:xfrm>
+          <a:prstGeom prst="rect">
+            <a:avLst/>
+          </a:prstGeom>
+          <a:noFill/>
+          <a:ln>
+            <a:solidFill>
+              <a:schemeClr val="tx1"/>
+            </a:solidFill>
+          </a:ln>
+        </p:spPr>
+        <p:style>
+          <a:lnRef idx="2">
+            <a:schemeClr val="accent1">
+              <a:shade val="15000"/>
+            </a:schemeClr>
+          </a:lnRef>
+          <a:fillRef idx="1">
+            <a:schemeClr val="accent1"/>
+          </a:fillRef>
+          <a:effectRef idx="0">
+            <a:schemeClr val="accent1"/>
+          </a:effectRef>
+          <a:fontRef idx="minor">
+            <a:schemeClr val="lt1"/>
+          </a:fontRef>
+        </p:style>
+        <p:txBody>
+          <a:bodyPr rtlCol="0" anchor="t"/>
+          <a:lstStyle/>
+          <a:p>
+            <a:pPr algn="ctr"/>
+            <a:r>
+              <a:rPr lang="en-TW" sz="1400" dirty="0">
+                <a:solidFill>
+                  <a:schemeClr val="tx1"/>
+                </a:solidFill>
+                <a:latin typeface=""/>
+              </a:rPr>
+              <a:t>DICOM</a:t>
+            </a:r>
+          </a:p>
+        </p:txBody>
+      </p:sp>
+      <p:sp>
+        <p:nvSpPr>
+          <p:cNvPr id="9" name="TextBox 8">
+            <a:extLst>
+              <a:ext uri="{FF2B5EF4-FFF2-40B4-BE49-F238E27FC236}">
+                <a16:creationId xmlns:a16="http://schemas.microsoft.com/office/drawing/2014/main" id="{8F33E749-F029-5063-322D-BF277E876CF6}"/>
+              </a:ext>
+            </a:extLst>
+          </p:cNvPr>
+          <p:cNvSpPr txBox="1"/>
+          <p:nvPr/>
+        </p:nvSpPr>
+        <p:spPr>
+          <a:xfrm>
+            <a:off x="4942703" y="1930695"/>
+            <a:ext cx="1779372" cy="307777"/>
+          </a:xfrm>
+          <a:prstGeom prst="rect">
+            <a:avLst/>
+          </a:prstGeom>
+          <a:noFill/>
+          <a:ln w="12700">
+            <a:solidFill>
+              <a:schemeClr val="tx1"/>
+            </a:solidFill>
+          </a:ln>
+        </p:spPr>
+        <p:txBody>
+          <a:bodyPr wrap="square" rtlCol="0">
+            <a:spAutoFit/>
+          </a:bodyPr>
+          <a:lstStyle/>
+          <a:p>
+            <a:pPr algn="ctr"/>
+            <a:r>
+              <a:rPr lang="en-TW" sz="1400" dirty="0">
+                <a:latin typeface=""/>
+              </a:rPr>
+              <a:t>Anonymization </a:t>
+            </a:r>
+          </a:p>
+        </p:txBody>
+      </p:sp>
+      <p:sp>
+        <p:nvSpPr>
+          <p:cNvPr id="10" name="Rectangle 9">
+            <a:extLst>
+              <a:ext uri="{FF2B5EF4-FFF2-40B4-BE49-F238E27FC236}">
+                <a16:creationId xmlns:a16="http://schemas.microsoft.com/office/drawing/2014/main" id="{1E70EC7E-FFC5-E0D0-E4C3-6454200F0287}"/>
+              </a:ext>
+            </a:extLst>
+          </p:cNvPr>
+          <p:cNvSpPr/>
+          <p:nvPr/>
+        </p:nvSpPr>
+        <p:spPr>
+          <a:xfrm>
+            <a:off x="4807974" y="417126"/>
+            <a:ext cx="4378244" cy="1228122"/>
+          </a:xfrm>
+          <a:prstGeom prst="rect">
+            <a:avLst/>
+          </a:prstGeom>
+          <a:solidFill>
+            <a:schemeClr val="accent2">
+              <a:lumMod val="20000"/>
+              <a:lumOff val="80000"/>
+            </a:schemeClr>
+          </a:solidFill>
+          <a:ln>
+            <a:solidFill>
+              <a:schemeClr val="tx1"/>
+            </a:solidFill>
+          </a:ln>
+        </p:spPr>
+        <p:style>
+          <a:lnRef idx="2">
+            <a:schemeClr val="accent1">
+              <a:shade val="15000"/>
+            </a:schemeClr>
+          </a:lnRef>
+          <a:fillRef idx="1">
+            <a:schemeClr val="accent1"/>
+          </a:fillRef>
+          <a:effectRef idx="0">
+            <a:schemeClr val="accent1"/>
+          </a:effectRef>
+          <a:fontRef idx="minor">
+            <a:schemeClr val="lt1"/>
+          </a:fontRef>
+        </p:style>
+        <p:txBody>
+          <a:bodyPr rtlCol="0" anchor="t"/>
+          <a:lstStyle/>
+          <a:p>
+            <a:pPr algn="ctr"/>
+            <a:r>
+              <a:rPr lang="en-TW" sz="1400" i="1" dirty="0">
+                <a:solidFill>
+                  <a:schemeClr val="tx1"/>
+                </a:solidFill>
+                <a:latin typeface=""/>
+              </a:rPr>
+              <a:t>Synapse</a:t>
+            </a:r>
+          </a:p>
+        </p:txBody>
+      </p:sp>
+      <p:sp>
+        <p:nvSpPr>
+          <p:cNvPr id="11" name="TextBox 10">
+            <a:extLst>
+              <a:ext uri="{FF2B5EF4-FFF2-40B4-BE49-F238E27FC236}">
+                <a16:creationId xmlns:a16="http://schemas.microsoft.com/office/drawing/2014/main" id="{4F5F162F-6A6F-9394-5F2A-F2ADC65DECD4}"/>
+              </a:ext>
+            </a:extLst>
+          </p:cNvPr>
+          <p:cNvSpPr txBox="1"/>
+          <p:nvPr/>
+        </p:nvSpPr>
+        <p:spPr>
+          <a:xfrm>
+            <a:off x="4942703" y="1010350"/>
+            <a:ext cx="1779372" cy="307777"/>
+          </a:xfrm>
+          <a:prstGeom prst="rect">
+            <a:avLst/>
+          </a:prstGeom>
+          <a:noFill/>
+          <a:ln w="12700">
+            <a:solidFill>
+              <a:schemeClr val="tx1"/>
+            </a:solidFill>
+          </a:ln>
+        </p:spPr>
+        <p:txBody>
+          <a:bodyPr wrap="square" rtlCol="0">
+            <a:spAutoFit/>
+          </a:bodyPr>
+          <a:lstStyle/>
+          <a:p>
+            <a:pPr algn="ctr"/>
+            <a:r>
+              <a:rPr lang="en-TW" sz="1400" dirty="0">
+                <a:latin typeface=""/>
+              </a:rPr>
+              <a:t>Segmentation</a:t>
+            </a:r>
+          </a:p>
+        </p:txBody>
+      </p:sp>
+      <p:sp>
+        <p:nvSpPr>
+          <p:cNvPr id="12" name="TextBox 11">
+            <a:extLst>
+              <a:ext uri="{FF2B5EF4-FFF2-40B4-BE49-F238E27FC236}">
+                <a16:creationId xmlns:a16="http://schemas.microsoft.com/office/drawing/2014/main" id="{0C7BEC52-B843-1E97-4E82-0F1B309AE8B7}"/>
+              </a:ext>
+            </a:extLst>
+          </p:cNvPr>
+          <p:cNvSpPr txBox="1"/>
+          <p:nvPr/>
+        </p:nvSpPr>
+        <p:spPr>
+          <a:xfrm>
+            <a:off x="7005417" y="1006339"/>
+            <a:ext cx="2063578" cy="307777"/>
+          </a:xfrm>
+          <a:prstGeom prst="rect">
+            <a:avLst/>
+          </a:prstGeom>
+          <a:noFill/>
+          <a:ln w="12700">
+            <a:solidFill>
+              <a:schemeClr val="tx1"/>
+            </a:solidFill>
+          </a:ln>
+        </p:spPr>
+        <p:txBody>
+          <a:bodyPr wrap="square" rtlCol="0">
+            <a:spAutoFit/>
+          </a:bodyPr>
+          <a:lstStyle/>
+          <a:p>
+            <a:pPr algn="ctr"/>
+            <a:r>
+              <a:rPr lang="en-TW" sz="1400" dirty="0">
+                <a:latin typeface=""/>
+              </a:rPr>
+              <a:t>3D Model Conversion</a:t>
+            </a:r>
+          </a:p>
+        </p:txBody>
+      </p:sp>
+      <p:sp>
+        <p:nvSpPr>
+          <p:cNvPr id="13" name="TextBox 12">
+            <a:extLst>
+              <a:ext uri="{FF2B5EF4-FFF2-40B4-BE49-F238E27FC236}">
+                <a16:creationId xmlns:a16="http://schemas.microsoft.com/office/drawing/2014/main" id="{C479F18D-3467-78EA-6C8E-3A37A8FD7015}"/>
+              </a:ext>
+            </a:extLst>
+          </p:cNvPr>
+          <p:cNvSpPr txBox="1"/>
+          <p:nvPr/>
+        </p:nvSpPr>
+        <p:spPr>
+          <a:xfrm>
+            <a:off x="9821027" y="1012770"/>
+            <a:ext cx="2063578" cy="307777"/>
+          </a:xfrm>
+          <a:prstGeom prst="rect">
+            <a:avLst/>
+          </a:prstGeom>
+          <a:noFill/>
+          <a:ln w="12700">
+            <a:solidFill>
+              <a:schemeClr val="tx1"/>
+            </a:solidFill>
+          </a:ln>
+        </p:spPr>
+        <p:txBody>
+          <a:bodyPr wrap="square" rtlCol="0">
+            <a:spAutoFit/>
+          </a:bodyPr>
+          <a:lstStyle/>
+          <a:p>
+            <a:pPr algn="ctr"/>
+            <a:r>
+              <a:rPr lang="en-TW" sz="1400" dirty="0">
+                <a:latin typeface=""/>
+              </a:rPr>
+              <a:t>Mesh optimization</a:t>
+            </a:r>
+          </a:p>
+        </p:txBody>
+      </p:sp>
+      <p:sp>
+        <p:nvSpPr>
+          <p:cNvPr id="14" name="Rectangle 13">
+            <a:extLst>
+              <a:ext uri="{FF2B5EF4-FFF2-40B4-BE49-F238E27FC236}">
+                <a16:creationId xmlns:a16="http://schemas.microsoft.com/office/drawing/2014/main" id="{B3AF0AC9-25E9-9C40-610A-9B75B72E2F4C}"/>
+              </a:ext>
+            </a:extLst>
+          </p:cNvPr>
+          <p:cNvSpPr/>
+          <p:nvPr/>
+        </p:nvSpPr>
+        <p:spPr>
+          <a:xfrm>
+            <a:off x="9679788" y="417126"/>
+            <a:ext cx="2353962" cy="1228122"/>
+          </a:xfrm>
+          <a:prstGeom prst="rect">
+            <a:avLst/>
+          </a:prstGeom>
+          <a:solidFill>
+            <a:schemeClr val="accent2">
+              <a:lumMod val="20000"/>
+              <a:lumOff val="80000"/>
+            </a:schemeClr>
+          </a:solidFill>
+          <a:ln>
+            <a:solidFill>
+              <a:schemeClr val="tx1"/>
+            </a:solidFill>
+          </a:ln>
+        </p:spPr>
+        <p:style>
+          <a:lnRef idx="2">
+            <a:schemeClr val="accent1">
+              <a:shade val="15000"/>
+            </a:schemeClr>
+          </a:lnRef>
+          <a:fillRef idx="1">
+            <a:schemeClr val="accent1"/>
+          </a:fillRef>
+          <a:effectRef idx="0">
+            <a:schemeClr val="accent1"/>
+          </a:effectRef>
+          <a:fontRef idx="minor">
+            <a:schemeClr val="lt1"/>
+          </a:fontRef>
+        </p:style>
+        <p:txBody>
+          <a:bodyPr rtlCol="0" anchor="t"/>
+          <a:lstStyle/>
+          <a:p>
+            <a:pPr algn="ctr"/>
+            <a:r>
+              <a:rPr lang="en-TW" sz="1400" i="1" dirty="0">
+                <a:solidFill>
+                  <a:schemeClr val="tx1"/>
+                </a:solidFill>
+                <a:latin typeface=""/>
+              </a:rPr>
+              <a:t>Meshlab</a:t>
+            </a:r>
+          </a:p>
+        </p:txBody>
+      </p:sp>
+      <p:sp>
+        <p:nvSpPr>
+          <p:cNvPr id="15" name="Rectangle 14">
+            <a:extLst>
+              <a:ext uri="{FF2B5EF4-FFF2-40B4-BE49-F238E27FC236}">
+                <a16:creationId xmlns:a16="http://schemas.microsoft.com/office/drawing/2014/main" id="{D981240A-52C6-84CA-DCE1-B94D8362BE81}"/>
+              </a:ext>
+            </a:extLst>
+          </p:cNvPr>
+          <p:cNvSpPr/>
+          <p:nvPr/>
+        </p:nvSpPr>
+        <p:spPr>
+          <a:xfrm>
+            <a:off x="4942703" y="2851397"/>
+            <a:ext cx="4378244" cy="2023534"/>
+          </a:xfrm>
+          <a:prstGeom prst="rect">
+            <a:avLst/>
+          </a:prstGeom>
+          <a:solidFill>
+            <a:schemeClr val="accent5">
+              <a:lumMod val="20000"/>
+              <a:lumOff val="80000"/>
+            </a:schemeClr>
+          </a:solidFill>
+          <a:ln>
+            <a:solidFill>
+              <a:schemeClr val="tx1"/>
+            </a:solidFill>
+          </a:ln>
+        </p:spPr>
+        <p:style>
+          <a:lnRef idx="2">
+            <a:schemeClr val="accent1">
+              <a:shade val="15000"/>
+            </a:schemeClr>
+          </a:lnRef>
+          <a:fillRef idx="1">
+            <a:schemeClr val="accent1"/>
+          </a:fillRef>
+          <a:effectRef idx="0">
+            <a:schemeClr val="accent1"/>
+          </a:effectRef>
+          <a:fontRef idx="minor">
+            <a:schemeClr val="lt1"/>
+          </a:fontRef>
+        </p:style>
+        <p:txBody>
+          <a:bodyPr rtlCol="0" anchor="t"/>
+          <a:lstStyle/>
+          <a:p>
+            <a:pPr algn="ctr"/>
+            <a:r>
+              <a:rPr lang="en-TW" sz="1400" dirty="0">
+                <a:solidFill>
+                  <a:schemeClr val="tx1"/>
+                </a:solidFill>
+                <a:latin typeface=""/>
+              </a:rPr>
+              <a:t>VR Surgery Planning System</a:t>
+            </a:r>
+          </a:p>
+        </p:txBody>
+      </p:sp>
+      <p:sp>
+        <p:nvSpPr>
+          <p:cNvPr id="16" name="TextBox 15">
+            <a:extLst>
+              <a:ext uri="{FF2B5EF4-FFF2-40B4-BE49-F238E27FC236}">
+                <a16:creationId xmlns:a16="http://schemas.microsoft.com/office/drawing/2014/main" id="{557A3F7C-8489-4B4E-E304-468D1D11B405}"/>
+              </a:ext>
+            </a:extLst>
+          </p:cNvPr>
+          <p:cNvSpPr txBox="1"/>
+          <p:nvPr/>
+        </p:nvSpPr>
+        <p:spPr>
+          <a:xfrm>
+            <a:off x="5768141" y="3374955"/>
+            <a:ext cx="2727366" cy="307777"/>
+          </a:xfrm>
+          <a:prstGeom prst="rect">
+            <a:avLst/>
+          </a:prstGeom>
+          <a:noFill/>
+          <a:ln w="12700">
+            <a:solidFill>
+              <a:schemeClr val="tx1"/>
+            </a:solidFill>
+          </a:ln>
+        </p:spPr>
+        <p:txBody>
+          <a:bodyPr wrap="square" rtlCol="0">
+            <a:spAutoFit/>
+          </a:bodyPr>
+          <a:lstStyle/>
+          <a:p>
+            <a:pPr algn="ctr"/>
+            <a:r>
+              <a:rPr lang="en-TW" sz="1400" dirty="0">
+                <a:latin typeface=""/>
+              </a:rPr>
+              <a:t>3D Rendering and Annotation </a:t>
+            </a:r>
+          </a:p>
+        </p:txBody>
+      </p:sp>
+      <p:sp>
+        <p:nvSpPr>
+          <p:cNvPr id="17" name="TextBox 16">
+            <a:extLst>
+              <a:ext uri="{FF2B5EF4-FFF2-40B4-BE49-F238E27FC236}">
+                <a16:creationId xmlns:a16="http://schemas.microsoft.com/office/drawing/2014/main" id="{2EEF4AAE-922D-B932-610D-C51C49E7AD8B}"/>
+              </a:ext>
+            </a:extLst>
+          </p:cNvPr>
+          <p:cNvSpPr txBox="1"/>
+          <p:nvPr/>
+        </p:nvSpPr>
+        <p:spPr>
+          <a:xfrm>
+            <a:off x="5768141" y="4296871"/>
+            <a:ext cx="2727364" cy="307777"/>
+          </a:xfrm>
+          <a:prstGeom prst="rect">
+            <a:avLst/>
+          </a:prstGeom>
+          <a:noFill/>
+          <a:ln w="12700">
+            <a:solidFill>
+              <a:schemeClr val="tx1"/>
+            </a:solidFill>
+          </a:ln>
+        </p:spPr>
+        <p:txBody>
+          <a:bodyPr wrap="square" rtlCol="0">
+            <a:spAutoFit/>
+          </a:bodyPr>
+          <a:lstStyle/>
+          <a:p>
+            <a:pPr algn="ctr"/>
+            <a:r>
+              <a:rPr lang="en-TW" sz="1400" dirty="0">
+                <a:latin typeface=""/>
+              </a:rPr>
+              <a:t>RTC Streaming</a:t>
+            </a:r>
+          </a:p>
+        </p:txBody>
+      </p:sp>
+      <p:sp>
+        <p:nvSpPr>
+          <p:cNvPr id="19" name="TextBox 18">
+            <a:extLst>
+              <a:ext uri="{FF2B5EF4-FFF2-40B4-BE49-F238E27FC236}">
+                <a16:creationId xmlns:a16="http://schemas.microsoft.com/office/drawing/2014/main" id="{74289A2B-E9E0-2526-5D2E-856947AFE085}"/>
+              </a:ext>
+            </a:extLst>
+          </p:cNvPr>
+          <p:cNvSpPr txBox="1"/>
+          <p:nvPr/>
+        </p:nvSpPr>
+        <p:spPr>
+          <a:xfrm>
+            <a:off x="460572" y="3136319"/>
+            <a:ext cx="3417339" cy="523220"/>
+          </a:xfrm>
+          <a:prstGeom prst="rect">
+            <a:avLst/>
+          </a:prstGeom>
+          <a:solidFill>
+            <a:schemeClr val="accent3">
+              <a:lumMod val="20000"/>
+              <a:lumOff val="80000"/>
+            </a:schemeClr>
+          </a:solidFill>
+          <a:ln w="12700">
+            <a:solidFill>
+              <a:schemeClr val="tx1"/>
+            </a:solidFill>
+          </a:ln>
+        </p:spPr>
+        <p:txBody>
+          <a:bodyPr wrap="square" rtlCol="0">
+            <a:spAutoFit/>
+          </a:bodyPr>
+          <a:lstStyle/>
+          <a:p>
+            <a:pPr algn="ctr"/>
+            <a:r>
+              <a:rPr lang="en-TW" sz="1400" dirty="0">
+                <a:latin typeface=""/>
+              </a:rPr>
+              <a:t>XR Device</a:t>
+            </a:r>
+          </a:p>
+          <a:p>
+            <a:pPr marL="285750" indent="-285750" algn="ctr">
+              <a:buFont typeface="Arial" panose="020B0604020202020204" pitchFamily="34" charset="0"/>
+              <a:buChar char="•"/>
+            </a:pPr>
+            <a:r>
+              <a:rPr lang="en-TW" sz="1400" dirty="0">
+                <a:latin typeface=""/>
+              </a:rPr>
+              <a:t>XR HMD and Controller</a:t>
+            </a:r>
+          </a:p>
+        </p:txBody>
+      </p:sp>
+      <p:cxnSp>
+        <p:nvCxnSpPr>
+          <p:cNvPr id="24" name="Straight Arrow Connector 23">
+            <a:extLst>
+              <a:ext uri="{FF2B5EF4-FFF2-40B4-BE49-F238E27FC236}">
+                <a16:creationId xmlns:a16="http://schemas.microsoft.com/office/drawing/2014/main" id="{676136C1-CA26-22B5-54AA-D56E9B27AF7A}"/>
+              </a:ext>
+            </a:extLst>
+          </p:cNvPr>
+          <p:cNvCxnSpPr>
+            <a:cxnSpLocks/>
+            <a:stCxn id="4" idx="3"/>
+            <a:endCxn id="8" idx="1"/>
+          </p:cNvCxnSpPr>
+          <p:nvPr/>
+        </p:nvCxnSpPr>
+        <p:spPr>
+          <a:xfrm>
+            <a:off x="1872932" y="1167819"/>
+            <a:ext cx="476824" cy="1"/>
+          </a:xfrm>
+          <a:prstGeom prst="straightConnector1">
+            <a:avLst/>
+          </a:prstGeom>
+          <a:ln w="12700">
+            <a:tailEnd type="triangle"/>
+          </a:ln>
+        </p:spPr>
+        <p:style>
+          <a:lnRef idx="1">
+            <a:schemeClr val="dk1"/>
+          </a:lnRef>
+          <a:fillRef idx="0">
+            <a:schemeClr val="dk1"/>
+          </a:fillRef>
+          <a:effectRef idx="0">
+            <a:schemeClr val="dk1"/>
+          </a:effectRef>
+          <a:fontRef idx="minor">
+            <a:schemeClr val="tx1"/>
+          </a:fontRef>
+        </p:style>
+      </p:cxnSp>
+      <p:cxnSp>
+        <p:nvCxnSpPr>
+          <p:cNvPr id="25" name="Straight Arrow Connector 24">
+            <a:extLst>
+              <a:ext uri="{FF2B5EF4-FFF2-40B4-BE49-F238E27FC236}">
+                <a16:creationId xmlns:a16="http://schemas.microsoft.com/office/drawing/2014/main" id="{71F43011-CFD2-AAAF-BD62-8753036D4299}"/>
+              </a:ext>
+            </a:extLst>
+          </p:cNvPr>
+          <p:cNvCxnSpPr>
+            <a:cxnSpLocks/>
+            <a:stCxn id="5" idx="3"/>
+            <a:endCxn id="11" idx="1"/>
+          </p:cNvCxnSpPr>
+          <p:nvPr/>
+        </p:nvCxnSpPr>
+        <p:spPr>
+          <a:xfrm>
+            <a:off x="4221766" y="1164239"/>
+            <a:ext cx="720937" cy="0"/>
+          </a:xfrm>
+          <a:prstGeom prst="straightConnector1">
+            <a:avLst/>
+          </a:prstGeom>
+          <a:ln w="12700">
+            <a:tailEnd type="triangle"/>
+          </a:ln>
+        </p:spPr>
+        <p:style>
+          <a:lnRef idx="1">
+            <a:schemeClr val="dk1"/>
+          </a:lnRef>
+          <a:fillRef idx="0">
+            <a:schemeClr val="dk1"/>
+          </a:fillRef>
+          <a:effectRef idx="0">
+            <a:schemeClr val="dk1"/>
+          </a:effectRef>
+          <a:fontRef idx="minor">
+            <a:schemeClr val="tx1"/>
+          </a:fontRef>
+        </p:style>
+      </p:cxnSp>
+      <p:cxnSp>
+        <p:nvCxnSpPr>
+          <p:cNvPr id="28" name="Straight Arrow Connector 27">
+            <a:extLst>
+              <a:ext uri="{FF2B5EF4-FFF2-40B4-BE49-F238E27FC236}">
+                <a16:creationId xmlns:a16="http://schemas.microsoft.com/office/drawing/2014/main" id="{59B98019-CFB4-291E-1F16-73EA556FFC77}"/>
+              </a:ext>
+            </a:extLst>
+          </p:cNvPr>
+          <p:cNvCxnSpPr>
+            <a:cxnSpLocks/>
+            <a:stCxn id="11" idx="3"/>
+            <a:endCxn id="12" idx="1"/>
+          </p:cNvCxnSpPr>
+          <p:nvPr/>
+        </p:nvCxnSpPr>
+        <p:spPr>
+          <a:xfrm flipV="1">
+            <a:off x="6722075" y="1160228"/>
+            <a:ext cx="283342" cy="4011"/>
+          </a:xfrm>
+          <a:prstGeom prst="straightConnector1">
+            <a:avLst/>
+          </a:prstGeom>
+          <a:ln w="12700">
+            <a:tailEnd type="triangle"/>
+          </a:ln>
+        </p:spPr>
+        <p:style>
+          <a:lnRef idx="1">
+            <a:schemeClr val="dk1"/>
+          </a:lnRef>
+          <a:fillRef idx="0">
+            <a:schemeClr val="dk1"/>
+          </a:fillRef>
+          <a:effectRef idx="0">
+            <a:schemeClr val="dk1"/>
+          </a:effectRef>
+          <a:fontRef idx="minor">
+            <a:schemeClr val="tx1"/>
+          </a:fontRef>
+        </p:style>
+      </p:cxnSp>
+      <p:cxnSp>
+        <p:nvCxnSpPr>
+          <p:cNvPr id="31" name="Straight Arrow Connector 30">
+            <a:extLst>
+              <a:ext uri="{FF2B5EF4-FFF2-40B4-BE49-F238E27FC236}">
+                <a16:creationId xmlns:a16="http://schemas.microsoft.com/office/drawing/2014/main" id="{334BECCC-5963-1B29-5F4D-82CF869831D7}"/>
+              </a:ext>
+            </a:extLst>
+          </p:cNvPr>
+          <p:cNvCxnSpPr>
+            <a:cxnSpLocks/>
+            <a:stCxn id="12" idx="3"/>
+            <a:endCxn id="2" idx="1"/>
+          </p:cNvCxnSpPr>
+          <p:nvPr/>
+        </p:nvCxnSpPr>
+        <p:spPr>
+          <a:xfrm>
+            <a:off x="9068995" y="1160228"/>
+            <a:ext cx="894135" cy="6430"/>
+          </a:xfrm>
+          <a:prstGeom prst="straightConnector1">
+            <a:avLst/>
+          </a:prstGeom>
+          <a:ln w="12700">
+            <a:tailEnd type="triangle"/>
+          </a:ln>
+        </p:spPr>
+        <p:style>
+          <a:lnRef idx="1">
+            <a:schemeClr val="dk1"/>
+          </a:lnRef>
+          <a:fillRef idx="0">
+            <a:schemeClr val="dk1"/>
+          </a:fillRef>
+          <a:effectRef idx="0">
+            <a:schemeClr val="dk1"/>
+          </a:effectRef>
+          <a:fontRef idx="minor">
+            <a:schemeClr val="tx1"/>
+          </a:fontRef>
+        </p:style>
+      </p:cxnSp>
+      <p:cxnSp>
+        <p:nvCxnSpPr>
+          <p:cNvPr id="42" name="Elbow Connector 41">
+            <a:extLst>
+              <a:ext uri="{FF2B5EF4-FFF2-40B4-BE49-F238E27FC236}">
+                <a16:creationId xmlns:a16="http://schemas.microsoft.com/office/drawing/2014/main" id="{E7430D5A-48F8-966B-B9CB-BD545FC104D7}"/>
+              </a:ext>
+            </a:extLst>
+          </p:cNvPr>
+          <p:cNvCxnSpPr>
+            <a:cxnSpLocks/>
+            <a:stCxn id="9" idx="3"/>
+            <a:endCxn id="15" idx="0"/>
+          </p:cNvCxnSpPr>
+          <p:nvPr/>
+        </p:nvCxnSpPr>
+        <p:spPr>
+          <a:xfrm>
+            <a:off x="6722075" y="2084584"/>
+            <a:ext cx="409750" cy="766813"/>
+          </a:xfrm>
+          <a:prstGeom prst="bentConnector2">
+            <a:avLst/>
+          </a:prstGeom>
+          <a:ln w="12700">
+            <a:solidFill>
+              <a:schemeClr val="tx1"/>
+            </a:solidFill>
+            <a:tailEnd type="triangle"/>
+          </a:ln>
+        </p:spPr>
+        <p:style>
+          <a:lnRef idx="1">
+            <a:schemeClr val="accent1"/>
+          </a:lnRef>
+          <a:fillRef idx="0">
+            <a:schemeClr val="accent1"/>
+          </a:fillRef>
+          <a:effectRef idx="0">
+            <a:schemeClr val="accent1"/>
+          </a:effectRef>
+          <a:fontRef idx="minor">
+            <a:schemeClr val="tx1"/>
+          </a:fontRef>
+        </p:style>
+      </p:cxnSp>
+      <p:cxnSp>
+        <p:nvCxnSpPr>
+          <p:cNvPr id="43" name="Elbow Connector 42">
+            <a:extLst>
+              <a:ext uri="{FF2B5EF4-FFF2-40B4-BE49-F238E27FC236}">
+                <a16:creationId xmlns:a16="http://schemas.microsoft.com/office/drawing/2014/main" id="{937E11B0-7DF2-CB16-A705-CD6E8ABEFBC6}"/>
+              </a:ext>
+            </a:extLst>
+          </p:cNvPr>
+          <p:cNvCxnSpPr>
+            <a:cxnSpLocks/>
+            <a:stCxn id="2" idx="2"/>
+            <a:endCxn id="15" idx="0"/>
+          </p:cNvCxnSpPr>
+          <p:nvPr/>
+        </p:nvCxnSpPr>
+        <p:spPr>
+          <a:xfrm rot="5400000">
+            <a:off x="8226896" y="225476"/>
+            <a:ext cx="1530851" cy="3720991"/>
+          </a:xfrm>
+          <a:prstGeom prst="bentConnector3">
+            <a:avLst>
+              <a:gd name="adj1" fmla="val 50000"/>
+            </a:avLst>
+          </a:prstGeom>
+          <a:ln w="12700">
+            <a:solidFill>
+              <a:schemeClr val="tx1"/>
+            </a:solidFill>
+            <a:tailEnd type="triangle"/>
+          </a:ln>
+        </p:spPr>
+        <p:style>
+          <a:lnRef idx="1">
+            <a:schemeClr val="accent1"/>
+          </a:lnRef>
+          <a:fillRef idx="0">
+            <a:schemeClr val="accent1"/>
+          </a:fillRef>
+          <a:effectRef idx="0">
+            <a:schemeClr val="accent1"/>
+          </a:effectRef>
+          <a:fontRef idx="minor">
+            <a:schemeClr val="tx1"/>
+          </a:fontRef>
+        </p:style>
+      </p:cxnSp>
+      <p:sp>
+        <p:nvSpPr>
+          <p:cNvPr id="72" name="TextBox 71">
+            <a:extLst>
+              <a:ext uri="{FF2B5EF4-FFF2-40B4-BE49-F238E27FC236}">
+                <a16:creationId xmlns:a16="http://schemas.microsoft.com/office/drawing/2014/main" id="{35B11CB8-B2A0-CF5D-9D71-ED9B86156B95}"/>
+              </a:ext>
+            </a:extLst>
+          </p:cNvPr>
+          <p:cNvSpPr txBox="1"/>
+          <p:nvPr/>
+        </p:nvSpPr>
+        <p:spPr>
+          <a:xfrm>
+            <a:off x="5768140" y="3829348"/>
+            <a:ext cx="2727365" cy="307777"/>
+          </a:xfrm>
+          <a:prstGeom prst="rect">
+            <a:avLst/>
+          </a:prstGeom>
+          <a:noFill/>
+          <a:ln w="12700">
+            <a:solidFill>
+              <a:schemeClr val="tx1"/>
+            </a:solidFill>
+          </a:ln>
+        </p:spPr>
+        <p:txBody>
+          <a:bodyPr wrap="square" rtlCol="0">
+            <a:spAutoFit/>
+          </a:bodyPr>
+          <a:lstStyle/>
+          <a:p>
+            <a:pPr algn="ctr"/>
+            <a:r>
+              <a:rPr lang="en-TW" sz="1400" dirty="0">
+                <a:latin typeface=""/>
+              </a:rPr>
+              <a:t>2D Image Viewer</a:t>
+            </a:r>
+          </a:p>
+        </p:txBody>
+      </p:sp>
+      <p:sp>
+        <p:nvSpPr>
+          <p:cNvPr id="81" name="TextBox 80">
+            <a:extLst>
+              <a:ext uri="{FF2B5EF4-FFF2-40B4-BE49-F238E27FC236}">
+                <a16:creationId xmlns:a16="http://schemas.microsoft.com/office/drawing/2014/main" id="{8EA79821-2B1A-2BA8-DDEA-C3936E4EB7B7}"/>
+              </a:ext>
+            </a:extLst>
+          </p:cNvPr>
+          <p:cNvSpPr txBox="1"/>
+          <p:nvPr/>
+        </p:nvSpPr>
+        <p:spPr>
+          <a:xfrm>
+            <a:off x="460572" y="4111528"/>
+            <a:ext cx="3417339" cy="523220"/>
+          </a:xfrm>
+          <a:prstGeom prst="rect">
+            <a:avLst/>
+          </a:prstGeom>
+          <a:solidFill>
+            <a:schemeClr val="accent3">
+              <a:lumMod val="20000"/>
+              <a:lumOff val="80000"/>
+            </a:schemeClr>
+          </a:solidFill>
+          <a:ln w="12700">
+            <a:solidFill>
+              <a:schemeClr val="tx1"/>
+            </a:solidFill>
+          </a:ln>
+        </p:spPr>
+        <p:txBody>
+          <a:bodyPr wrap="square" rtlCol="0">
+            <a:spAutoFit/>
+          </a:bodyPr>
+          <a:lstStyle/>
+          <a:p>
+            <a:pPr algn="ctr"/>
+            <a:r>
+              <a:rPr lang="en-TW" sz="1400" dirty="0">
+                <a:latin typeface=""/>
+              </a:rPr>
+              <a:t>C</a:t>
+            </a:r>
+            <a:r>
+              <a:rPr lang="en-US" sz="1400" dirty="0">
+                <a:latin typeface=""/>
+              </a:rPr>
+              <a:t>o</a:t>
+            </a:r>
+            <a:r>
+              <a:rPr lang="en-TW" sz="1400" dirty="0">
+                <a:latin typeface=""/>
+              </a:rPr>
+              <a:t>nventional Device</a:t>
+            </a:r>
+          </a:p>
+          <a:p>
+            <a:pPr marL="285750" indent="-285750" algn="ctr">
+              <a:buFont typeface="Arial" panose="020B0604020202020204" pitchFamily="34" charset="0"/>
+              <a:buChar char="•"/>
+            </a:pPr>
+            <a:r>
+              <a:rPr lang="en-TW" sz="1400" dirty="0">
+                <a:latin typeface=""/>
+              </a:rPr>
+              <a:t>Mouse, keyboard, touch screen</a:t>
+            </a:r>
+          </a:p>
+        </p:txBody>
+      </p:sp>
+      <p:sp>
+        <p:nvSpPr>
+          <p:cNvPr id="2" name="TextBox 1">
+            <a:extLst>
+              <a:ext uri="{FF2B5EF4-FFF2-40B4-BE49-F238E27FC236}">
+                <a16:creationId xmlns:a16="http://schemas.microsoft.com/office/drawing/2014/main" id="{6CA1308E-6050-4F1C-F60E-69DC459D12E7}"/>
+              </a:ext>
+            </a:extLst>
+          </p:cNvPr>
+          <p:cNvSpPr txBox="1"/>
+          <p:nvPr/>
+        </p:nvSpPr>
+        <p:spPr>
+          <a:xfrm>
+            <a:off x="9963130" y="1012769"/>
+            <a:ext cx="1779372" cy="307777"/>
+          </a:xfrm>
+          <a:prstGeom prst="rect">
+            <a:avLst/>
+          </a:prstGeom>
+          <a:noFill/>
+          <a:ln w="12700">
+            <a:solidFill>
+              <a:schemeClr val="tx1"/>
+            </a:solidFill>
+          </a:ln>
+        </p:spPr>
+        <p:txBody>
+          <a:bodyPr wrap="square" rtlCol="0">
+            <a:spAutoFit/>
+          </a:bodyPr>
+          <a:lstStyle/>
+          <a:p>
+            <a:pPr algn="ctr"/>
+            <a:r>
+              <a:rPr lang="en-TW" sz="1400" dirty="0">
+                <a:latin typeface=""/>
+              </a:rPr>
+              <a:t>Optimization </a:t>
+            </a:r>
+          </a:p>
+        </p:txBody>
+      </p:sp>
+      <p:cxnSp>
+        <p:nvCxnSpPr>
+          <p:cNvPr id="35" name="Elbow Connector 34">
+            <a:extLst>
+              <a:ext uri="{FF2B5EF4-FFF2-40B4-BE49-F238E27FC236}">
+                <a16:creationId xmlns:a16="http://schemas.microsoft.com/office/drawing/2014/main" id="{82A491F8-5669-1FF4-36D1-9D8EF9D2AFE8}"/>
+              </a:ext>
+            </a:extLst>
+          </p:cNvPr>
+          <p:cNvCxnSpPr>
+            <a:cxnSpLocks/>
+            <a:stCxn id="19" idx="3"/>
+            <a:endCxn id="15" idx="1"/>
+          </p:cNvCxnSpPr>
+          <p:nvPr/>
+        </p:nvCxnSpPr>
+        <p:spPr>
+          <a:xfrm>
+            <a:off x="3877911" y="3397929"/>
+            <a:ext cx="1064792" cy="465235"/>
+          </a:xfrm>
+          <a:prstGeom prst="bentConnector3">
+            <a:avLst>
+              <a:gd name="adj1" fmla="val 50000"/>
+            </a:avLst>
+          </a:prstGeom>
+          <a:ln w="12700">
+            <a:solidFill>
+              <a:schemeClr val="tx1"/>
+            </a:solidFill>
+            <a:tailEnd type="triangle"/>
+          </a:ln>
+        </p:spPr>
+        <p:style>
+          <a:lnRef idx="1">
+            <a:schemeClr val="accent1"/>
+          </a:lnRef>
+          <a:fillRef idx="0">
+            <a:schemeClr val="accent1"/>
+          </a:fillRef>
+          <a:effectRef idx="0">
+            <a:schemeClr val="accent1"/>
+          </a:effectRef>
+          <a:fontRef idx="minor">
+            <a:schemeClr val="tx1"/>
+          </a:fontRef>
+        </p:style>
+      </p:cxnSp>
+      <p:cxnSp>
+        <p:nvCxnSpPr>
+          <p:cNvPr id="39" name="Elbow Connector 38">
+            <a:extLst>
+              <a:ext uri="{FF2B5EF4-FFF2-40B4-BE49-F238E27FC236}">
+                <a16:creationId xmlns:a16="http://schemas.microsoft.com/office/drawing/2014/main" id="{35C56CFC-B0F9-768E-DB9B-5B4D35457381}"/>
+              </a:ext>
+            </a:extLst>
+          </p:cNvPr>
+          <p:cNvCxnSpPr>
+            <a:cxnSpLocks/>
+            <a:stCxn id="81" idx="3"/>
+            <a:endCxn id="15" idx="1"/>
+          </p:cNvCxnSpPr>
+          <p:nvPr/>
+        </p:nvCxnSpPr>
+        <p:spPr>
+          <a:xfrm flipV="1">
+            <a:off x="3877911" y="3863164"/>
+            <a:ext cx="1064792" cy="509974"/>
+          </a:xfrm>
+          <a:prstGeom prst="bentConnector3">
+            <a:avLst>
+              <a:gd name="adj1" fmla="val 50000"/>
+            </a:avLst>
+          </a:prstGeom>
+          <a:ln w="12700">
+            <a:solidFill>
+              <a:schemeClr val="tx1"/>
+            </a:solidFill>
+            <a:tailEnd type="triangle"/>
+          </a:ln>
+        </p:spPr>
+        <p:style>
+          <a:lnRef idx="1">
+            <a:schemeClr val="accent1"/>
+          </a:lnRef>
+          <a:fillRef idx="0">
+            <a:schemeClr val="accent1"/>
+          </a:fillRef>
+          <a:effectRef idx="0">
+            <a:schemeClr val="accent1"/>
+          </a:effectRef>
+          <a:fontRef idx="minor">
+            <a:schemeClr val="tx1"/>
+          </a:fontRef>
+        </p:style>
+      </p:cxnSp>
+      <p:cxnSp>
+        <p:nvCxnSpPr>
+          <p:cNvPr id="85" name="Elbow Connector 84">
+            <a:extLst>
+              <a:ext uri="{FF2B5EF4-FFF2-40B4-BE49-F238E27FC236}">
+                <a16:creationId xmlns:a16="http://schemas.microsoft.com/office/drawing/2014/main" id="{F7467BED-040F-E21D-E745-751F10D4A88E}"/>
+              </a:ext>
+            </a:extLst>
+          </p:cNvPr>
+          <p:cNvCxnSpPr>
+            <a:cxnSpLocks/>
+            <a:stCxn id="6" idx="3"/>
+            <a:endCxn id="9" idx="1"/>
+          </p:cNvCxnSpPr>
+          <p:nvPr/>
+        </p:nvCxnSpPr>
+        <p:spPr>
+          <a:xfrm>
+            <a:off x="4221766" y="1605206"/>
+            <a:ext cx="720937" cy="479378"/>
+          </a:xfrm>
+          <a:prstGeom prst="bentConnector3">
+            <a:avLst>
+              <a:gd name="adj1" fmla="val 50000"/>
+            </a:avLst>
+          </a:prstGeom>
+          <a:ln w="12700">
+            <a:solidFill>
+              <a:schemeClr val="tx1"/>
+            </a:solidFill>
+            <a:tailEnd type="triangle"/>
+          </a:ln>
+        </p:spPr>
+        <p:style>
+          <a:lnRef idx="1">
+            <a:schemeClr val="accent1"/>
+          </a:lnRef>
+          <a:fillRef idx="0">
+            <a:schemeClr val="accent1"/>
+          </a:fillRef>
+          <a:effectRef idx="0">
+            <a:schemeClr val="accent1"/>
+          </a:effectRef>
+          <a:fontRef idx="minor">
+            <a:schemeClr val="tx1"/>
+          </a:fontRef>
+        </p:style>
+      </p:cxnSp>
+      <p:sp>
+        <p:nvSpPr>
+          <p:cNvPr id="51" name="TextBox 50">
+            <a:extLst>
+              <a:ext uri="{FF2B5EF4-FFF2-40B4-BE49-F238E27FC236}">
+                <a16:creationId xmlns:a16="http://schemas.microsoft.com/office/drawing/2014/main" id="{5032CD62-35A2-522C-A191-AD4B5D805CC8}"/>
+              </a:ext>
+            </a:extLst>
+          </p:cNvPr>
+          <p:cNvSpPr txBox="1"/>
+          <p:nvPr/>
+        </p:nvSpPr>
+        <p:spPr>
+          <a:xfrm>
+            <a:off x="3968029" y="3209139"/>
+            <a:ext cx="1228409" cy="523220"/>
+          </a:xfrm>
+          <a:prstGeom prst="rect">
+            <a:avLst/>
+          </a:prstGeom>
+          <a:noFill/>
+          <a:ln w="12700">
+            <a:noFill/>
+          </a:ln>
+        </p:spPr>
+        <p:txBody>
+          <a:bodyPr wrap="square" rtlCol="0">
+            <a:spAutoFit/>
+          </a:bodyPr>
+          <a:lstStyle/>
+          <a:p>
+            <a:pPr algn="ctr"/>
+            <a:r>
+              <a:rPr lang="en-TW" sz="1400" i="1" dirty="0">
+                <a:latin typeface=""/>
+              </a:rPr>
+              <a:t>Input Interface </a:t>
+            </a:r>
+          </a:p>
+        </p:txBody>
+      </p:sp>
+      <p:sp>
+        <p:nvSpPr>
+          <p:cNvPr id="59" name="TextBox 58">
+            <a:extLst>
+              <a:ext uri="{FF2B5EF4-FFF2-40B4-BE49-F238E27FC236}">
+                <a16:creationId xmlns:a16="http://schemas.microsoft.com/office/drawing/2014/main" id="{DF85525C-1262-159F-05F0-4FA648B1A580}"/>
+              </a:ext>
+            </a:extLst>
+          </p:cNvPr>
+          <p:cNvSpPr txBox="1"/>
+          <p:nvPr/>
+        </p:nvSpPr>
+        <p:spPr>
+          <a:xfrm>
+            <a:off x="9730698" y="2846148"/>
+            <a:ext cx="2353961" cy="307777"/>
+          </a:xfrm>
+          <a:prstGeom prst="rect">
+            <a:avLst/>
+          </a:prstGeom>
+          <a:solidFill>
+            <a:schemeClr val="accent6">
+              <a:lumMod val="20000"/>
+              <a:lumOff val="80000"/>
+            </a:schemeClr>
+          </a:solidFill>
+          <a:ln w="12700">
+            <a:solidFill>
+              <a:schemeClr val="tx1"/>
+            </a:solidFill>
+          </a:ln>
+        </p:spPr>
+        <p:txBody>
+          <a:bodyPr wrap="square" rtlCol="0">
+            <a:spAutoFit/>
+          </a:bodyPr>
+          <a:lstStyle/>
+          <a:p>
+            <a:pPr algn="ctr"/>
+            <a:r>
+              <a:rPr lang="en-US" altLang="zh-TW" sz="1400" dirty="0">
+                <a:latin typeface=""/>
+              </a:rPr>
+              <a:t>Immersive</a:t>
+            </a:r>
+            <a:r>
+              <a:rPr lang="zh-TW" altLang="en-US" sz="1400" dirty="0">
+                <a:latin typeface=""/>
+              </a:rPr>
+              <a:t> </a:t>
+            </a:r>
+            <a:r>
+              <a:rPr lang="en-US" altLang="zh-TW" sz="1400" dirty="0">
+                <a:latin typeface=""/>
+              </a:rPr>
+              <a:t>O</a:t>
+            </a:r>
+            <a:r>
+              <a:rPr lang="en-US" sz="1400" dirty="0">
+                <a:latin typeface=""/>
+              </a:rPr>
+              <a:t>utput</a:t>
+            </a:r>
+          </a:p>
+        </p:txBody>
+      </p:sp>
+      <p:sp>
+        <p:nvSpPr>
+          <p:cNvPr id="60" name="TextBox 59">
+            <a:extLst>
+              <a:ext uri="{FF2B5EF4-FFF2-40B4-BE49-F238E27FC236}">
+                <a16:creationId xmlns:a16="http://schemas.microsoft.com/office/drawing/2014/main" id="{0BFB9FB9-41F0-EA4B-4419-362294453BB3}"/>
+              </a:ext>
+            </a:extLst>
+          </p:cNvPr>
+          <p:cNvSpPr txBox="1"/>
+          <p:nvPr/>
+        </p:nvSpPr>
+        <p:spPr>
+          <a:xfrm>
+            <a:off x="9730698" y="4136266"/>
+            <a:ext cx="2353960" cy="307777"/>
+          </a:xfrm>
+          <a:prstGeom prst="rect">
+            <a:avLst/>
+          </a:prstGeom>
+          <a:solidFill>
+            <a:schemeClr val="accent6">
+              <a:lumMod val="20000"/>
+              <a:lumOff val="80000"/>
+            </a:schemeClr>
+          </a:solidFill>
+          <a:ln w="12700">
+            <a:solidFill>
+              <a:schemeClr val="tx1"/>
+            </a:solidFill>
+          </a:ln>
+        </p:spPr>
+        <p:txBody>
+          <a:bodyPr wrap="square" rtlCol="0">
+            <a:spAutoFit/>
+          </a:bodyPr>
+          <a:lstStyle/>
+          <a:p>
+            <a:pPr algn="ctr"/>
+            <a:r>
+              <a:rPr lang="en-TW" sz="1400" dirty="0">
+                <a:latin typeface=""/>
+              </a:rPr>
+              <a:t>Real time </a:t>
+            </a:r>
+          </a:p>
+        </p:txBody>
+      </p:sp>
+      <p:cxnSp>
+        <p:nvCxnSpPr>
+          <p:cNvPr id="61" name="Elbow Connector 60">
+            <a:extLst>
+              <a:ext uri="{FF2B5EF4-FFF2-40B4-BE49-F238E27FC236}">
+                <a16:creationId xmlns:a16="http://schemas.microsoft.com/office/drawing/2014/main" id="{6E4BA4DC-5F21-B932-4CE8-559EA9FE8F22}"/>
+              </a:ext>
+            </a:extLst>
+          </p:cNvPr>
+          <p:cNvCxnSpPr>
+            <a:cxnSpLocks/>
+            <a:stCxn id="15" idx="3"/>
+            <a:endCxn id="59" idx="1"/>
+          </p:cNvCxnSpPr>
+          <p:nvPr/>
+        </p:nvCxnSpPr>
+        <p:spPr>
+          <a:xfrm flipV="1">
+            <a:off x="9320947" y="3000037"/>
+            <a:ext cx="409751" cy="863127"/>
+          </a:xfrm>
+          <a:prstGeom prst="bentConnector3">
+            <a:avLst>
+              <a:gd name="adj1" fmla="val 50000"/>
+            </a:avLst>
+          </a:prstGeom>
+          <a:ln w="12700">
+            <a:solidFill>
+              <a:schemeClr val="tx1"/>
+            </a:solidFill>
+            <a:tailEnd type="triangle"/>
+          </a:ln>
+        </p:spPr>
+        <p:style>
+          <a:lnRef idx="1">
+            <a:schemeClr val="accent1"/>
+          </a:lnRef>
+          <a:fillRef idx="0">
+            <a:schemeClr val="accent1"/>
+          </a:fillRef>
+          <a:effectRef idx="0">
+            <a:schemeClr val="accent1"/>
+          </a:effectRef>
+          <a:fontRef idx="minor">
+            <a:schemeClr val="tx1"/>
+          </a:fontRef>
+        </p:style>
+      </p:cxnSp>
+      <p:cxnSp>
+        <p:nvCxnSpPr>
+          <p:cNvPr id="62" name="Elbow Connector 61">
+            <a:extLst>
+              <a:ext uri="{FF2B5EF4-FFF2-40B4-BE49-F238E27FC236}">
+                <a16:creationId xmlns:a16="http://schemas.microsoft.com/office/drawing/2014/main" id="{55993AA7-2251-1E7E-06AE-37891E5436A7}"/>
+              </a:ext>
+            </a:extLst>
+          </p:cNvPr>
+          <p:cNvCxnSpPr>
+            <a:cxnSpLocks/>
+            <a:stCxn id="15" idx="3"/>
+            <a:endCxn id="60" idx="1"/>
+          </p:cNvCxnSpPr>
+          <p:nvPr/>
+        </p:nvCxnSpPr>
+        <p:spPr>
+          <a:xfrm>
+            <a:off x="9320947" y="3863164"/>
+            <a:ext cx="409751" cy="426991"/>
+          </a:xfrm>
+          <a:prstGeom prst="bentConnector3">
+            <a:avLst>
+              <a:gd name="adj1" fmla="val 50000"/>
+            </a:avLst>
+          </a:prstGeom>
+          <a:ln w="12700">
+            <a:solidFill>
+              <a:schemeClr val="tx1"/>
+            </a:solidFill>
+            <a:tailEnd type="triangle"/>
+          </a:ln>
+        </p:spPr>
+        <p:style>
+          <a:lnRef idx="1">
+            <a:schemeClr val="accent1"/>
+          </a:lnRef>
+          <a:fillRef idx="0">
+            <a:schemeClr val="accent1"/>
+          </a:fillRef>
+          <a:effectRef idx="0">
+            <a:schemeClr val="accent1"/>
+          </a:effectRef>
+          <a:fontRef idx="minor">
+            <a:schemeClr val="tx1"/>
+          </a:fontRef>
+        </p:style>
+      </p:cxnSp>
+      <p:sp>
+        <p:nvSpPr>
+          <p:cNvPr id="69" name="Rectangle 68">
+            <a:extLst>
+              <a:ext uri="{FF2B5EF4-FFF2-40B4-BE49-F238E27FC236}">
+                <a16:creationId xmlns:a16="http://schemas.microsoft.com/office/drawing/2014/main" id="{D91BBDDA-B009-D32E-7933-67A04622ACDD}"/>
+              </a:ext>
+            </a:extLst>
+          </p:cNvPr>
+          <p:cNvSpPr/>
+          <p:nvPr/>
+        </p:nvSpPr>
+        <p:spPr>
+          <a:xfrm>
+            <a:off x="4942700" y="5262995"/>
+            <a:ext cx="4378244" cy="642350"/>
+          </a:xfrm>
+          <a:prstGeom prst="rect">
+            <a:avLst/>
+          </a:prstGeom>
+          <a:solidFill>
+            <a:schemeClr val="accent5">
+              <a:lumMod val="20000"/>
+              <a:lumOff val="80000"/>
+            </a:schemeClr>
+          </a:solidFill>
+          <a:ln>
+            <a:solidFill>
+              <a:schemeClr val="tx1"/>
+            </a:solidFill>
+          </a:ln>
+        </p:spPr>
+        <p:style>
+          <a:lnRef idx="2">
+            <a:schemeClr val="accent1">
+              <a:shade val="15000"/>
+            </a:schemeClr>
+          </a:lnRef>
+          <a:fillRef idx="1">
+            <a:schemeClr val="accent1"/>
+          </a:fillRef>
+          <a:effectRef idx="0">
+            <a:schemeClr val="accent1"/>
+          </a:effectRef>
+          <a:fontRef idx="minor">
+            <a:schemeClr val="lt1"/>
+          </a:fontRef>
+        </p:style>
+        <p:txBody>
+          <a:bodyPr rtlCol="0" anchor="t"/>
+          <a:lstStyle/>
+          <a:p>
+            <a:pPr algn="ctr"/>
+            <a:r>
+              <a:rPr lang="en-TW" sz="1400" dirty="0">
+                <a:solidFill>
+                  <a:schemeClr val="tx1"/>
+                </a:solidFill>
+                <a:latin typeface=""/>
+              </a:rPr>
+              <a:t>Server</a:t>
+            </a:r>
+          </a:p>
+        </p:txBody>
+      </p:sp>
+    </p:spTree>
+    <p:extLst>
+      <p:ext uri="{BB962C8B-B14F-4D97-AF65-F5344CB8AC3E}">
+        <p14:creationId xmlns:p14="http://schemas.microsoft.com/office/powerpoint/2010/main" val="2782380282"/>
+      </p:ext>
+    </p:extLst>
+  </p:cSld>
+  <p:clrMapOvr>
+    <a:masterClrMapping/>
+  </p:clrMapOvr>
+</p:sld>
+</file>
+
+<file path=ppt/slides/slide3.xml><?xml version="1.0" encoding="utf-8"?>
+<p:sld xmlns:a="http://schemas.openxmlformats.org/drawingml/2006/main" xmlns:r="http://schemas.openxmlformats.org/officeDocument/2006/relationships" xmlns:p="http://schemas.openxmlformats.org/presentationml/2006/main">
+  <p:cSld>
+    <p:spTree>
+      <p:nvGrpSpPr>
+        <p:cNvPr id="1" name=""/>
+        <p:cNvGrpSpPr/>
+        <p:nvPr/>
+      </p:nvGrpSpPr>
+      <p:grpSpPr>
+        <a:xfrm>
+          <a:off x="0" y="0"/>
+          <a:ext cx="0" cy="0"/>
+          <a:chOff x="0" y="0"/>
+          <a:chExt cx="0" cy="0"/>
+        </a:xfrm>
+      </p:grpSpPr>
+      <p:sp>
+        <p:nvSpPr>
+          <p:cNvPr id="4" name="TextBox 3">
+            <a:extLst>
+              <a:ext uri="{FF2B5EF4-FFF2-40B4-BE49-F238E27FC236}">
+                <a16:creationId xmlns:a16="http://schemas.microsoft.com/office/drawing/2014/main" id="{CDBECCC6-C965-7B76-6D19-C4505511E74B}"/>
+              </a:ext>
+            </a:extLst>
+          </p:cNvPr>
+          <p:cNvSpPr txBox="1"/>
+          <p:nvPr/>
+        </p:nvSpPr>
+        <p:spPr>
+          <a:xfrm>
+            <a:off x="93560" y="2142086"/>
+            <a:ext cx="1779372" cy="307777"/>
+          </a:xfrm>
+          <a:prstGeom prst="rect">
+            <a:avLst/>
+          </a:prstGeom>
+          <a:noFill/>
+          <a:ln w="12700">
+            <a:solidFill>
+              <a:schemeClr val="tx1"/>
+            </a:solidFill>
+          </a:ln>
+        </p:spPr>
+        <p:txBody>
+          <a:bodyPr wrap="square" rtlCol="0">
+            <a:spAutoFit/>
+          </a:bodyPr>
+          <a:lstStyle/>
+          <a:p>
+            <a:pPr algn="ctr"/>
+            <a:r>
+              <a:rPr lang="en-TW" sz="1400" dirty="0">
+                <a:latin typeface=""/>
+              </a:rPr>
+              <a:t>CT/MRI scanner</a:t>
+            </a:r>
+          </a:p>
+        </p:txBody>
+      </p:sp>
+      <p:sp>
+        <p:nvSpPr>
+          <p:cNvPr id="5" name="TextBox 4">
+            <a:extLst>
+              <a:ext uri="{FF2B5EF4-FFF2-40B4-BE49-F238E27FC236}">
+                <a16:creationId xmlns:a16="http://schemas.microsoft.com/office/drawing/2014/main" id="{22B0C54B-E963-26F5-7191-5D64120B587D}"/>
+              </a:ext>
+            </a:extLst>
+          </p:cNvPr>
+          <p:cNvSpPr txBox="1"/>
+          <p:nvPr/>
+        </p:nvSpPr>
+        <p:spPr>
+          <a:xfrm>
+            <a:off x="2442394" y="2138506"/>
+            <a:ext cx="1779372" cy="307777"/>
+          </a:xfrm>
+          <a:prstGeom prst="rect">
+            <a:avLst/>
+          </a:prstGeom>
+          <a:noFill/>
+          <a:ln w="12700">
+            <a:solidFill>
+              <a:schemeClr val="tx1"/>
+            </a:solidFill>
+          </a:ln>
+        </p:spPr>
+        <p:txBody>
+          <a:bodyPr wrap="square" rtlCol="0">
+            <a:spAutoFit/>
+          </a:bodyPr>
+          <a:lstStyle/>
+          <a:p>
+            <a:pPr algn="ctr"/>
+            <a:r>
+              <a:rPr lang="en-TW" sz="1400" dirty="0">
+                <a:latin typeface=""/>
+              </a:rPr>
+              <a:t>Raw Image Data</a:t>
+            </a:r>
+          </a:p>
+        </p:txBody>
+      </p:sp>
+      <p:sp>
+        <p:nvSpPr>
+          <p:cNvPr id="6" name="TextBox 5">
+            <a:extLst>
+              <a:ext uri="{FF2B5EF4-FFF2-40B4-BE49-F238E27FC236}">
+                <a16:creationId xmlns:a16="http://schemas.microsoft.com/office/drawing/2014/main" id="{3F2B59EE-406D-589E-47CB-119EDD8631E3}"/>
+              </a:ext>
+            </a:extLst>
+          </p:cNvPr>
+          <p:cNvSpPr txBox="1"/>
+          <p:nvPr/>
+        </p:nvSpPr>
+        <p:spPr>
+          <a:xfrm>
+            <a:off x="2442394" y="2579473"/>
+            <a:ext cx="1779372" cy="307777"/>
+          </a:xfrm>
+          <a:prstGeom prst="rect">
+            <a:avLst/>
+          </a:prstGeom>
+          <a:noFill/>
+          <a:ln w="12700">
+            <a:solidFill>
+              <a:schemeClr val="tx1"/>
+            </a:solidFill>
+          </a:ln>
+        </p:spPr>
+        <p:txBody>
+          <a:bodyPr wrap="square" rtlCol="0">
+            <a:spAutoFit/>
+          </a:bodyPr>
+          <a:lstStyle/>
+          <a:p>
+            <a:pPr algn="ctr"/>
+            <a:r>
+              <a:rPr lang="en-TW" sz="1400" dirty="0">
+                <a:latin typeface=""/>
+              </a:rPr>
+              <a:t>Metadata </a:t>
+            </a:r>
+          </a:p>
+        </p:txBody>
+      </p:sp>
+      <p:sp>
+        <p:nvSpPr>
+          <p:cNvPr id="8" name="Rectangle 7">
+            <a:extLst>
+              <a:ext uri="{FF2B5EF4-FFF2-40B4-BE49-F238E27FC236}">
+                <a16:creationId xmlns:a16="http://schemas.microsoft.com/office/drawing/2014/main" id="{F8C8D784-6170-41FB-8819-8C174615184C}"/>
+              </a:ext>
+            </a:extLst>
+          </p:cNvPr>
+          <p:cNvSpPr/>
+          <p:nvPr/>
+        </p:nvSpPr>
+        <p:spPr>
+          <a:xfrm>
+            <a:off x="2349756" y="1545281"/>
+            <a:ext cx="1964648" cy="1501389"/>
+          </a:xfrm>
+          <a:prstGeom prst="rect">
+            <a:avLst/>
+          </a:prstGeom>
+          <a:noFill/>
+          <a:ln>
+            <a:solidFill>
+              <a:schemeClr val="tx1"/>
+            </a:solidFill>
+          </a:ln>
+        </p:spPr>
+        <p:style>
+          <a:lnRef idx="2">
+            <a:schemeClr val="accent1">
+              <a:shade val="15000"/>
+            </a:schemeClr>
+          </a:lnRef>
+          <a:fillRef idx="1">
+            <a:schemeClr val="accent1"/>
+          </a:fillRef>
+          <a:effectRef idx="0">
+            <a:schemeClr val="accent1"/>
+          </a:effectRef>
+          <a:fontRef idx="minor">
+            <a:schemeClr val="lt1"/>
+          </a:fontRef>
+        </p:style>
+        <p:txBody>
+          <a:bodyPr rtlCol="0" anchor="t"/>
+          <a:lstStyle/>
+          <a:p>
+            <a:pPr algn="ctr"/>
+            <a:r>
+              <a:rPr lang="en-TW" sz="1400" dirty="0">
+                <a:solidFill>
+                  <a:schemeClr val="tx1"/>
+                </a:solidFill>
+                <a:latin typeface=""/>
+              </a:rPr>
+              <a:t>DICOM</a:t>
+            </a:r>
+          </a:p>
+        </p:txBody>
+      </p:sp>
+      <p:sp>
+        <p:nvSpPr>
+          <p:cNvPr id="9" name="TextBox 8">
+            <a:extLst>
+              <a:ext uri="{FF2B5EF4-FFF2-40B4-BE49-F238E27FC236}">
+                <a16:creationId xmlns:a16="http://schemas.microsoft.com/office/drawing/2014/main" id="{8F33E749-F029-5063-322D-BF277E876CF6}"/>
+              </a:ext>
+            </a:extLst>
+          </p:cNvPr>
+          <p:cNvSpPr txBox="1"/>
+          <p:nvPr/>
+        </p:nvSpPr>
+        <p:spPr>
+          <a:xfrm>
+            <a:off x="4942703" y="3058851"/>
+            <a:ext cx="1779372" cy="307777"/>
+          </a:xfrm>
+          <a:prstGeom prst="rect">
+            <a:avLst/>
+          </a:prstGeom>
+          <a:noFill/>
+          <a:ln w="12700">
+            <a:solidFill>
+              <a:schemeClr val="tx1"/>
+            </a:solidFill>
+          </a:ln>
+        </p:spPr>
+        <p:txBody>
+          <a:bodyPr wrap="square" rtlCol="0">
+            <a:spAutoFit/>
+          </a:bodyPr>
+          <a:lstStyle/>
+          <a:p>
+            <a:pPr algn="ctr"/>
+            <a:r>
+              <a:rPr lang="en-TW" sz="1400" dirty="0">
+                <a:latin typeface=""/>
+              </a:rPr>
+              <a:t>Anonymization </a:t>
+            </a:r>
+          </a:p>
+        </p:txBody>
+      </p:sp>
+      <p:sp>
+        <p:nvSpPr>
+          <p:cNvPr id="10" name="Rectangle 9">
+            <a:extLst>
+              <a:ext uri="{FF2B5EF4-FFF2-40B4-BE49-F238E27FC236}">
+                <a16:creationId xmlns:a16="http://schemas.microsoft.com/office/drawing/2014/main" id="{1E70EC7E-FFC5-E0D0-E4C3-6454200F0287}"/>
+              </a:ext>
+            </a:extLst>
+          </p:cNvPr>
+          <p:cNvSpPr/>
+          <p:nvPr/>
+        </p:nvSpPr>
+        <p:spPr>
+          <a:xfrm>
+            <a:off x="4807974" y="1545282"/>
+            <a:ext cx="4378244" cy="1228122"/>
+          </a:xfrm>
+          <a:prstGeom prst="rect">
+            <a:avLst/>
+          </a:prstGeom>
+          <a:solidFill>
+            <a:schemeClr val="accent2">
+              <a:lumMod val="20000"/>
+              <a:lumOff val="80000"/>
+            </a:schemeClr>
+          </a:solidFill>
+          <a:ln>
+            <a:solidFill>
+              <a:schemeClr val="tx1"/>
+            </a:solidFill>
+          </a:ln>
+        </p:spPr>
+        <p:style>
+          <a:lnRef idx="2">
+            <a:schemeClr val="accent1">
+              <a:shade val="15000"/>
+            </a:schemeClr>
+          </a:lnRef>
+          <a:fillRef idx="1">
+            <a:schemeClr val="accent1"/>
+          </a:fillRef>
+          <a:effectRef idx="0">
+            <a:schemeClr val="accent1"/>
+          </a:effectRef>
+          <a:fontRef idx="minor">
+            <a:schemeClr val="lt1"/>
+          </a:fontRef>
+        </p:style>
+        <p:txBody>
+          <a:bodyPr rtlCol="0" anchor="t"/>
+          <a:lstStyle/>
+          <a:p>
+            <a:pPr algn="ctr"/>
+            <a:r>
+              <a:rPr lang="en-TW" sz="1400" i="1" dirty="0">
+                <a:solidFill>
+                  <a:schemeClr val="tx1"/>
+                </a:solidFill>
+                <a:latin typeface=""/>
+              </a:rPr>
+              <a:t>Synapse</a:t>
+            </a:r>
+          </a:p>
+        </p:txBody>
+      </p:sp>
+      <p:sp>
+        <p:nvSpPr>
+          <p:cNvPr id="11" name="TextBox 10">
+            <a:extLst>
+              <a:ext uri="{FF2B5EF4-FFF2-40B4-BE49-F238E27FC236}">
+                <a16:creationId xmlns:a16="http://schemas.microsoft.com/office/drawing/2014/main" id="{4F5F162F-6A6F-9394-5F2A-F2ADC65DECD4}"/>
+              </a:ext>
+            </a:extLst>
+          </p:cNvPr>
+          <p:cNvSpPr txBox="1"/>
+          <p:nvPr/>
+        </p:nvSpPr>
+        <p:spPr>
+          <a:xfrm>
+            <a:off x="4942703" y="2138506"/>
+            <a:ext cx="1779372" cy="307777"/>
+          </a:xfrm>
+          <a:prstGeom prst="rect">
+            <a:avLst/>
+          </a:prstGeom>
+          <a:noFill/>
+          <a:ln w="12700">
+            <a:solidFill>
+              <a:schemeClr val="tx1"/>
+            </a:solidFill>
+          </a:ln>
+        </p:spPr>
+        <p:txBody>
+          <a:bodyPr wrap="square" rtlCol="0">
+            <a:spAutoFit/>
+          </a:bodyPr>
+          <a:lstStyle/>
+          <a:p>
+            <a:pPr algn="ctr"/>
+            <a:r>
+              <a:rPr lang="en-TW" sz="1400" dirty="0">
+                <a:latin typeface=""/>
+              </a:rPr>
+              <a:t>Segmentation</a:t>
+            </a:r>
+          </a:p>
+        </p:txBody>
+      </p:sp>
+      <p:sp>
+        <p:nvSpPr>
+          <p:cNvPr id="12" name="TextBox 11">
+            <a:extLst>
+              <a:ext uri="{FF2B5EF4-FFF2-40B4-BE49-F238E27FC236}">
+                <a16:creationId xmlns:a16="http://schemas.microsoft.com/office/drawing/2014/main" id="{0C7BEC52-B843-1E97-4E82-0F1B309AE8B7}"/>
+              </a:ext>
+            </a:extLst>
+          </p:cNvPr>
+          <p:cNvSpPr txBox="1"/>
+          <p:nvPr/>
+        </p:nvSpPr>
+        <p:spPr>
+          <a:xfrm>
+            <a:off x="7005417" y="2134495"/>
+            <a:ext cx="2063578" cy="307777"/>
+          </a:xfrm>
+          <a:prstGeom prst="rect">
+            <a:avLst/>
+          </a:prstGeom>
+          <a:noFill/>
+          <a:ln w="12700">
+            <a:solidFill>
+              <a:schemeClr val="tx1"/>
+            </a:solidFill>
+          </a:ln>
+        </p:spPr>
+        <p:txBody>
+          <a:bodyPr wrap="square" rtlCol="0">
+            <a:spAutoFit/>
+          </a:bodyPr>
+          <a:lstStyle/>
+          <a:p>
+            <a:pPr algn="ctr"/>
+            <a:r>
+              <a:rPr lang="en-TW" sz="1400" dirty="0">
+                <a:latin typeface=""/>
+              </a:rPr>
+              <a:t>3D Model Conversion</a:t>
+            </a:r>
+          </a:p>
+        </p:txBody>
+      </p:sp>
+      <p:sp>
+        <p:nvSpPr>
+          <p:cNvPr id="13" name="TextBox 12">
+            <a:extLst>
+              <a:ext uri="{FF2B5EF4-FFF2-40B4-BE49-F238E27FC236}">
+                <a16:creationId xmlns:a16="http://schemas.microsoft.com/office/drawing/2014/main" id="{C479F18D-3467-78EA-6C8E-3A37A8FD7015}"/>
+              </a:ext>
+            </a:extLst>
+          </p:cNvPr>
+          <p:cNvSpPr txBox="1"/>
+          <p:nvPr/>
+        </p:nvSpPr>
+        <p:spPr>
+          <a:xfrm>
+            <a:off x="9821027" y="2140926"/>
+            <a:ext cx="2063578" cy="307777"/>
+          </a:xfrm>
+          <a:prstGeom prst="rect">
+            <a:avLst/>
+          </a:prstGeom>
+          <a:noFill/>
+          <a:ln w="12700">
+            <a:solidFill>
+              <a:schemeClr val="tx1"/>
+            </a:solidFill>
+          </a:ln>
+        </p:spPr>
+        <p:txBody>
+          <a:bodyPr wrap="square" rtlCol="0">
+            <a:spAutoFit/>
+          </a:bodyPr>
+          <a:lstStyle/>
+          <a:p>
+            <a:pPr algn="ctr"/>
+            <a:r>
+              <a:rPr lang="en-TW" sz="1400" dirty="0">
+                <a:latin typeface=""/>
+              </a:rPr>
+              <a:t>Mesh optimization</a:t>
+            </a:r>
+          </a:p>
+        </p:txBody>
+      </p:sp>
+      <p:sp>
+        <p:nvSpPr>
+          <p:cNvPr id="14" name="Rectangle 13">
+            <a:extLst>
+              <a:ext uri="{FF2B5EF4-FFF2-40B4-BE49-F238E27FC236}">
+                <a16:creationId xmlns:a16="http://schemas.microsoft.com/office/drawing/2014/main" id="{B3AF0AC9-25E9-9C40-610A-9B75B72E2F4C}"/>
+              </a:ext>
+            </a:extLst>
+          </p:cNvPr>
+          <p:cNvSpPr/>
+          <p:nvPr/>
+        </p:nvSpPr>
+        <p:spPr>
+          <a:xfrm>
+            <a:off x="9679788" y="1545282"/>
+            <a:ext cx="2353962" cy="1228122"/>
+          </a:xfrm>
+          <a:prstGeom prst="rect">
+            <a:avLst/>
+          </a:prstGeom>
+          <a:solidFill>
+            <a:schemeClr val="accent2">
+              <a:lumMod val="20000"/>
+              <a:lumOff val="80000"/>
+            </a:schemeClr>
+          </a:solidFill>
+          <a:ln>
+            <a:solidFill>
+              <a:schemeClr val="tx1"/>
+            </a:solidFill>
+          </a:ln>
+        </p:spPr>
+        <p:style>
+          <a:lnRef idx="2">
+            <a:schemeClr val="accent1">
+              <a:shade val="15000"/>
+            </a:schemeClr>
+          </a:lnRef>
+          <a:fillRef idx="1">
+            <a:schemeClr val="accent1"/>
+          </a:fillRef>
+          <a:effectRef idx="0">
+            <a:schemeClr val="accent1"/>
+          </a:effectRef>
+          <a:fontRef idx="minor">
+            <a:schemeClr val="lt1"/>
+          </a:fontRef>
+        </p:style>
+        <p:txBody>
+          <a:bodyPr rtlCol="0" anchor="t"/>
+          <a:lstStyle/>
+          <a:p>
+            <a:pPr algn="ctr"/>
+            <a:r>
+              <a:rPr lang="en-TW" sz="1400" i="1" dirty="0">
+                <a:solidFill>
+                  <a:schemeClr val="tx1"/>
+                </a:solidFill>
+                <a:latin typeface=""/>
+              </a:rPr>
+              <a:t>Meshlab</a:t>
+            </a:r>
+          </a:p>
+        </p:txBody>
+      </p:sp>
+      <p:sp>
+        <p:nvSpPr>
+          <p:cNvPr id="15" name="Rectangle 14">
+            <a:extLst>
+              <a:ext uri="{FF2B5EF4-FFF2-40B4-BE49-F238E27FC236}">
+                <a16:creationId xmlns:a16="http://schemas.microsoft.com/office/drawing/2014/main" id="{D981240A-52C6-84CA-DCE1-B94D8362BE81}"/>
+              </a:ext>
+            </a:extLst>
+          </p:cNvPr>
+          <p:cNvSpPr/>
+          <p:nvPr/>
+        </p:nvSpPr>
+        <p:spPr>
+          <a:xfrm>
+            <a:off x="4942703" y="3979553"/>
+            <a:ext cx="4378244" cy="2023534"/>
+          </a:xfrm>
+          <a:prstGeom prst="rect">
+            <a:avLst/>
+          </a:prstGeom>
+          <a:solidFill>
+            <a:schemeClr val="accent5">
+              <a:lumMod val="20000"/>
+              <a:lumOff val="80000"/>
+            </a:schemeClr>
+          </a:solidFill>
+          <a:ln>
+            <a:solidFill>
+              <a:schemeClr val="tx1"/>
+            </a:solidFill>
+          </a:ln>
+        </p:spPr>
+        <p:style>
+          <a:lnRef idx="2">
+            <a:schemeClr val="accent1">
+              <a:shade val="15000"/>
+            </a:schemeClr>
+          </a:lnRef>
+          <a:fillRef idx="1">
+            <a:schemeClr val="accent1"/>
+          </a:fillRef>
+          <a:effectRef idx="0">
+            <a:schemeClr val="accent1"/>
+          </a:effectRef>
+          <a:fontRef idx="minor">
+            <a:schemeClr val="lt1"/>
+          </a:fontRef>
+        </p:style>
+        <p:txBody>
+          <a:bodyPr rtlCol="0" anchor="t"/>
+          <a:lstStyle/>
+          <a:p>
+            <a:pPr algn="ctr"/>
+            <a:r>
+              <a:rPr lang="en-TW" sz="1400" dirty="0">
+                <a:solidFill>
+                  <a:schemeClr val="tx1"/>
+                </a:solidFill>
+                <a:latin typeface=""/>
+              </a:rPr>
+              <a:t>VR Surgery Planning System</a:t>
+            </a:r>
+          </a:p>
+        </p:txBody>
+      </p:sp>
+      <p:sp>
+        <p:nvSpPr>
+          <p:cNvPr id="16" name="TextBox 15">
+            <a:extLst>
+              <a:ext uri="{FF2B5EF4-FFF2-40B4-BE49-F238E27FC236}">
+                <a16:creationId xmlns:a16="http://schemas.microsoft.com/office/drawing/2014/main" id="{557A3F7C-8489-4B4E-E304-468D1D11B405}"/>
+              </a:ext>
+            </a:extLst>
+          </p:cNvPr>
+          <p:cNvSpPr txBox="1"/>
+          <p:nvPr/>
+        </p:nvSpPr>
+        <p:spPr>
+          <a:xfrm>
+            <a:off x="6096000" y="4575697"/>
+            <a:ext cx="2063578" cy="307777"/>
+          </a:xfrm>
+          <a:prstGeom prst="rect">
+            <a:avLst/>
+          </a:prstGeom>
+          <a:noFill/>
+          <a:ln w="12700">
+            <a:solidFill>
+              <a:schemeClr val="tx1"/>
+            </a:solidFill>
+          </a:ln>
+        </p:spPr>
+        <p:txBody>
+          <a:bodyPr wrap="square" rtlCol="0">
+            <a:spAutoFit/>
+          </a:bodyPr>
+          <a:lstStyle/>
+          <a:p>
+            <a:pPr algn="ctr"/>
+            <a:r>
+              <a:rPr lang="en-TW" sz="1400" dirty="0">
+                <a:latin typeface=""/>
+              </a:rPr>
+              <a:t>3D Rendering</a:t>
+            </a:r>
+          </a:p>
+        </p:txBody>
+      </p:sp>
+      <p:sp>
+        <p:nvSpPr>
+          <p:cNvPr id="17" name="TextBox 16">
+            <a:extLst>
+              <a:ext uri="{FF2B5EF4-FFF2-40B4-BE49-F238E27FC236}">
+                <a16:creationId xmlns:a16="http://schemas.microsoft.com/office/drawing/2014/main" id="{2EEF4AAE-922D-B932-610D-C51C49E7AD8B}"/>
+              </a:ext>
+            </a:extLst>
+          </p:cNvPr>
+          <p:cNvSpPr txBox="1"/>
+          <p:nvPr/>
+        </p:nvSpPr>
+        <p:spPr>
+          <a:xfrm>
+            <a:off x="6096000" y="5497613"/>
+            <a:ext cx="2063578" cy="307777"/>
+          </a:xfrm>
+          <a:prstGeom prst="rect">
+            <a:avLst/>
+          </a:prstGeom>
+          <a:noFill/>
+          <a:ln w="12700">
+            <a:solidFill>
+              <a:schemeClr val="tx1"/>
+            </a:solidFill>
+          </a:ln>
+        </p:spPr>
+        <p:txBody>
+          <a:bodyPr wrap="square" rtlCol="0">
+            <a:spAutoFit/>
+          </a:bodyPr>
+          <a:lstStyle/>
+          <a:p>
+            <a:pPr algn="ctr"/>
+            <a:r>
+              <a:rPr lang="en-TW" sz="1400" dirty="0">
+                <a:latin typeface=""/>
+              </a:rPr>
+              <a:t>RTC Streaming</a:t>
+            </a:r>
+          </a:p>
+        </p:txBody>
+      </p:sp>
+      <p:sp>
+        <p:nvSpPr>
+          <p:cNvPr id="19" name="TextBox 18">
+            <a:extLst>
+              <a:ext uri="{FF2B5EF4-FFF2-40B4-BE49-F238E27FC236}">
+                <a16:creationId xmlns:a16="http://schemas.microsoft.com/office/drawing/2014/main" id="{74289A2B-E9E0-2526-5D2E-856947AFE085}"/>
+              </a:ext>
+            </a:extLst>
+          </p:cNvPr>
+          <p:cNvSpPr txBox="1"/>
+          <p:nvPr/>
+        </p:nvSpPr>
+        <p:spPr>
+          <a:xfrm>
+            <a:off x="705572" y="4242106"/>
+            <a:ext cx="3417339" cy="523220"/>
+          </a:xfrm>
+          <a:prstGeom prst="rect">
+            <a:avLst/>
+          </a:prstGeom>
+          <a:solidFill>
+            <a:schemeClr val="accent3">
+              <a:lumMod val="20000"/>
+              <a:lumOff val="80000"/>
+            </a:schemeClr>
+          </a:solidFill>
+          <a:ln w="12700">
+            <a:solidFill>
+              <a:schemeClr val="tx1"/>
+            </a:solidFill>
+          </a:ln>
+        </p:spPr>
+        <p:txBody>
+          <a:bodyPr wrap="square" rtlCol="0">
+            <a:spAutoFit/>
+          </a:bodyPr>
+          <a:lstStyle/>
+          <a:p>
+            <a:pPr algn="ctr"/>
+            <a:r>
+              <a:rPr lang="en-TW" sz="1400" dirty="0">
+                <a:latin typeface=""/>
+              </a:rPr>
+              <a:t>XR device</a:t>
+            </a:r>
+          </a:p>
+          <a:p>
+            <a:pPr marL="285750" indent="-285750" algn="ctr">
+              <a:buFont typeface="Arial" panose="020B0604020202020204" pitchFamily="34" charset="0"/>
+              <a:buChar char="•"/>
+            </a:pPr>
+            <a:r>
+              <a:rPr lang="en-TW" sz="1400" dirty="0">
+                <a:latin typeface=""/>
+              </a:rPr>
+              <a:t>XR HMD, controller, gesture</a:t>
+            </a:r>
+          </a:p>
+        </p:txBody>
+      </p:sp>
+      <p:sp>
+        <p:nvSpPr>
+          <p:cNvPr id="20" name="TextBox 19">
+            <a:extLst>
+              <a:ext uri="{FF2B5EF4-FFF2-40B4-BE49-F238E27FC236}">
+                <a16:creationId xmlns:a16="http://schemas.microsoft.com/office/drawing/2014/main" id="{3A5E165E-9B90-2218-5DDE-3ED79DD36385}"/>
+              </a:ext>
+            </a:extLst>
+          </p:cNvPr>
+          <p:cNvSpPr txBox="1"/>
+          <p:nvPr/>
+        </p:nvSpPr>
+        <p:spPr>
+          <a:xfrm>
+            <a:off x="9730696" y="3974305"/>
+            <a:ext cx="2353961" cy="954107"/>
+          </a:xfrm>
+          <a:prstGeom prst="rect">
+            <a:avLst/>
+          </a:prstGeom>
+          <a:solidFill>
+            <a:schemeClr val="accent6">
+              <a:lumMod val="20000"/>
+              <a:lumOff val="80000"/>
+            </a:schemeClr>
+          </a:solidFill>
+          <a:ln w="12700">
+            <a:solidFill>
+              <a:schemeClr val="tx1"/>
+            </a:solidFill>
+          </a:ln>
+        </p:spPr>
+        <p:txBody>
+          <a:bodyPr wrap="square" rtlCol="0">
+            <a:spAutoFit/>
+          </a:bodyPr>
+          <a:lstStyle/>
+          <a:p>
+            <a:pPr algn="ctr"/>
+            <a:r>
+              <a:rPr lang="en-US" sz="1400" dirty="0">
+                <a:latin typeface=""/>
+              </a:rPr>
+              <a:t>Synchronous</a:t>
+            </a:r>
+            <a:r>
+              <a:rPr lang="zh-TW" altLang="en-US" sz="1400" dirty="0">
+                <a:latin typeface=""/>
+              </a:rPr>
+              <a:t> </a:t>
+            </a:r>
+            <a:r>
+              <a:rPr lang="en-US" sz="1400" dirty="0">
+                <a:latin typeface=""/>
+              </a:rPr>
+              <a:t>output</a:t>
+            </a:r>
+          </a:p>
+          <a:p>
+            <a:pPr marL="285750" indent="-285750" algn="ctr">
+              <a:buFont typeface="Arial" panose="020B0604020202020204" pitchFamily="34" charset="0"/>
+              <a:buChar char="•"/>
+            </a:pPr>
+            <a:r>
+              <a:rPr lang="en-US" sz="1400" dirty="0">
+                <a:latin typeface=""/>
+              </a:rPr>
+              <a:t>Single user</a:t>
+            </a:r>
+          </a:p>
+          <a:p>
+            <a:pPr marL="285750" indent="-285750" algn="ctr">
+              <a:buFont typeface="Arial" panose="020B0604020202020204" pitchFamily="34" charset="0"/>
+              <a:buChar char="•"/>
+            </a:pPr>
+            <a:r>
+              <a:rPr lang="en-US" sz="1400" dirty="0">
+                <a:latin typeface=""/>
+              </a:rPr>
+              <a:t>Streaming/</a:t>
+            </a:r>
+            <a:br>
+              <a:rPr lang="en-US" sz="1400" dirty="0">
+                <a:latin typeface=""/>
+              </a:rPr>
+            </a:br>
+            <a:r>
+              <a:rPr lang="en-US" sz="1400" dirty="0">
+                <a:latin typeface=""/>
+              </a:rPr>
+              <a:t>collaboration</a:t>
+            </a:r>
+          </a:p>
+        </p:txBody>
+      </p:sp>
+      <p:sp>
+        <p:nvSpPr>
+          <p:cNvPr id="22" name="TextBox 21">
+            <a:extLst>
+              <a:ext uri="{FF2B5EF4-FFF2-40B4-BE49-F238E27FC236}">
+                <a16:creationId xmlns:a16="http://schemas.microsoft.com/office/drawing/2014/main" id="{2E011EE9-07EE-C06D-4A5F-7959180495E2}"/>
+              </a:ext>
+            </a:extLst>
+          </p:cNvPr>
+          <p:cNvSpPr txBox="1"/>
+          <p:nvPr/>
+        </p:nvSpPr>
+        <p:spPr>
+          <a:xfrm>
+            <a:off x="9730696" y="5264423"/>
+            <a:ext cx="2353960" cy="738664"/>
+          </a:xfrm>
+          <a:prstGeom prst="rect">
+            <a:avLst/>
+          </a:prstGeom>
+          <a:solidFill>
+            <a:schemeClr val="accent6">
+              <a:lumMod val="20000"/>
+              <a:lumOff val="80000"/>
+            </a:schemeClr>
+          </a:solidFill>
+          <a:ln w="12700">
+            <a:solidFill>
+              <a:schemeClr val="tx1"/>
+            </a:solidFill>
+          </a:ln>
+        </p:spPr>
+        <p:txBody>
+          <a:bodyPr wrap="square" rtlCol="0">
+            <a:spAutoFit/>
+          </a:bodyPr>
+          <a:lstStyle/>
+          <a:p>
+            <a:pPr algn="ctr"/>
+            <a:r>
+              <a:rPr lang="en-TW" sz="1400" dirty="0">
+                <a:latin typeface=""/>
+              </a:rPr>
+              <a:t>Asynchornous output</a:t>
+            </a:r>
+          </a:p>
+          <a:p>
+            <a:pPr marL="285750" indent="-285750" algn="ctr">
+              <a:buFont typeface="Arial" panose="020B0604020202020204" pitchFamily="34" charset="0"/>
+              <a:buChar char="•"/>
+            </a:pPr>
+            <a:r>
+              <a:rPr lang="en-TW" sz="1400" dirty="0">
+                <a:latin typeface=""/>
+              </a:rPr>
+              <a:t>Video</a:t>
+            </a:r>
+          </a:p>
+          <a:p>
+            <a:pPr marL="285750" indent="-285750" algn="ctr">
+              <a:buFont typeface="Arial" panose="020B0604020202020204" pitchFamily="34" charset="0"/>
+              <a:buChar char="•"/>
+            </a:pPr>
+            <a:r>
+              <a:rPr lang="en-TW" sz="1400" dirty="0">
+                <a:latin typeface=""/>
+              </a:rPr>
+              <a:t>Documentation</a:t>
+            </a:r>
+          </a:p>
+        </p:txBody>
+      </p:sp>
+      <p:cxnSp>
+        <p:nvCxnSpPr>
+          <p:cNvPr id="24" name="Straight Arrow Connector 23">
+            <a:extLst>
+              <a:ext uri="{FF2B5EF4-FFF2-40B4-BE49-F238E27FC236}">
+                <a16:creationId xmlns:a16="http://schemas.microsoft.com/office/drawing/2014/main" id="{676136C1-CA26-22B5-54AA-D56E9B27AF7A}"/>
+              </a:ext>
+            </a:extLst>
+          </p:cNvPr>
+          <p:cNvCxnSpPr>
+            <a:cxnSpLocks/>
+            <a:stCxn id="4" idx="3"/>
+            <a:endCxn id="8" idx="1"/>
+          </p:cNvCxnSpPr>
+          <p:nvPr/>
+        </p:nvCxnSpPr>
+        <p:spPr>
+          <a:xfrm>
+            <a:off x="1872932" y="2295975"/>
+            <a:ext cx="476824" cy="1"/>
+          </a:xfrm>
+          <a:prstGeom prst="straightConnector1">
+            <a:avLst/>
+          </a:prstGeom>
+          <a:ln w="12700">
+            <a:tailEnd type="triangle"/>
+          </a:ln>
+        </p:spPr>
+        <p:style>
+          <a:lnRef idx="1">
+            <a:schemeClr val="dk1"/>
+          </a:lnRef>
+          <a:fillRef idx="0">
+            <a:schemeClr val="dk1"/>
+          </a:fillRef>
+          <a:effectRef idx="0">
+            <a:schemeClr val="dk1"/>
+          </a:effectRef>
+          <a:fontRef idx="minor">
+            <a:schemeClr val="tx1"/>
+          </a:fontRef>
+        </p:style>
+      </p:cxnSp>
+      <p:cxnSp>
+        <p:nvCxnSpPr>
+          <p:cNvPr id="25" name="Straight Arrow Connector 24">
+            <a:extLst>
+              <a:ext uri="{FF2B5EF4-FFF2-40B4-BE49-F238E27FC236}">
+                <a16:creationId xmlns:a16="http://schemas.microsoft.com/office/drawing/2014/main" id="{71F43011-CFD2-AAAF-BD62-8753036D4299}"/>
+              </a:ext>
+            </a:extLst>
+          </p:cNvPr>
+          <p:cNvCxnSpPr>
+            <a:cxnSpLocks/>
+            <a:stCxn id="5" idx="3"/>
+            <a:endCxn id="11" idx="1"/>
+          </p:cNvCxnSpPr>
+          <p:nvPr/>
+        </p:nvCxnSpPr>
+        <p:spPr>
+          <a:xfrm>
+            <a:off x="4221766" y="2292395"/>
+            <a:ext cx="720937" cy="0"/>
+          </a:xfrm>
+          <a:prstGeom prst="straightConnector1">
+            <a:avLst/>
+          </a:prstGeom>
+          <a:ln w="12700">
+            <a:tailEnd type="triangle"/>
+          </a:ln>
+        </p:spPr>
+        <p:style>
+          <a:lnRef idx="1">
+            <a:schemeClr val="dk1"/>
+          </a:lnRef>
+          <a:fillRef idx="0">
+            <a:schemeClr val="dk1"/>
+          </a:fillRef>
+          <a:effectRef idx="0">
+            <a:schemeClr val="dk1"/>
+          </a:effectRef>
+          <a:fontRef idx="minor">
+            <a:schemeClr val="tx1"/>
+          </a:fontRef>
+        </p:style>
+      </p:cxnSp>
+      <p:cxnSp>
+        <p:nvCxnSpPr>
+          <p:cNvPr id="28" name="Straight Arrow Connector 27">
+            <a:extLst>
+              <a:ext uri="{FF2B5EF4-FFF2-40B4-BE49-F238E27FC236}">
+                <a16:creationId xmlns:a16="http://schemas.microsoft.com/office/drawing/2014/main" id="{59B98019-CFB4-291E-1F16-73EA556FFC77}"/>
+              </a:ext>
+            </a:extLst>
+          </p:cNvPr>
+          <p:cNvCxnSpPr>
+            <a:cxnSpLocks/>
+            <a:stCxn id="11" idx="3"/>
+            <a:endCxn id="12" idx="1"/>
+          </p:cNvCxnSpPr>
+          <p:nvPr/>
+        </p:nvCxnSpPr>
+        <p:spPr>
+          <a:xfrm flipV="1">
+            <a:off x="6722075" y="2288384"/>
+            <a:ext cx="283342" cy="4011"/>
+          </a:xfrm>
+          <a:prstGeom prst="straightConnector1">
+            <a:avLst/>
+          </a:prstGeom>
+          <a:ln w="12700">
+            <a:tailEnd type="triangle"/>
+          </a:ln>
+        </p:spPr>
+        <p:style>
+          <a:lnRef idx="1">
+            <a:schemeClr val="dk1"/>
+          </a:lnRef>
+          <a:fillRef idx="0">
+            <a:schemeClr val="dk1"/>
+          </a:fillRef>
+          <a:effectRef idx="0">
+            <a:schemeClr val="dk1"/>
+          </a:effectRef>
+          <a:fontRef idx="minor">
+            <a:schemeClr val="tx1"/>
+          </a:fontRef>
+        </p:style>
+      </p:cxnSp>
+      <p:cxnSp>
+        <p:nvCxnSpPr>
+          <p:cNvPr id="31" name="Straight Arrow Connector 30">
+            <a:extLst>
+              <a:ext uri="{FF2B5EF4-FFF2-40B4-BE49-F238E27FC236}">
+                <a16:creationId xmlns:a16="http://schemas.microsoft.com/office/drawing/2014/main" id="{334BECCC-5963-1B29-5F4D-82CF869831D7}"/>
+              </a:ext>
+            </a:extLst>
+          </p:cNvPr>
+          <p:cNvCxnSpPr>
+            <a:cxnSpLocks/>
+            <a:stCxn id="12" idx="3"/>
+            <a:endCxn id="2" idx="1"/>
+          </p:cNvCxnSpPr>
+          <p:nvPr/>
+        </p:nvCxnSpPr>
+        <p:spPr>
+          <a:xfrm>
+            <a:off x="9068995" y="2288384"/>
+            <a:ext cx="894135" cy="6430"/>
+          </a:xfrm>
+          <a:prstGeom prst="straightConnector1">
+            <a:avLst/>
+          </a:prstGeom>
+          <a:ln w="12700">
+            <a:tailEnd type="triangle"/>
+          </a:ln>
+        </p:spPr>
+        <p:style>
+          <a:lnRef idx="1">
+            <a:schemeClr val="dk1"/>
+          </a:lnRef>
+          <a:fillRef idx="0">
+            <a:schemeClr val="dk1"/>
+          </a:fillRef>
+          <a:effectRef idx="0">
+            <a:schemeClr val="dk1"/>
+          </a:effectRef>
+          <a:fontRef idx="minor">
+            <a:schemeClr val="tx1"/>
+          </a:fontRef>
+        </p:style>
+      </p:cxnSp>
+      <p:cxnSp>
+        <p:nvCxnSpPr>
+          <p:cNvPr id="42" name="Elbow Connector 41">
+            <a:extLst>
+              <a:ext uri="{FF2B5EF4-FFF2-40B4-BE49-F238E27FC236}">
+                <a16:creationId xmlns:a16="http://schemas.microsoft.com/office/drawing/2014/main" id="{E7430D5A-48F8-966B-B9CB-BD545FC104D7}"/>
+              </a:ext>
+            </a:extLst>
+          </p:cNvPr>
+          <p:cNvCxnSpPr>
+            <a:cxnSpLocks/>
+            <a:stCxn id="9" idx="3"/>
+            <a:endCxn id="15" idx="0"/>
+          </p:cNvCxnSpPr>
+          <p:nvPr/>
+        </p:nvCxnSpPr>
+        <p:spPr>
+          <a:xfrm>
+            <a:off x="6722075" y="3212740"/>
+            <a:ext cx="409750" cy="766813"/>
+          </a:xfrm>
+          <a:prstGeom prst="bentConnector2">
+            <a:avLst/>
+          </a:prstGeom>
+          <a:ln w="12700">
+            <a:solidFill>
+              <a:schemeClr val="tx1"/>
+            </a:solidFill>
+            <a:tailEnd type="triangle"/>
+          </a:ln>
+        </p:spPr>
+        <p:style>
+          <a:lnRef idx="1">
+            <a:schemeClr val="accent1"/>
+          </a:lnRef>
+          <a:fillRef idx="0">
+            <a:schemeClr val="accent1"/>
+          </a:fillRef>
+          <a:effectRef idx="0">
+            <a:schemeClr val="accent1"/>
+          </a:effectRef>
+          <a:fontRef idx="minor">
+            <a:schemeClr val="tx1"/>
+          </a:fontRef>
+        </p:style>
+      </p:cxnSp>
+      <p:cxnSp>
+        <p:nvCxnSpPr>
+          <p:cNvPr id="43" name="Elbow Connector 42">
+            <a:extLst>
+              <a:ext uri="{FF2B5EF4-FFF2-40B4-BE49-F238E27FC236}">
+                <a16:creationId xmlns:a16="http://schemas.microsoft.com/office/drawing/2014/main" id="{937E11B0-7DF2-CB16-A705-CD6E8ABEFBC6}"/>
+              </a:ext>
+            </a:extLst>
+          </p:cNvPr>
+          <p:cNvCxnSpPr>
+            <a:cxnSpLocks/>
+            <a:stCxn id="2" idx="2"/>
+            <a:endCxn id="15" idx="0"/>
+          </p:cNvCxnSpPr>
+          <p:nvPr/>
+        </p:nvCxnSpPr>
+        <p:spPr>
+          <a:xfrm rot="5400000">
+            <a:off x="8226896" y="1353632"/>
+            <a:ext cx="1530851" cy="3720991"/>
+          </a:xfrm>
+          <a:prstGeom prst="bentConnector3">
+            <a:avLst>
+              <a:gd name="adj1" fmla="val 50000"/>
+            </a:avLst>
+          </a:prstGeom>
+          <a:ln w="12700">
+            <a:solidFill>
+              <a:schemeClr val="tx1"/>
+            </a:solidFill>
+            <a:tailEnd type="triangle"/>
+          </a:ln>
+        </p:spPr>
+        <p:style>
+          <a:lnRef idx="1">
+            <a:schemeClr val="accent1"/>
+          </a:lnRef>
+          <a:fillRef idx="0">
+            <a:schemeClr val="accent1"/>
+          </a:fillRef>
+          <a:effectRef idx="0">
+            <a:schemeClr val="accent1"/>
+          </a:effectRef>
+          <a:fontRef idx="minor">
+            <a:schemeClr val="tx1"/>
+          </a:fontRef>
+        </p:style>
+      </p:cxnSp>
+      <p:sp>
+        <p:nvSpPr>
+          <p:cNvPr id="65" name="TextBox 64">
+            <a:extLst>
+              <a:ext uri="{FF2B5EF4-FFF2-40B4-BE49-F238E27FC236}">
+                <a16:creationId xmlns:a16="http://schemas.microsoft.com/office/drawing/2014/main" id="{6066BAE4-8A2E-4DB5-1B1A-F5465287512C}"/>
+              </a:ext>
+            </a:extLst>
+          </p:cNvPr>
+          <p:cNvSpPr txBox="1"/>
+          <p:nvPr/>
+        </p:nvSpPr>
+        <p:spPr>
+          <a:xfrm>
+            <a:off x="9320947" y="106691"/>
+            <a:ext cx="2710678" cy="954107"/>
+          </a:xfrm>
+          <a:prstGeom prst="rect">
+            <a:avLst/>
+          </a:prstGeom>
+          <a:noFill/>
+        </p:spPr>
+        <p:txBody>
+          <a:bodyPr wrap="none" rtlCol="0">
+            <a:spAutoFit/>
+          </a:bodyPr>
+          <a:lstStyle/>
+          <a:p>
+            <a:r>
+              <a:rPr lang="en-TW" sz="1400" dirty="0">
+                <a:latin typeface=""/>
+              </a:rPr>
+              <a:t>Algorithm</a:t>
+            </a:r>
+          </a:p>
+          <a:p>
+            <a:r>
+              <a:rPr lang="en-TW" sz="1400" dirty="0">
+                <a:latin typeface=""/>
+              </a:rPr>
+              <a:t>- Triangle topology optimization </a:t>
+            </a:r>
+          </a:p>
+          <a:p>
+            <a:r>
+              <a:rPr lang="en-TW" sz="1400" dirty="0">
+                <a:latin typeface=""/>
+              </a:rPr>
+              <a:t>- Polygonal reduction</a:t>
+            </a:r>
+          </a:p>
+          <a:p>
+            <a:r>
+              <a:rPr lang="en-TW" sz="1400" dirty="0">
+                <a:latin typeface=""/>
+              </a:rPr>
+              <a:t>- Auto UV mapping</a:t>
+            </a:r>
+          </a:p>
+        </p:txBody>
+      </p:sp>
+      <p:sp>
+        <p:nvSpPr>
+          <p:cNvPr id="72" name="TextBox 71">
+            <a:extLst>
+              <a:ext uri="{FF2B5EF4-FFF2-40B4-BE49-F238E27FC236}">
+                <a16:creationId xmlns:a16="http://schemas.microsoft.com/office/drawing/2014/main" id="{35B11CB8-B2A0-CF5D-9D71-ED9B86156B95}"/>
+              </a:ext>
+            </a:extLst>
+          </p:cNvPr>
+          <p:cNvSpPr txBox="1"/>
+          <p:nvPr/>
+        </p:nvSpPr>
+        <p:spPr>
+          <a:xfrm>
+            <a:off x="6096000" y="5030090"/>
+            <a:ext cx="2063578" cy="307777"/>
+          </a:xfrm>
+          <a:prstGeom prst="rect">
+            <a:avLst/>
+          </a:prstGeom>
+          <a:noFill/>
+          <a:ln w="12700">
+            <a:solidFill>
+              <a:schemeClr val="tx1"/>
+            </a:solidFill>
+          </a:ln>
+        </p:spPr>
+        <p:txBody>
+          <a:bodyPr wrap="square" rtlCol="0">
+            <a:spAutoFit/>
+          </a:bodyPr>
+          <a:lstStyle/>
+          <a:p>
+            <a:pPr algn="ctr"/>
+            <a:r>
+              <a:rPr lang="en-TW" sz="1400" dirty="0">
+                <a:latin typeface=""/>
+              </a:rPr>
+              <a:t>2D Image Viewer</a:t>
+            </a:r>
+          </a:p>
+        </p:txBody>
+      </p:sp>
+      <p:sp>
+        <p:nvSpPr>
+          <p:cNvPr id="81" name="TextBox 80">
+            <a:extLst>
+              <a:ext uri="{FF2B5EF4-FFF2-40B4-BE49-F238E27FC236}">
+                <a16:creationId xmlns:a16="http://schemas.microsoft.com/office/drawing/2014/main" id="{8EA79821-2B1A-2BA8-DDEA-C3936E4EB7B7}"/>
+              </a:ext>
+            </a:extLst>
+          </p:cNvPr>
+          <p:cNvSpPr txBox="1"/>
+          <p:nvPr/>
+        </p:nvSpPr>
+        <p:spPr>
+          <a:xfrm>
+            <a:off x="705572" y="5217315"/>
+            <a:ext cx="3417339" cy="523220"/>
+          </a:xfrm>
+          <a:prstGeom prst="rect">
+            <a:avLst/>
+          </a:prstGeom>
+          <a:solidFill>
+            <a:schemeClr val="accent3">
+              <a:lumMod val="20000"/>
+              <a:lumOff val="80000"/>
+            </a:schemeClr>
+          </a:solidFill>
+          <a:ln w="12700">
+            <a:solidFill>
+              <a:schemeClr val="tx1"/>
+            </a:solidFill>
+          </a:ln>
+        </p:spPr>
+        <p:txBody>
+          <a:bodyPr wrap="square" rtlCol="0">
+            <a:spAutoFit/>
+          </a:bodyPr>
+          <a:lstStyle/>
+          <a:p>
+            <a:pPr algn="ctr"/>
+            <a:r>
+              <a:rPr lang="en-TW" sz="1400" dirty="0">
+                <a:latin typeface=""/>
+              </a:rPr>
+              <a:t>C</a:t>
+            </a:r>
+            <a:r>
+              <a:rPr lang="en-US" sz="1400" dirty="0">
+                <a:latin typeface=""/>
+              </a:rPr>
+              <a:t>o</a:t>
+            </a:r>
+            <a:r>
+              <a:rPr lang="en-TW" sz="1400" dirty="0">
+                <a:latin typeface=""/>
+              </a:rPr>
+              <a:t>nventional (PC) device</a:t>
+            </a:r>
+          </a:p>
+          <a:p>
+            <a:pPr marL="285750" indent="-285750" algn="ctr">
+              <a:buFont typeface="Arial" panose="020B0604020202020204" pitchFamily="34" charset="0"/>
+              <a:buChar char="•"/>
+            </a:pPr>
+            <a:r>
+              <a:rPr lang="en-TW" sz="1400" dirty="0">
+                <a:latin typeface=""/>
+              </a:rPr>
+              <a:t>Mouse, keyboard, touch screen</a:t>
+            </a:r>
+          </a:p>
+        </p:txBody>
+      </p:sp>
+      <p:sp>
+        <p:nvSpPr>
+          <p:cNvPr id="2" name="TextBox 1">
+            <a:extLst>
+              <a:ext uri="{FF2B5EF4-FFF2-40B4-BE49-F238E27FC236}">
+                <a16:creationId xmlns:a16="http://schemas.microsoft.com/office/drawing/2014/main" id="{6CA1308E-6050-4F1C-F60E-69DC459D12E7}"/>
+              </a:ext>
+            </a:extLst>
+          </p:cNvPr>
+          <p:cNvSpPr txBox="1"/>
+          <p:nvPr/>
+        </p:nvSpPr>
+        <p:spPr>
+          <a:xfrm>
+            <a:off x="9963130" y="2140925"/>
+            <a:ext cx="1779372" cy="307777"/>
+          </a:xfrm>
+          <a:prstGeom prst="rect">
+            <a:avLst/>
+          </a:prstGeom>
+          <a:noFill/>
+          <a:ln w="12700">
+            <a:solidFill>
+              <a:schemeClr val="tx1"/>
+            </a:solidFill>
+          </a:ln>
+        </p:spPr>
+        <p:txBody>
+          <a:bodyPr wrap="square" rtlCol="0">
+            <a:spAutoFit/>
+          </a:bodyPr>
+          <a:lstStyle/>
+          <a:p>
+            <a:pPr algn="ctr"/>
+            <a:r>
+              <a:rPr lang="en-TW" sz="1400" dirty="0">
+                <a:latin typeface=""/>
+              </a:rPr>
+              <a:t>Optimization </a:t>
+            </a:r>
+          </a:p>
+        </p:txBody>
+      </p:sp>
+      <p:cxnSp>
+        <p:nvCxnSpPr>
+          <p:cNvPr id="35" name="Elbow Connector 34">
+            <a:extLst>
+              <a:ext uri="{FF2B5EF4-FFF2-40B4-BE49-F238E27FC236}">
+                <a16:creationId xmlns:a16="http://schemas.microsoft.com/office/drawing/2014/main" id="{82A491F8-5669-1FF4-36D1-9D8EF9D2AFE8}"/>
+              </a:ext>
+            </a:extLst>
+          </p:cNvPr>
+          <p:cNvCxnSpPr>
+            <a:cxnSpLocks/>
+            <a:stCxn id="19" idx="3"/>
+            <a:endCxn id="15" idx="1"/>
+          </p:cNvCxnSpPr>
+          <p:nvPr/>
+        </p:nvCxnSpPr>
+        <p:spPr>
+          <a:xfrm>
+            <a:off x="4122911" y="4503716"/>
+            <a:ext cx="819792" cy="487604"/>
+          </a:xfrm>
+          <a:prstGeom prst="bentConnector3">
+            <a:avLst>
+              <a:gd name="adj1" fmla="val 50000"/>
+            </a:avLst>
+          </a:prstGeom>
+          <a:ln w="12700">
+            <a:solidFill>
+              <a:schemeClr val="tx1"/>
+            </a:solidFill>
+            <a:tailEnd type="triangle"/>
+          </a:ln>
+        </p:spPr>
+        <p:style>
+          <a:lnRef idx="1">
+            <a:schemeClr val="accent1"/>
+          </a:lnRef>
+          <a:fillRef idx="0">
+            <a:schemeClr val="accent1"/>
+          </a:fillRef>
+          <a:effectRef idx="0">
+            <a:schemeClr val="accent1"/>
+          </a:effectRef>
+          <a:fontRef idx="minor">
+            <a:schemeClr val="tx1"/>
+          </a:fontRef>
+        </p:style>
+      </p:cxnSp>
+      <p:cxnSp>
+        <p:nvCxnSpPr>
+          <p:cNvPr id="39" name="Elbow Connector 38">
+            <a:extLst>
+              <a:ext uri="{FF2B5EF4-FFF2-40B4-BE49-F238E27FC236}">
+                <a16:creationId xmlns:a16="http://schemas.microsoft.com/office/drawing/2014/main" id="{35C56CFC-B0F9-768E-DB9B-5B4D35457381}"/>
+              </a:ext>
+            </a:extLst>
+          </p:cNvPr>
+          <p:cNvCxnSpPr>
+            <a:cxnSpLocks/>
             <a:stCxn id="81" idx="3"/>
             <a:endCxn id="15" idx="1"/>
           </p:cNvCxnSpPr>
@@ -4941,10 +9228,51 @@
           </a:fontRef>
         </p:style>
       </p:cxnSp>
+      <p:sp>
+        <p:nvSpPr>
+          <p:cNvPr id="51" name="TextBox 50">
+            <a:extLst>
+              <a:ext uri="{FF2B5EF4-FFF2-40B4-BE49-F238E27FC236}">
+                <a16:creationId xmlns:a16="http://schemas.microsoft.com/office/drawing/2014/main" id="{5032CD62-35A2-522C-A191-AD4B5D805CC8}"/>
+              </a:ext>
+            </a:extLst>
+          </p:cNvPr>
+          <p:cNvSpPr txBox="1"/>
+          <p:nvPr/>
+        </p:nvSpPr>
+        <p:spPr>
+          <a:xfrm>
+            <a:off x="3877911" y="3991209"/>
+            <a:ext cx="1228409" cy="523220"/>
+          </a:xfrm>
+          <a:prstGeom prst="rect">
+            <a:avLst/>
+          </a:prstGeom>
+          <a:noFill/>
+          <a:ln w="12700">
+            <a:noFill/>
+          </a:ln>
+        </p:spPr>
+        <p:txBody>
+          <a:bodyPr wrap="square" rtlCol="0">
+            <a:spAutoFit/>
+          </a:bodyPr>
+          <a:lstStyle/>
+          <a:p>
+            <a:pPr algn="ctr"/>
+            <a:r>
+              <a:rPr lang="en-TW" sz="1400" i="1" dirty="0">
+                <a:latin typeface=""/>
+              </a:rPr>
+              <a:t>Input Interface </a:t>
+            </a:r>
+          </a:p>
+        </p:txBody>
+      </p:sp>
     </p:spTree>
     <p:extLst>
       <p:ext uri="{BB962C8B-B14F-4D97-AF65-F5344CB8AC3E}">
-        <p14:creationId xmlns:p14="http://schemas.microsoft.com/office/powerpoint/2010/main" val="4154670708"/>
+        <p14:creationId xmlns:p14="http://schemas.microsoft.com/office/powerpoint/2010/main" val="3971876223"/>
       </p:ext>
     </p:extLst>
   </p:cSld>
@@ -5247,4 +9575,299 @@
     </a:ext>
   </a:extLst>
 </a:theme>
+</file>
+
+<file path=ppt/theme/theme2.xml><?xml version="1.0" encoding="utf-8"?>
+<a:theme xmlns:a="http://schemas.openxmlformats.org/drawingml/2006/main" name="Office Theme">
+  <a:themeElements>
+    <a:clrScheme name="Office">
+      <a:dk1>
+        <a:sysClr val="windowText" lastClr="000000"/>
+      </a:dk1>
+      <a:lt1>
+        <a:sysClr val="window" lastClr="FFFFFF"/>
+      </a:lt1>
+      <a:dk2>
+        <a:srgbClr val="44546A"/>
+      </a:dk2>
+      <a:lt2>
+        <a:srgbClr val="E7E6E6"/>
+      </a:lt2>
+      <a:accent1>
+        <a:srgbClr val="4472C4"/>
+      </a:accent1>
+      <a:accent2>
+        <a:srgbClr val="ED7D31"/>
+      </a:accent2>
+      <a:accent3>
+        <a:srgbClr val="A5A5A5"/>
+      </a:accent3>
+      <a:accent4>
+        <a:srgbClr val="FFC000"/>
+      </a:accent4>
+      <a:accent5>
+        <a:srgbClr val="5B9BD5"/>
+      </a:accent5>
+      <a:accent6>
+        <a:srgbClr val="70AD47"/>
+      </a:accent6>
+      <a:hlink>
+        <a:srgbClr val="0563C1"/>
+      </a:hlink>
+      <a:folHlink>
+        <a:srgbClr val="954F72"/>
+      </a:folHlink>
+    </a:clrScheme>
+    <a:fontScheme name="Office">
+      <a:majorFont>
+        <a:latin typeface="Calibri Light" panose="020F0302020204030204"/>
+        <a:ea typeface=""/>
+        <a:cs typeface=""/>
+        <a:font script="Jpan" typeface="游ゴシック Light"/>
+        <a:font script="Hang" typeface="맑은 고딕"/>
+        <a:font script="Hans" typeface="等线 Light"/>
+        <a:font script="Hant" typeface="新細明體"/>
+        <a:font script="Arab" typeface="Times New Roman"/>
+        <a:font script="Hebr" typeface="Times New Roman"/>
+        <a:font script="Thai" typeface="Angsana New"/>
+        <a:font script="Ethi" typeface="Nyala"/>
+        <a:font script="Beng" typeface="Vrinda"/>
+        <a:font script="Gujr" typeface="Shruti"/>
+        <a:font script="Khmr" typeface="MoolBoran"/>
+        <a:font script="Knda" typeface="Tunga"/>
+        <a:font script="Guru" typeface="Raavi"/>
+        <a:font script="Cans" typeface="Euphemia"/>
+        <a:font script="Cher" typeface="Plantagenet Cherokee"/>
+        <a:font script="Yiii" typeface="Microsoft Yi Baiti"/>
+        <a:font script="Tibt" typeface="Microsoft Himalaya"/>
+        <a:font script="Thaa" typeface="MV Boli"/>
+        <a:font script="Deva" typeface="Mangal"/>
+        <a:font script="Telu" typeface="Gautami"/>
+        <a:font script="Taml" typeface="Latha"/>
+        <a:font script="Syrc" typeface="Estrangelo Edessa"/>
+        <a:font script="Orya" typeface="Kalinga"/>
+        <a:font script="Mlym" typeface="Kartika"/>
+        <a:font script="Laoo" typeface="DokChampa"/>
+        <a:font script="Sinh" typeface="Iskoola Pota"/>
+        <a:font script="Mong" typeface="Mongolian Baiti"/>
+        <a:font script="Viet" typeface="Times New Roman"/>
+        <a:font script="Uigh" typeface="Microsoft Uighur"/>
+        <a:font script="Geor" typeface="Sylfaen"/>
+        <a:font script="Armn" typeface="Arial"/>
+        <a:font script="Bugi" typeface="Leelawadee UI"/>
+        <a:font script="Bopo" typeface="Microsoft JhengHei"/>
+        <a:font script="Java" typeface="Javanese Text"/>
+        <a:font script="Lisu" typeface="Segoe UI"/>
+        <a:font script="Mymr" typeface="Myanmar Text"/>
+        <a:font script="Nkoo" typeface="Ebrima"/>
+        <a:font script="Olck" typeface="Nirmala UI"/>
+        <a:font script="Osma" typeface="Ebrima"/>
+        <a:font script="Phag" typeface="Phagspa"/>
+        <a:font script="Syrn" typeface="Estrangelo Edessa"/>
+        <a:font script="Syrj" typeface="Estrangelo Edessa"/>
+        <a:font script="Syre" typeface="Estrangelo Edessa"/>
+        <a:font script="Sora" typeface="Nirmala UI"/>
+        <a:font script="Tale" typeface="Microsoft Tai Le"/>
+        <a:font script="Talu" typeface="Microsoft New Tai Lue"/>
+        <a:font script="Tfng" typeface="Ebrima"/>
+      </a:majorFont>
+      <a:minorFont>
+        <a:latin typeface="Calibri" panose="020F0502020204030204"/>
+        <a:ea typeface=""/>
+        <a:cs typeface=""/>
+        <a:font script="Jpan" typeface="游ゴシック"/>
+        <a:font script="Hang" typeface="맑은 고딕"/>
+        <a:font script="Hans" typeface="等线"/>
+        <a:font script="Hant" typeface="新細明體"/>
+        <a:font script="Arab" typeface="Arial"/>
+        <a:font script="Hebr" typeface="Arial"/>
+        <a:font script="Thai" typeface="Cordia New"/>
+        <a:font script="Ethi" typeface="Nyala"/>
+        <a:font script="Beng" typeface="Vrinda"/>
+        <a:font script="Gujr" typeface="Shruti"/>
+        <a:font script="Khmr" typeface="DaunPenh"/>
+        <a:font script="Knda" typeface="Tunga"/>
+        <a:font script="Guru" typeface="Raavi"/>
+        <a:font script="Cans" typeface="Euphemia"/>
+        <a:font script="Cher" typeface="Plantagenet Cherokee"/>
+        <a:font script="Yiii" typeface="Microsoft Yi Baiti"/>
+        <a:font script="Tibt" typeface="Microsoft Himalaya"/>
+        <a:font script="Thaa" typeface="MV Boli"/>
+        <a:font script="Deva" typeface="Mangal"/>
+        <a:font script="Telu" typeface="Gautami"/>
+        <a:font script="Taml" typeface="Latha"/>
+        <a:font script="Syrc" typeface="Estrangelo Edessa"/>
+        <a:font script="Orya" typeface="Kalinga"/>
+        <a:font script="Mlym" typeface="Kartika"/>
+        <a:font script="Laoo" typeface="DokChampa"/>
+        <a:font script="Sinh" typeface="Iskoola Pota"/>
+        <a:font script="Mong" typeface="Mongolian Baiti"/>
+        <a:font script="Viet" typeface="Arial"/>
+        <a:font script="Uigh" typeface="Microsoft Uighur"/>
+        <a:font script="Geor" typeface="Sylfaen"/>
+        <a:font script="Armn" typeface="Arial"/>
+        <a:font script="Bugi" typeface="Leelawadee UI"/>
+        <a:font script="Bopo" typeface="Microsoft JhengHei"/>
+        <a:font script="Java" typeface="Javanese Text"/>
+        <a:font script="Lisu" typeface="Segoe UI"/>
+        <a:font script="Mymr" typeface="Myanmar Text"/>
+        <a:font script="Nkoo" typeface="Ebrima"/>
+        <a:font script="Olck" typeface="Nirmala UI"/>
+        <a:font script="Osma" typeface="Ebrima"/>
+        <a:font script="Phag" typeface="Phagspa"/>
+        <a:font script="Syrn" typeface="Estrangelo Edessa"/>
+        <a:font script="Syrj" typeface="Estrangelo Edessa"/>
+        <a:font script="Syre" typeface="Estrangelo Edessa"/>
+        <a:font script="Sora" typeface="Nirmala UI"/>
+        <a:font script="Tale" typeface="Microsoft Tai Le"/>
+        <a:font script="Talu" typeface="Microsoft New Tai Lue"/>
+        <a:font script="Tfng" typeface="Ebrima"/>
+      </a:minorFont>
+    </a:fontScheme>
+    <a:fmtScheme name="Office">
+      <a:fillStyleLst>
+        <a:solidFill>
+          <a:schemeClr val="phClr"/>
+        </a:solidFill>
+        <a:gradFill rotWithShape="1">
+          <a:gsLst>
+            <a:gs pos="0">
+              <a:schemeClr val="phClr">
+                <a:lumMod val="110000"/>
+                <a:satMod val="105000"/>
+                <a:tint val="67000"/>
+              </a:schemeClr>
+            </a:gs>
+            <a:gs pos="50000">
+              <a:schemeClr val="phClr">
+                <a:lumMod val="105000"/>
+                <a:satMod val="103000"/>
+                <a:tint val="73000"/>
+              </a:schemeClr>
+            </a:gs>
+            <a:gs pos="100000">
+              <a:schemeClr val="phClr">
+                <a:lumMod val="105000"/>
+                <a:satMod val="109000"/>
+                <a:tint val="81000"/>
+              </a:schemeClr>
+            </a:gs>
+          </a:gsLst>
+          <a:lin ang="5400000" scaled="0"/>
+        </a:gradFill>
+        <a:gradFill rotWithShape="1">
+          <a:gsLst>
+            <a:gs pos="0">
+              <a:schemeClr val="phClr">
+                <a:satMod val="103000"/>
+                <a:lumMod val="102000"/>
+                <a:tint val="94000"/>
+              </a:schemeClr>
+            </a:gs>
+            <a:gs pos="50000">
+              <a:schemeClr val="phClr">
+                <a:satMod val="110000"/>
+                <a:lumMod val="100000"/>
+                <a:shade val="100000"/>
+              </a:schemeClr>
+            </a:gs>
+            <a:gs pos="100000">
+              <a:schemeClr val="phClr">
+                <a:lumMod val="99000"/>
+                <a:satMod val="120000"/>
+                <a:shade val="78000"/>
+              </a:schemeClr>
+            </a:gs>
+          </a:gsLst>
+          <a:lin ang="5400000" scaled="0"/>
+        </a:gradFill>
+      </a:fillStyleLst>
+      <a:lnStyleLst>
+        <a:ln w="6350" cap="flat" cmpd="sng" algn="ctr">
+          <a:solidFill>
+            <a:schemeClr val="phClr"/>
+          </a:solidFill>
+          <a:prstDash val="solid"/>
+          <a:miter lim="800000"/>
+        </a:ln>
+        <a:ln w="12700" cap="flat" cmpd="sng" algn="ctr">
+          <a:solidFill>
+            <a:schemeClr val="phClr"/>
+          </a:solidFill>
+          <a:prstDash val="solid"/>
+          <a:miter lim="800000"/>
+        </a:ln>
+        <a:ln w="19050" cap="flat" cmpd="sng" algn="ctr">
+          <a:solidFill>
+            <a:schemeClr val="phClr"/>
+          </a:solidFill>
+          <a:prstDash val="solid"/>
+          <a:miter lim="800000"/>
+        </a:ln>
+      </a:lnStyleLst>
+      <a:effectStyleLst>
+        <a:effectStyle>
+          <a:effectLst/>
+        </a:effectStyle>
+        <a:effectStyle>
+          <a:effectLst/>
+        </a:effectStyle>
+        <a:effectStyle>
+          <a:effectLst>
+            <a:outerShdw blurRad="57150" dist="19050" dir="5400000" algn="ctr" rotWithShape="0">
+              <a:srgbClr val="000000">
+                <a:alpha val="63000"/>
+              </a:srgbClr>
+            </a:outerShdw>
+          </a:effectLst>
+        </a:effectStyle>
+      </a:effectStyleLst>
+      <a:bgFillStyleLst>
+        <a:solidFill>
+          <a:schemeClr val="phClr"/>
+        </a:solidFill>
+        <a:solidFill>
+          <a:schemeClr val="phClr">
+            <a:tint val="95000"/>
+            <a:satMod val="170000"/>
+          </a:schemeClr>
+        </a:solidFill>
+        <a:gradFill rotWithShape="1">
+          <a:gsLst>
+            <a:gs pos="0">
+              <a:schemeClr val="phClr">
+                <a:tint val="93000"/>
+                <a:satMod val="150000"/>
+                <a:shade val="98000"/>
+                <a:lumMod val="102000"/>
+              </a:schemeClr>
+            </a:gs>
+            <a:gs pos="50000">
+              <a:schemeClr val="phClr">
+                <a:tint val="98000"/>
+                <a:satMod val="130000"/>
+                <a:shade val="90000"/>
+                <a:lumMod val="103000"/>
+              </a:schemeClr>
+            </a:gs>
+            <a:gs pos="100000">
+              <a:schemeClr val="phClr">
+                <a:shade val="63000"/>
+                <a:satMod val="120000"/>
+              </a:schemeClr>
+            </a:gs>
+          </a:gsLst>
+          <a:lin ang="5400000" scaled="0"/>
+        </a:gradFill>
+      </a:bgFillStyleLst>
+    </a:fmtScheme>
+  </a:themeElements>
+  <a:objectDefaults/>
+  <a:extraClrSchemeLst/>
+  <a:extLst>
+    <a:ext uri="{05A4C25C-085E-4340-85A3-A5531E510DB2}">
+      <thm15:themeFamily xmlns:thm15="http://schemas.microsoft.com/office/thememl/2012/main" name="Office Theme" id="{62F939B6-93AF-4DB8-9C6B-D6C7DFDC589F}" vid="{4A3C46E8-61CC-4603-A589-7422A47A8E4A}"/>
+    </a:ext>
+  </a:extLst>
+</a:theme>
 </file>